--- a/src/files/slidet/heikura.pptx
+++ b/src/files/slidet/heikura.pptx
@@ -5,10 +5,10 @@
     <p:sldMasterId id="2147483650" r:id="rId1"/>
   </p:sldMasterIdLst>
   <p:notesMasterIdLst>
-    <p:notesMasterId r:id="rId41"/>
+    <p:notesMasterId r:id="rId28"/>
   </p:notesMasterIdLst>
   <p:handoutMasterIdLst>
-    <p:handoutMasterId r:id="rId42"/>
+    <p:handoutMasterId r:id="rId29"/>
   </p:handoutMasterIdLst>
   <p:sldIdLst>
     <p:sldId id="256" r:id="rId2"/>
@@ -27,29 +27,16 @@
     <p:sldId id="300" r:id="rId15"/>
     <p:sldId id="299" r:id="rId16"/>
     <p:sldId id="297" r:id="rId17"/>
-    <p:sldId id="287" r:id="rId18"/>
-    <p:sldId id="288" r:id="rId19"/>
-    <p:sldId id="301" r:id="rId20"/>
-    <p:sldId id="302" r:id="rId21"/>
-    <p:sldId id="262" r:id="rId22"/>
-    <p:sldId id="261" r:id="rId23"/>
-    <p:sldId id="263" r:id="rId24"/>
-    <p:sldId id="264" r:id="rId25"/>
-    <p:sldId id="283" r:id="rId26"/>
-    <p:sldId id="276" r:id="rId27"/>
-    <p:sldId id="272" r:id="rId28"/>
-    <p:sldId id="271" r:id="rId29"/>
-    <p:sldId id="279" r:id="rId30"/>
-    <p:sldId id="277" r:id="rId31"/>
-    <p:sldId id="270" r:id="rId32"/>
-    <p:sldId id="274" r:id="rId33"/>
-    <p:sldId id="269" r:id="rId34"/>
-    <p:sldId id="281" r:id="rId35"/>
-    <p:sldId id="282" r:id="rId36"/>
-    <p:sldId id="280" r:id="rId37"/>
-    <p:sldId id="265" r:id="rId38"/>
-    <p:sldId id="266" r:id="rId39"/>
-    <p:sldId id="267" r:id="rId40"/>
+    <p:sldId id="301" r:id="rId18"/>
+    <p:sldId id="302" r:id="rId19"/>
+    <p:sldId id="262" r:id="rId20"/>
+    <p:sldId id="261" r:id="rId21"/>
+    <p:sldId id="263" r:id="rId22"/>
+    <p:sldId id="264" r:id="rId23"/>
+    <p:sldId id="280" r:id="rId24"/>
+    <p:sldId id="265" r:id="rId25"/>
+    <p:sldId id="266" r:id="rId26"/>
+    <p:sldId id="267" r:id="rId27"/>
   </p:sldIdLst>
   <p:sldSz cx="9144000" cy="6858000" type="screen4x3"/>
   <p:notesSz cx="6797675" cy="9926638"/>
@@ -2442,11 +2429,7 @@
         <a:p>
           <a:r>
             <a:rPr lang="fi-FI" sz="1800" dirty="0" smtClean="0"/>
-            <a:t>Koostuu erillisistä palasista, joiden keskinäinen integrointi on </a:t>
-          </a:r>
-          <a:r>
-            <a:rPr lang="fi-FI" sz="1800" dirty="0" smtClean="0"/>
-            <a:t>haasteellista</a:t>
+            <a:t>Koostuu erillisistä palasista, joiden keskinäinen integrointi on haasteellista</a:t>
           </a:r>
           <a:endParaRPr lang="fi-FI" sz="1800" dirty="0"/>
         </a:p>
@@ -2967,35 +2950,35 @@
     </dgm:pt>
   </dgm:ptLst>
   <dgm:cxnLst>
+    <dgm:cxn modelId="{BD573559-D28C-48A5-B7BF-EAC61BC2F5BA}" srcId="{91B14AE5-4D2E-4864-8BB3-BC4C2EF773E8}" destId="{FF892574-8190-43A9-A387-A058F5E2F8B3}" srcOrd="1" destOrd="0" parTransId="{92939DA6-D601-4DDA-A090-9F0D5F5F79F7}" sibTransId="{40B4E178-10E9-4E96-9B63-02BCCB26EBD8}"/>
+    <dgm:cxn modelId="{DA304BD3-C87A-4CA6-B88D-34C047CFDC27}" srcId="{F97108D3-DDC0-471E-902E-ED1952FE0ABD}" destId="{3D054C79-0515-4369-A2BB-EE13C42A2A1B}" srcOrd="0" destOrd="0" parTransId="{7ACAD1F7-1E35-4137-967F-E4CC969139CF}" sibTransId="{062848A8-C7CE-4B79-930B-957E6CDBD107}"/>
+    <dgm:cxn modelId="{2BA0204D-D018-48BF-B12E-E49FFB1470E5}" srcId="{91B14AE5-4D2E-4864-8BB3-BC4C2EF773E8}" destId="{017DDA69-A483-4095-8A3F-9AC3F2EFF2E3}" srcOrd="3" destOrd="0" parTransId="{8D0F172C-DA73-4C17-B65E-91A1D43D2BEE}" sibTransId="{98ED4FDA-9520-45B6-B8C5-6380EAB4C114}"/>
     <dgm:cxn modelId="{7DD74092-1FD1-4C68-B0C6-88938FAB80B6}" type="presOf" srcId="{E3909BD9-68E8-4D09-A25A-DF1F8AD254AB}" destId="{093B0CB0-27FC-4A5F-9300-95139DF6661E}" srcOrd="0" destOrd="0" presId="urn:microsoft.com/office/officeart/2005/8/layout/vList5"/>
+    <dgm:cxn modelId="{23D2FD53-1BDE-41F7-B626-7B18CED041C5}" type="presOf" srcId="{08151189-DE00-4539-9F52-48AA5D629C46}" destId="{FD208343-EF00-4D7B-B10E-DDD60E65976E}" srcOrd="0" destOrd="0" presId="urn:microsoft.com/office/officeart/2005/8/layout/vList5"/>
+    <dgm:cxn modelId="{9881A1DB-2682-41D7-896C-0A5018C45369}" type="presOf" srcId="{E3749B2B-3974-4AEE-B151-E054F2DA6C64}" destId="{1A12B526-0AA4-45D5-953C-5FE050F6AB7D}" srcOrd="0" destOrd="0" presId="urn:microsoft.com/office/officeart/2005/8/layout/vList5"/>
+    <dgm:cxn modelId="{C4FFFEF4-E624-4E50-BB6D-8A36C9247BBD}" type="presOf" srcId="{E872B232-9657-4788-90D1-E969F39D3933}" destId="{518E5585-501B-4D95-899E-7AFD54C4F636}" srcOrd="0" destOrd="0" presId="urn:microsoft.com/office/officeart/2005/8/layout/vList5"/>
+    <dgm:cxn modelId="{C3BC37EE-38A8-4FE6-9E31-A60266913249}" srcId="{E3909BD9-68E8-4D09-A25A-DF1F8AD254AB}" destId="{E3749B2B-3974-4AEE-B151-E054F2DA6C64}" srcOrd="0" destOrd="0" parTransId="{25B04B4E-8BE2-4B72-B82A-346A3F4FFCEF}" sibTransId="{747C65E7-EEA4-4357-ABEE-F980C651B89E}"/>
+    <dgm:cxn modelId="{11568018-C04B-49D6-83C8-0C79BB48CD62}" srcId="{F97108D3-DDC0-471E-902E-ED1952FE0ABD}" destId="{FCA6ED52-912E-4E56-B908-32440066D911}" srcOrd="2" destOrd="0" parTransId="{CB7C64EB-1E1E-4D4F-ADDE-2855DA9ACA7A}" sibTransId="{E9F23A34-0146-4E55-BF85-D60BC573A30B}"/>
+    <dgm:cxn modelId="{0D023992-6540-496C-BF66-C0B78E1492FC}" type="presOf" srcId="{91B14AE5-4D2E-4864-8BB3-BC4C2EF773E8}" destId="{5591B55F-33DA-48F7-A282-5D51402F44AB}" srcOrd="0" destOrd="0" presId="urn:microsoft.com/office/officeart/2005/8/layout/vList5"/>
+    <dgm:cxn modelId="{9FE33E67-5CB2-4F61-AFB1-CFF32BECD7C8}" srcId="{E3909BD9-68E8-4D09-A25A-DF1F8AD254AB}" destId="{98A94625-38ED-4495-A20A-8D2161028367}" srcOrd="2" destOrd="0" parTransId="{32B117BB-A75A-4AF0-A4FE-742C4FF79F09}" sibTransId="{BDB5762E-74C8-4DAA-9209-6C0D7D985BBB}"/>
+    <dgm:cxn modelId="{3C14D2C6-72BB-4908-99FE-96CA8168631C}" type="presOf" srcId="{FCA6ED52-912E-4E56-B908-32440066D911}" destId="{A55C816A-C6EA-409C-8FBC-E94270CA5197}" srcOrd="0" destOrd="2" presId="urn:microsoft.com/office/officeart/2005/8/layout/vList5"/>
+    <dgm:cxn modelId="{823ECDF3-98D3-4BF4-8678-6E7D7CBA7528}" srcId="{08151189-DE00-4539-9F52-48AA5D629C46}" destId="{F97108D3-DDC0-471E-902E-ED1952FE0ABD}" srcOrd="1" destOrd="0" parTransId="{CF453A3B-AAEA-406F-8666-9C19E7E2A221}" sibTransId="{E3F209EF-26C5-4950-A4DE-665A34251AC2}"/>
+    <dgm:cxn modelId="{0359712D-70AB-4279-B690-D5B458AECCFE}" srcId="{08151189-DE00-4539-9F52-48AA5D629C46}" destId="{E3909BD9-68E8-4D09-A25A-DF1F8AD254AB}" srcOrd="0" destOrd="0" parTransId="{B1F1D4BE-5057-4DB7-AA92-77CF9415A492}" sibTransId="{6A41DDAE-DBFD-4F52-B1BB-39E2BBF63EA8}"/>
+    <dgm:cxn modelId="{FD9F7FD0-8460-4D53-B3FC-533D760BB60B}" srcId="{91B14AE5-4D2E-4864-8BB3-BC4C2EF773E8}" destId="{E872B232-9657-4788-90D1-E969F39D3933}" srcOrd="0" destOrd="0" parTransId="{26AB3B15-2998-435C-A2D9-24B4188E4018}" sibTransId="{A9BA1994-B97B-4C96-A130-5297307C3777}"/>
+    <dgm:cxn modelId="{00EB749F-7B1E-4DC3-9CF3-959D55FEF8C4}" srcId="{F97108D3-DDC0-471E-902E-ED1952FE0ABD}" destId="{816D3A52-07C2-46AD-8D0E-18CE0A49E32A}" srcOrd="3" destOrd="0" parTransId="{82E2D23B-FEAE-47DA-A461-ED6892E2719C}" sibTransId="{76FECCAA-088A-463C-A222-3018B95F1CC4}"/>
+    <dgm:cxn modelId="{D13F6FC8-5B25-480E-99A2-0EE4AFDDBF57}" srcId="{91B14AE5-4D2E-4864-8BB3-BC4C2EF773E8}" destId="{C045C9AC-924A-4F72-B870-34DE60F2EFC8}" srcOrd="2" destOrd="0" parTransId="{0E191608-C089-41B2-97B4-6734A6CA7971}" sibTransId="{85CB0524-AE58-4413-B6A1-E54C13796F95}"/>
+    <dgm:cxn modelId="{90BEB550-13F5-4351-B986-F4C72A373391}" type="presOf" srcId="{816D3A52-07C2-46AD-8D0E-18CE0A49E32A}" destId="{A55C816A-C6EA-409C-8FBC-E94270CA5197}" srcOrd="0" destOrd="3" presId="urn:microsoft.com/office/officeart/2005/8/layout/vList5"/>
+    <dgm:cxn modelId="{1D26A61A-2801-402C-90A0-0BAE971A8366}" type="presOf" srcId="{98A94625-38ED-4495-A20A-8D2161028367}" destId="{1A12B526-0AA4-45D5-953C-5FE050F6AB7D}" srcOrd="0" destOrd="2" presId="urn:microsoft.com/office/officeart/2005/8/layout/vList5"/>
+    <dgm:cxn modelId="{2A4CC54F-1E55-417E-8E74-7B6F35123EB9}" type="presOf" srcId="{3D054C79-0515-4369-A2BB-EE13C42A2A1B}" destId="{A55C816A-C6EA-409C-8FBC-E94270CA5197}" srcOrd="0" destOrd="0" presId="urn:microsoft.com/office/officeart/2005/8/layout/vList5"/>
+    <dgm:cxn modelId="{031DEB18-59CD-40A2-B965-D21FF9032622}" srcId="{E3909BD9-68E8-4D09-A25A-DF1F8AD254AB}" destId="{A566A147-5ADF-4B89-A23E-CE11717E1F2B}" srcOrd="1" destOrd="0" parTransId="{9084F588-B957-43BC-8452-62D60902B64F}" sibTransId="{CA065816-1B86-4FD3-8F1A-7BFB6B9B1CF8}"/>
+    <dgm:cxn modelId="{16DDBEFB-292C-4B65-A347-4130D8167EE8}" type="presOf" srcId="{2D897503-6406-4ADC-8072-32766894BAA7}" destId="{A55C816A-C6EA-409C-8FBC-E94270CA5197}" srcOrd="0" destOrd="1" presId="urn:microsoft.com/office/officeart/2005/8/layout/vList5"/>
+    <dgm:cxn modelId="{50C160E7-DFDA-40F9-B877-393FF10CB86C}" type="presOf" srcId="{017DDA69-A483-4095-8A3F-9AC3F2EFF2E3}" destId="{518E5585-501B-4D95-899E-7AFD54C4F636}" srcOrd="0" destOrd="3" presId="urn:microsoft.com/office/officeart/2005/8/layout/vList5"/>
+    <dgm:cxn modelId="{E2CF75C8-8BE7-4B65-BD76-9F9460109D90}" type="presOf" srcId="{FF892574-8190-43A9-A387-A058F5E2F8B3}" destId="{518E5585-501B-4D95-899E-7AFD54C4F636}" srcOrd="0" destOrd="1" presId="urn:microsoft.com/office/officeart/2005/8/layout/vList5"/>
+    <dgm:cxn modelId="{74EA0BF3-9ACE-4AC7-A716-ECD768879075}" type="presOf" srcId="{C045C9AC-924A-4F72-B870-34DE60F2EFC8}" destId="{518E5585-501B-4D95-899E-7AFD54C4F636}" srcOrd="0" destOrd="2" presId="urn:microsoft.com/office/officeart/2005/8/layout/vList5"/>
+    <dgm:cxn modelId="{887BE938-7E8A-4103-8AFF-DA149B8769A9}" type="presOf" srcId="{A566A147-5ADF-4B89-A23E-CE11717E1F2B}" destId="{1A12B526-0AA4-45D5-953C-5FE050F6AB7D}" srcOrd="0" destOrd="1" presId="urn:microsoft.com/office/officeart/2005/8/layout/vList5"/>
+    <dgm:cxn modelId="{55D63D79-3CBD-4C55-BCE0-CC6F79F7E97D}" srcId="{08151189-DE00-4539-9F52-48AA5D629C46}" destId="{91B14AE5-4D2E-4864-8BB3-BC4C2EF773E8}" srcOrd="2" destOrd="0" parTransId="{DFCA3938-5EFC-4352-99FB-DE48955FB554}" sibTransId="{7D8E9EED-A93C-4AB0-9E0F-C5548BC5DC66}"/>
     <dgm:cxn modelId="{AFD97C7F-D9F6-4267-9B3A-3210F6E4BD45}" srcId="{F97108D3-DDC0-471E-902E-ED1952FE0ABD}" destId="{2D897503-6406-4ADC-8072-32766894BAA7}" srcOrd="1" destOrd="0" parTransId="{803F91A1-8FAA-423C-8F04-F0D7AFEF9EA1}" sibTransId="{D5C870F9-9726-4A79-9904-917A40E2F776}"/>
     <dgm:cxn modelId="{8A0CEA4D-76DA-4ACD-AC20-5B941A6884FA}" type="presOf" srcId="{F97108D3-DDC0-471E-902E-ED1952FE0ABD}" destId="{6B3947CF-ACF2-46CD-88E5-026ECDDD5E05}" srcOrd="0" destOrd="0" presId="urn:microsoft.com/office/officeart/2005/8/layout/vList5"/>
-    <dgm:cxn modelId="{E2CF75C8-8BE7-4B65-BD76-9F9460109D90}" type="presOf" srcId="{FF892574-8190-43A9-A387-A058F5E2F8B3}" destId="{518E5585-501B-4D95-899E-7AFD54C4F636}" srcOrd="0" destOrd="1" presId="urn:microsoft.com/office/officeart/2005/8/layout/vList5"/>
-    <dgm:cxn modelId="{55D63D79-3CBD-4C55-BCE0-CC6F79F7E97D}" srcId="{08151189-DE00-4539-9F52-48AA5D629C46}" destId="{91B14AE5-4D2E-4864-8BB3-BC4C2EF773E8}" srcOrd="2" destOrd="0" parTransId="{DFCA3938-5EFC-4352-99FB-DE48955FB554}" sibTransId="{7D8E9EED-A93C-4AB0-9E0F-C5548BC5DC66}"/>
-    <dgm:cxn modelId="{C4FFFEF4-E624-4E50-BB6D-8A36C9247BBD}" type="presOf" srcId="{E872B232-9657-4788-90D1-E969F39D3933}" destId="{518E5585-501B-4D95-899E-7AFD54C4F636}" srcOrd="0" destOrd="0" presId="urn:microsoft.com/office/officeart/2005/8/layout/vList5"/>
-    <dgm:cxn modelId="{1D26A61A-2801-402C-90A0-0BAE971A8366}" type="presOf" srcId="{98A94625-38ED-4495-A20A-8D2161028367}" destId="{1A12B526-0AA4-45D5-953C-5FE050F6AB7D}" srcOrd="0" destOrd="2" presId="urn:microsoft.com/office/officeart/2005/8/layout/vList5"/>
-    <dgm:cxn modelId="{887BE938-7E8A-4103-8AFF-DA149B8769A9}" type="presOf" srcId="{A566A147-5ADF-4B89-A23E-CE11717E1F2B}" destId="{1A12B526-0AA4-45D5-953C-5FE050F6AB7D}" srcOrd="0" destOrd="1" presId="urn:microsoft.com/office/officeart/2005/8/layout/vList5"/>
-    <dgm:cxn modelId="{9881A1DB-2682-41D7-896C-0A5018C45369}" type="presOf" srcId="{E3749B2B-3974-4AEE-B151-E054F2DA6C64}" destId="{1A12B526-0AA4-45D5-953C-5FE050F6AB7D}" srcOrd="0" destOrd="0" presId="urn:microsoft.com/office/officeart/2005/8/layout/vList5"/>
-    <dgm:cxn modelId="{FD9F7FD0-8460-4D53-B3FC-533D760BB60B}" srcId="{91B14AE5-4D2E-4864-8BB3-BC4C2EF773E8}" destId="{E872B232-9657-4788-90D1-E969F39D3933}" srcOrd="0" destOrd="0" parTransId="{26AB3B15-2998-435C-A2D9-24B4188E4018}" sibTransId="{A9BA1994-B97B-4C96-A130-5297307C3777}"/>
-    <dgm:cxn modelId="{0359712D-70AB-4279-B690-D5B458AECCFE}" srcId="{08151189-DE00-4539-9F52-48AA5D629C46}" destId="{E3909BD9-68E8-4D09-A25A-DF1F8AD254AB}" srcOrd="0" destOrd="0" parTransId="{B1F1D4BE-5057-4DB7-AA92-77CF9415A492}" sibTransId="{6A41DDAE-DBFD-4F52-B1BB-39E2BBF63EA8}"/>
-    <dgm:cxn modelId="{0D023992-6540-496C-BF66-C0B78E1492FC}" type="presOf" srcId="{91B14AE5-4D2E-4864-8BB3-BC4C2EF773E8}" destId="{5591B55F-33DA-48F7-A282-5D51402F44AB}" srcOrd="0" destOrd="0" presId="urn:microsoft.com/office/officeart/2005/8/layout/vList5"/>
-    <dgm:cxn modelId="{031DEB18-59CD-40A2-B965-D21FF9032622}" srcId="{E3909BD9-68E8-4D09-A25A-DF1F8AD254AB}" destId="{A566A147-5ADF-4B89-A23E-CE11717E1F2B}" srcOrd="1" destOrd="0" parTransId="{9084F588-B957-43BC-8452-62D60902B64F}" sibTransId="{CA065816-1B86-4FD3-8F1A-7BFB6B9B1CF8}"/>
-    <dgm:cxn modelId="{2BA0204D-D018-48BF-B12E-E49FFB1470E5}" srcId="{91B14AE5-4D2E-4864-8BB3-BC4C2EF773E8}" destId="{017DDA69-A483-4095-8A3F-9AC3F2EFF2E3}" srcOrd="3" destOrd="0" parTransId="{8D0F172C-DA73-4C17-B65E-91A1D43D2BEE}" sibTransId="{98ED4FDA-9520-45B6-B8C5-6380EAB4C114}"/>
-    <dgm:cxn modelId="{11568018-C04B-49D6-83C8-0C79BB48CD62}" srcId="{F97108D3-DDC0-471E-902E-ED1952FE0ABD}" destId="{FCA6ED52-912E-4E56-B908-32440066D911}" srcOrd="2" destOrd="0" parTransId="{CB7C64EB-1E1E-4D4F-ADDE-2855DA9ACA7A}" sibTransId="{E9F23A34-0146-4E55-BF85-D60BC573A30B}"/>
-    <dgm:cxn modelId="{823ECDF3-98D3-4BF4-8678-6E7D7CBA7528}" srcId="{08151189-DE00-4539-9F52-48AA5D629C46}" destId="{F97108D3-DDC0-471E-902E-ED1952FE0ABD}" srcOrd="1" destOrd="0" parTransId="{CF453A3B-AAEA-406F-8666-9C19E7E2A221}" sibTransId="{E3F209EF-26C5-4950-A4DE-665A34251AC2}"/>
-    <dgm:cxn modelId="{90BEB550-13F5-4351-B986-F4C72A373391}" type="presOf" srcId="{816D3A52-07C2-46AD-8D0E-18CE0A49E32A}" destId="{A55C816A-C6EA-409C-8FBC-E94270CA5197}" srcOrd="0" destOrd="3" presId="urn:microsoft.com/office/officeart/2005/8/layout/vList5"/>
-    <dgm:cxn modelId="{00EB749F-7B1E-4DC3-9CF3-959D55FEF8C4}" srcId="{F97108D3-DDC0-471E-902E-ED1952FE0ABD}" destId="{816D3A52-07C2-46AD-8D0E-18CE0A49E32A}" srcOrd="3" destOrd="0" parTransId="{82E2D23B-FEAE-47DA-A461-ED6892E2719C}" sibTransId="{76FECCAA-088A-463C-A222-3018B95F1CC4}"/>
-    <dgm:cxn modelId="{BD573559-D28C-48A5-B7BF-EAC61BC2F5BA}" srcId="{91B14AE5-4D2E-4864-8BB3-BC4C2EF773E8}" destId="{FF892574-8190-43A9-A387-A058F5E2F8B3}" srcOrd="1" destOrd="0" parTransId="{92939DA6-D601-4DDA-A090-9F0D5F5F79F7}" sibTransId="{40B4E178-10E9-4E96-9B63-02BCCB26EBD8}"/>
-    <dgm:cxn modelId="{D13F6FC8-5B25-480E-99A2-0EE4AFDDBF57}" srcId="{91B14AE5-4D2E-4864-8BB3-BC4C2EF773E8}" destId="{C045C9AC-924A-4F72-B870-34DE60F2EFC8}" srcOrd="2" destOrd="0" parTransId="{0E191608-C089-41B2-97B4-6734A6CA7971}" sibTransId="{85CB0524-AE58-4413-B6A1-E54C13796F95}"/>
-    <dgm:cxn modelId="{9FE33E67-5CB2-4F61-AFB1-CFF32BECD7C8}" srcId="{E3909BD9-68E8-4D09-A25A-DF1F8AD254AB}" destId="{98A94625-38ED-4495-A20A-8D2161028367}" srcOrd="2" destOrd="0" parTransId="{32B117BB-A75A-4AF0-A4FE-742C4FF79F09}" sibTransId="{BDB5762E-74C8-4DAA-9209-6C0D7D985BBB}"/>
-    <dgm:cxn modelId="{DA304BD3-C87A-4CA6-B88D-34C047CFDC27}" srcId="{F97108D3-DDC0-471E-902E-ED1952FE0ABD}" destId="{3D054C79-0515-4369-A2BB-EE13C42A2A1B}" srcOrd="0" destOrd="0" parTransId="{7ACAD1F7-1E35-4137-967F-E4CC969139CF}" sibTransId="{062848A8-C7CE-4B79-930B-957E6CDBD107}"/>
-    <dgm:cxn modelId="{74EA0BF3-9ACE-4AC7-A716-ECD768879075}" type="presOf" srcId="{C045C9AC-924A-4F72-B870-34DE60F2EFC8}" destId="{518E5585-501B-4D95-899E-7AFD54C4F636}" srcOrd="0" destOrd="2" presId="urn:microsoft.com/office/officeart/2005/8/layout/vList5"/>
-    <dgm:cxn modelId="{3C14D2C6-72BB-4908-99FE-96CA8168631C}" type="presOf" srcId="{FCA6ED52-912E-4E56-B908-32440066D911}" destId="{A55C816A-C6EA-409C-8FBC-E94270CA5197}" srcOrd="0" destOrd="2" presId="urn:microsoft.com/office/officeart/2005/8/layout/vList5"/>
-    <dgm:cxn modelId="{23D2FD53-1BDE-41F7-B626-7B18CED041C5}" type="presOf" srcId="{08151189-DE00-4539-9F52-48AA5D629C46}" destId="{FD208343-EF00-4D7B-B10E-DDD60E65976E}" srcOrd="0" destOrd="0" presId="urn:microsoft.com/office/officeart/2005/8/layout/vList5"/>
-    <dgm:cxn modelId="{C3BC37EE-38A8-4FE6-9E31-A60266913249}" srcId="{E3909BD9-68E8-4D09-A25A-DF1F8AD254AB}" destId="{E3749B2B-3974-4AEE-B151-E054F2DA6C64}" srcOrd="0" destOrd="0" parTransId="{25B04B4E-8BE2-4B72-B82A-346A3F4FFCEF}" sibTransId="{747C65E7-EEA4-4357-ABEE-F980C651B89E}"/>
-    <dgm:cxn modelId="{50C160E7-DFDA-40F9-B877-393FF10CB86C}" type="presOf" srcId="{017DDA69-A483-4095-8A3F-9AC3F2EFF2E3}" destId="{518E5585-501B-4D95-899E-7AFD54C4F636}" srcOrd="0" destOrd="3" presId="urn:microsoft.com/office/officeart/2005/8/layout/vList5"/>
-    <dgm:cxn modelId="{16DDBEFB-292C-4B65-A347-4130D8167EE8}" type="presOf" srcId="{2D897503-6406-4ADC-8072-32766894BAA7}" destId="{A55C816A-C6EA-409C-8FBC-E94270CA5197}" srcOrd="0" destOrd="1" presId="urn:microsoft.com/office/officeart/2005/8/layout/vList5"/>
-    <dgm:cxn modelId="{2A4CC54F-1E55-417E-8E74-7B6F35123EB9}" type="presOf" srcId="{3D054C79-0515-4369-A2BB-EE13C42A2A1B}" destId="{A55C816A-C6EA-409C-8FBC-E94270CA5197}" srcOrd="0" destOrd="0" presId="urn:microsoft.com/office/officeart/2005/8/layout/vList5"/>
     <dgm:cxn modelId="{E827A0ED-DBD7-4BBC-B10E-5A8A09BF8AE5}" type="presParOf" srcId="{FD208343-EF00-4D7B-B10E-DDD60E65976E}" destId="{08830190-5017-4EE2-ADB3-2D68B73419E4}" srcOrd="0" destOrd="0" presId="urn:microsoft.com/office/officeart/2005/8/layout/vList5"/>
     <dgm:cxn modelId="{CD0D3ADB-DB74-4DE4-85C7-2BCFAC33CC80}" type="presParOf" srcId="{08830190-5017-4EE2-ADB3-2D68B73419E4}" destId="{093B0CB0-27FC-4A5F-9300-95139DF6661E}" srcOrd="0" destOrd="0" presId="urn:microsoft.com/office/officeart/2005/8/layout/vList5"/>
     <dgm:cxn modelId="{29339330-A498-45FB-AE33-97D0CAFCFA24}" type="presParOf" srcId="{08830190-5017-4EE2-ADB3-2D68B73419E4}" destId="{1A12B526-0AA4-45D5-953C-5FE050F6AB7D}" srcOrd="1" destOrd="0" presId="urn:microsoft.com/office/officeart/2005/8/layout/vList5"/>
@@ -3960,11 +3943,7 @@
           </a:pPr>
           <a:r>
             <a:rPr lang="fi-FI" sz="1800" kern="1200" dirty="0" smtClean="0"/>
-            <a:t>Koostuu erillisistä palasista, joiden keskinäinen integrointi on </a:t>
-          </a:r>
-          <a:r>
-            <a:rPr lang="fi-FI" sz="1800" kern="1200" dirty="0" smtClean="0"/>
-            <a:t>haasteellista</a:t>
+            <a:t>Koostuu erillisistä palasista, joiden keskinäinen integrointi on haasteellista</a:t>
           </a:r>
           <a:endParaRPr lang="fi-FI" sz="1800" kern="1200" dirty="0"/>
         </a:p>
@@ -7126,7 +7105,7 @@
               <a:pPr>
                 <a:defRPr/>
               </a:pPr>
-              <a:t>2.11.2014</a:t>
+              <a:t>8.11.2014</a:t>
             </a:fld>
             <a:endParaRPr lang="fi-FI"/>
           </a:p>
@@ -7352,7 +7331,7 @@
               <a:pPr>
                 <a:defRPr/>
               </a:pPr>
-              <a:t>2.11.2014</a:t>
+              <a:t>8.11.2014</a:t>
             </a:fld>
             <a:endParaRPr lang="fi-FI"/>
           </a:p>
@@ -7873,7 +7852,7 @@
                   <a:spcPct val="0"/>
                 </a:spcBef>
               </a:pPr>
-              <a:t>2.11.2014</a:t>
+              <a:t>8.11.2014</a:t>
             </a:fld>
             <a:endParaRPr lang="fi-FI" altLang="fi-FI" smtClean="0">
               <a:latin typeface="Arial" charset="0"/>
@@ -8281,7 +8260,7 @@
             <a:fld id="{AB548334-2323-415D-906D-B6595491209B}" type="datetime1">
               <a:rPr lang="fi-FI"/>
               <a:pPr eaLnBrk="1" hangingPunct="1"/>
-              <a:t>2.11.2014</a:t>
+              <a:t>8.11.2014</a:t>
             </a:fld>
             <a:endParaRPr lang="fi-FI"/>
           </a:p>
@@ -9003,7 +8982,7 @@
               <a:pPr>
                 <a:defRPr/>
               </a:pPr>
-              <a:t>2.11.2014</a:t>
+              <a:t>8.11.2014</a:t>
             </a:fld>
             <a:endParaRPr lang="fi-FI"/>
           </a:p>
@@ -9256,7 +9235,7 @@
               <a:pPr>
                 <a:defRPr/>
               </a:pPr>
-              <a:t>2.11.2014</a:t>
+              <a:t>8.11.2014</a:t>
             </a:fld>
             <a:endParaRPr lang="fi-FI"/>
           </a:p>
@@ -9377,7 +9356,7 @@
             <a:fld id="{15C75B1A-146B-4F0E-87FF-CCCB375F613A}" type="datetime1">
               <a:rPr lang="fi-FI" smtClean="0"/>
               <a:pPr/>
-              <a:t>2.11.2014</a:t>
+              <a:t>8.11.2014</a:t>
             </a:fld>
             <a:endParaRPr lang="fi-FI"/>
           </a:p>
@@ -9404,432 +9383,6 @@
               <a:t>13</a:t>
             </a:fld>
             <a:endParaRPr lang="fi-FI"/>
-          </a:p>
-        </p:txBody>
-      </p:sp>
-    </p:spTree>
-  </p:cSld>
-  <p:clrMapOvr>
-    <a:masterClrMapping/>
-  </p:clrMapOvr>
-</p:notes>
-</file>
-
-<file path=ppt/notesSlides/notesSlide9.xml><?xml version="1.0" encoding="utf-8"?>
-<p:notes xmlns:a="http://schemas.openxmlformats.org/drawingml/2006/main" xmlns:r="http://schemas.openxmlformats.org/officeDocument/2006/relationships" xmlns:p="http://schemas.openxmlformats.org/presentationml/2006/main">
-  <p:cSld>
-    <p:spTree>
-      <p:nvGrpSpPr>
-        <p:cNvPr id="1" name=""/>
-        <p:cNvGrpSpPr/>
-        <p:nvPr/>
-      </p:nvGrpSpPr>
-      <p:grpSpPr>
-        <a:xfrm>
-          <a:off x="0" y="0"/>
-          <a:ext cx="0" cy="0"/>
-          <a:chOff x="0" y="0"/>
-          <a:chExt cx="0" cy="0"/>
-        </a:xfrm>
-      </p:grpSpPr>
-      <p:sp>
-        <p:nvSpPr>
-          <p:cNvPr id="6146" name="Rectangle 3"/>
-          <p:cNvSpPr>
-            <a:spLocks noGrp="1" noChangeArrowheads="1"/>
-          </p:cNvSpPr>
-          <p:nvPr>
-            <p:ph type="dt" sz="quarter" idx="1"/>
-          </p:nvPr>
-        </p:nvSpPr>
-        <p:spPr>
-          <a:noFill/>
-          <a:extLst>
-            <a:ext uri="{909E8E84-426E-40DD-AFC4-6F175D3DCCD1}">
-              <a14:hiddenFill xmlns:a14="http://schemas.microsoft.com/office/drawing/2010/main">
-                <a:solidFill>
-                  <a:srgbClr val="FFFFFF"/>
-                </a:solidFill>
-              </a14:hiddenFill>
-            </a:ext>
-            <a:ext uri="{91240B29-F687-4F45-9708-019B960494DF}">
-              <a14:hiddenLine xmlns:a14="http://schemas.microsoft.com/office/drawing/2010/main" w="9525">
-                <a:solidFill>
-                  <a:srgbClr val="000000"/>
-                </a:solidFill>
-                <a:miter lim="800000"/>
-                <a:headEnd/>
-                <a:tailEnd/>
-              </a14:hiddenLine>
-            </a:ext>
-          </a:extLst>
-        </p:spPr>
-        <p:txBody>
-          <a:bodyPr/>
-          <a:lstStyle>
-            <a:lvl1pPr eaLnBrk="0" hangingPunct="0">
-              <a:spcBef>
-                <a:spcPct val="30000"/>
-              </a:spcBef>
-              <a:defRPr sz="1200">
-                <a:solidFill>
-                  <a:schemeClr val="tx1"/>
-                </a:solidFill>
-                <a:latin typeface="Times New Roman" pitchFamily="18" charset="0"/>
-              </a:defRPr>
-            </a:lvl1pPr>
-            <a:lvl2pPr marL="742950" indent="-285750" eaLnBrk="0" hangingPunct="0">
-              <a:spcBef>
-                <a:spcPct val="30000"/>
-              </a:spcBef>
-              <a:defRPr sz="1200">
-                <a:solidFill>
-                  <a:schemeClr val="tx1"/>
-                </a:solidFill>
-                <a:latin typeface="Times New Roman" pitchFamily="18" charset="0"/>
-              </a:defRPr>
-            </a:lvl2pPr>
-            <a:lvl3pPr marL="1143000" indent="-228600" eaLnBrk="0" hangingPunct="0">
-              <a:spcBef>
-                <a:spcPct val="30000"/>
-              </a:spcBef>
-              <a:defRPr sz="1200">
-                <a:solidFill>
-                  <a:schemeClr val="tx1"/>
-                </a:solidFill>
-                <a:latin typeface="Times New Roman" pitchFamily="18" charset="0"/>
-              </a:defRPr>
-            </a:lvl3pPr>
-            <a:lvl4pPr marL="1600200" indent="-228600" eaLnBrk="0" hangingPunct="0">
-              <a:spcBef>
-                <a:spcPct val="30000"/>
-              </a:spcBef>
-              <a:defRPr sz="1200">
-                <a:solidFill>
-                  <a:schemeClr val="tx1"/>
-                </a:solidFill>
-                <a:latin typeface="Times New Roman" pitchFamily="18" charset="0"/>
-              </a:defRPr>
-            </a:lvl4pPr>
-            <a:lvl5pPr marL="2057400" indent="-228600" eaLnBrk="0" hangingPunct="0">
-              <a:spcBef>
-                <a:spcPct val="30000"/>
-              </a:spcBef>
-              <a:defRPr sz="1200">
-                <a:solidFill>
-                  <a:schemeClr val="tx1"/>
-                </a:solidFill>
-                <a:latin typeface="Times New Roman" pitchFamily="18" charset="0"/>
-              </a:defRPr>
-            </a:lvl5pPr>
-            <a:lvl6pPr marL="2514600" indent="-228600" eaLnBrk="0" fontAlgn="base" hangingPunct="0">
-              <a:spcBef>
-                <a:spcPct val="30000"/>
-              </a:spcBef>
-              <a:spcAft>
-                <a:spcPct val="0"/>
-              </a:spcAft>
-              <a:defRPr sz="1200">
-                <a:solidFill>
-                  <a:schemeClr val="tx1"/>
-                </a:solidFill>
-                <a:latin typeface="Times New Roman" pitchFamily="18" charset="0"/>
-              </a:defRPr>
-            </a:lvl6pPr>
-            <a:lvl7pPr marL="2971800" indent="-228600" eaLnBrk="0" fontAlgn="base" hangingPunct="0">
-              <a:spcBef>
-                <a:spcPct val="30000"/>
-              </a:spcBef>
-              <a:spcAft>
-                <a:spcPct val="0"/>
-              </a:spcAft>
-              <a:defRPr sz="1200">
-                <a:solidFill>
-                  <a:schemeClr val="tx1"/>
-                </a:solidFill>
-                <a:latin typeface="Times New Roman" pitchFamily="18" charset="0"/>
-              </a:defRPr>
-            </a:lvl7pPr>
-            <a:lvl8pPr marL="3429000" indent="-228600" eaLnBrk="0" fontAlgn="base" hangingPunct="0">
-              <a:spcBef>
-                <a:spcPct val="30000"/>
-              </a:spcBef>
-              <a:spcAft>
-                <a:spcPct val="0"/>
-              </a:spcAft>
-              <a:defRPr sz="1200">
-                <a:solidFill>
-                  <a:schemeClr val="tx1"/>
-                </a:solidFill>
-                <a:latin typeface="Times New Roman" pitchFamily="18" charset="0"/>
-              </a:defRPr>
-            </a:lvl8pPr>
-            <a:lvl9pPr marL="3886200" indent="-228600" eaLnBrk="0" fontAlgn="base" hangingPunct="0">
-              <a:spcBef>
-                <a:spcPct val="30000"/>
-              </a:spcBef>
-              <a:spcAft>
-                <a:spcPct val="0"/>
-              </a:spcAft>
-              <a:defRPr sz="1200">
-                <a:solidFill>
-                  <a:schemeClr val="tx1"/>
-                </a:solidFill>
-                <a:latin typeface="Times New Roman" pitchFamily="18" charset="0"/>
-              </a:defRPr>
-            </a:lvl9pPr>
-          </a:lstStyle>
-          <a:p>
-            <a:pPr eaLnBrk="1" hangingPunct="1">
-              <a:spcBef>
-                <a:spcPct val="0"/>
-              </a:spcBef>
-            </a:pPr>
-            <a:fld id="{2CC4EEA7-25D9-43BB-BB11-7688BCF43FD0}" type="datetime1">
-              <a:rPr lang="fi-FI" altLang="fi-FI" smtClean="0">
-                <a:latin typeface="Arial" charset="0"/>
-              </a:rPr>
-              <a:pPr eaLnBrk="1" hangingPunct="1">
-                <a:spcBef>
-                  <a:spcPct val="0"/>
-                </a:spcBef>
-              </a:pPr>
-              <a:t>2.11.2014</a:t>
-            </a:fld>
-            <a:endParaRPr lang="fi-FI" altLang="fi-FI" smtClean="0">
-              <a:latin typeface="Arial" charset="0"/>
-            </a:endParaRPr>
-          </a:p>
-        </p:txBody>
-      </p:sp>
-      <p:sp>
-        <p:nvSpPr>
-          <p:cNvPr id="6147" name="Rectangle 7"/>
-          <p:cNvSpPr>
-            <a:spLocks noGrp="1" noChangeArrowheads="1"/>
-          </p:cNvSpPr>
-          <p:nvPr>
-            <p:ph type="sldNum" sz="quarter" idx="5"/>
-          </p:nvPr>
-        </p:nvSpPr>
-        <p:spPr>
-          <a:noFill/>
-          <a:extLst>
-            <a:ext uri="{909E8E84-426E-40DD-AFC4-6F175D3DCCD1}">
-              <a14:hiddenFill xmlns:a14="http://schemas.microsoft.com/office/drawing/2010/main">
-                <a:solidFill>
-                  <a:srgbClr val="FFFFFF"/>
-                </a:solidFill>
-              </a14:hiddenFill>
-            </a:ext>
-            <a:ext uri="{91240B29-F687-4F45-9708-019B960494DF}">
-              <a14:hiddenLine xmlns:a14="http://schemas.microsoft.com/office/drawing/2010/main" w="9525">
-                <a:solidFill>
-                  <a:srgbClr val="000000"/>
-                </a:solidFill>
-                <a:miter lim="800000"/>
-                <a:headEnd/>
-                <a:tailEnd/>
-              </a14:hiddenLine>
-            </a:ext>
-          </a:extLst>
-        </p:spPr>
-        <p:txBody>
-          <a:bodyPr/>
-          <a:lstStyle>
-            <a:lvl1pPr eaLnBrk="0" hangingPunct="0">
-              <a:spcBef>
-                <a:spcPct val="30000"/>
-              </a:spcBef>
-              <a:defRPr sz="1200">
-                <a:solidFill>
-                  <a:schemeClr val="tx1"/>
-                </a:solidFill>
-                <a:latin typeface="Times New Roman" pitchFamily="18" charset="0"/>
-              </a:defRPr>
-            </a:lvl1pPr>
-            <a:lvl2pPr marL="742950" indent="-285750" eaLnBrk="0" hangingPunct="0">
-              <a:spcBef>
-                <a:spcPct val="30000"/>
-              </a:spcBef>
-              <a:defRPr sz="1200">
-                <a:solidFill>
-                  <a:schemeClr val="tx1"/>
-                </a:solidFill>
-                <a:latin typeface="Times New Roman" pitchFamily="18" charset="0"/>
-              </a:defRPr>
-            </a:lvl2pPr>
-            <a:lvl3pPr marL="1143000" indent="-228600" eaLnBrk="0" hangingPunct="0">
-              <a:spcBef>
-                <a:spcPct val="30000"/>
-              </a:spcBef>
-              <a:defRPr sz="1200">
-                <a:solidFill>
-                  <a:schemeClr val="tx1"/>
-                </a:solidFill>
-                <a:latin typeface="Times New Roman" pitchFamily="18" charset="0"/>
-              </a:defRPr>
-            </a:lvl3pPr>
-            <a:lvl4pPr marL="1600200" indent="-228600" eaLnBrk="0" hangingPunct="0">
-              <a:spcBef>
-                <a:spcPct val="30000"/>
-              </a:spcBef>
-              <a:defRPr sz="1200">
-                <a:solidFill>
-                  <a:schemeClr val="tx1"/>
-                </a:solidFill>
-                <a:latin typeface="Times New Roman" pitchFamily="18" charset="0"/>
-              </a:defRPr>
-            </a:lvl4pPr>
-            <a:lvl5pPr marL="2057400" indent="-228600" eaLnBrk="0" hangingPunct="0">
-              <a:spcBef>
-                <a:spcPct val="30000"/>
-              </a:spcBef>
-              <a:defRPr sz="1200">
-                <a:solidFill>
-                  <a:schemeClr val="tx1"/>
-                </a:solidFill>
-                <a:latin typeface="Times New Roman" pitchFamily="18" charset="0"/>
-              </a:defRPr>
-            </a:lvl5pPr>
-            <a:lvl6pPr marL="2514600" indent="-228600" eaLnBrk="0" fontAlgn="base" hangingPunct="0">
-              <a:spcBef>
-                <a:spcPct val="30000"/>
-              </a:spcBef>
-              <a:spcAft>
-                <a:spcPct val="0"/>
-              </a:spcAft>
-              <a:defRPr sz="1200">
-                <a:solidFill>
-                  <a:schemeClr val="tx1"/>
-                </a:solidFill>
-                <a:latin typeface="Times New Roman" pitchFamily="18" charset="0"/>
-              </a:defRPr>
-            </a:lvl6pPr>
-            <a:lvl7pPr marL="2971800" indent="-228600" eaLnBrk="0" fontAlgn="base" hangingPunct="0">
-              <a:spcBef>
-                <a:spcPct val="30000"/>
-              </a:spcBef>
-              <a:spcAft>
-                <a:spcPct val="0"/>
-              </a:spcAft>
-              <a:defRPr sz="1200">
-                <a:solidFill>
-                  <a:schemeClr val="tx1"/>
-                </a:solidFill>
-                <a:latin typeface="Times New Roman" pitchFamily="18" charset="0"/>
-              </a:defRPr>
-            </a:lvl7pPr>
-            <a:lvl8pPr marL="3429000" indent="-228600" eaLnBrk="0" fontAlgn="base" hangingPunct="0">
-              <a:spcBef>
-                <a:spcPct val="30000"/>
-              </a:spcBef>
-              <a:spcAft>
-                <a:spcPct val="0"/>
-              </a:spcAft>
-              <a:defRPr sz="1200">
-                <a:solidFill>
-                  <a:schemeClr val="tx1"/>
-                </a:solidFill>
-                <a:latin typeface="Times New Roman" pitchFamily="18" charset="0"/>
-              </a:defRPr>
-            </a:lvl8pPr>
-            <a:lvl9pPr marL="3886200" indent="-228600" eaLnBrk="0" fontAlgn="base" hangingPunct="0">
-              <a:spcBef>
-                <a:spcPct val="30000"/>
-              </a:spcBef>
-              <a:spcAft>
-                <a:spcPct val="0"/>
-              </a:spcAft>
-              <a:defRPr sz="1200">
-                <a:solidFill>
-                  <a:schemeClr val="tx1"/>
-                </a:solidFill>
-                <a:latin typeface="Times New Roman" pitchFamily="18" charset="0"/>
-              </a:defRPr>
-            </a:lvl9pPr>
-          </a:lstStyle>
-          <a:p>
-            <a:pPr eaLnBrk="1" hangingPunct="1">
-              <a:spcBef>
-                <a:spcPct val="0"/>
-              </a:spcBef>
-            </a:pPr>
-            <a:fld id="{04D5722E-8056-4CFD-87ED-C488DD5DC8FA}" type="slidenum">
-              <a:rPr lang="fi-FI" altLang="fi-FI" smtClean="0">
-                <a:latin typeface="Arial" charset="0"/>
-              </a:rPr>
-              <a:pPr eaLnBrk="1" hangingPunct="1">
-                <a:spcBef>
-                  <a:spcPct val="0"/>
-                </a:spcBef>
-              </a:pPr>
-              <a:t>25</a:t>
-            </a:fld>
-            <a:endParaRPr lang="fi-FI" altLang="fi-FI" smtClean="0">
-              <a:latin typeface="Arial" charset="0"/>
-            </a:endParaRPr>
-          </a:p>
-        </p:txBody>
-      </p:sp>
-      <p:sp>
-        <p:nvSpPr>
-          <p:cNvPr id="6148" name="Rectangle 2"/>
-          <p:cNvSpPr>
-            <a:spLocks noGrp="1" noRot="1" noChangeAspect="1" noChangeArrowheads="1" noTextEdit="1"/>
-          </p:cNvSpPr>
-          <p:nvPr>
-            <p:ph type="sldImg"/>
-          </p:nvPr>
-        </p:nvSpPr>
-        <p:spPr>
-          <a:xfrm>
-            <a:off x="917575" y="744538"/>
-            <a:ext cx="4962525" cy="3722687"/>
-          </a:xfrm>
-          <a:ln/>
-        </p:spPr>
-      </p:sp>
-      <p:sp>
-        <p:nvSpPr>
-          <p:cNvPr id="6149" name="Rectangle 3"/>
-          <p:cNvSpPr>
-            <a:spLocks noGrp="1" noChangeArrowheads="1"/>
-          </p:cNvSpPr>
-          <p:nvPr>
-            <p:ph type="body" idx="1"/>
-          </p:nvPr>
-        </p:nvSpPr>
-        <p:spPr>
-          <a:noFill/>
-          <a:extLst>
-            <a:ext uri="{909E8E84-426E-40DD-AFC4-6F175D3DCCD1}">
-              <a14:hiddenFill xmlns:a14="http://schemas.microsoft.com/office/drawing/2010/main">
-                <a:solidFill>
-                  <a:srgbClr val="FFFFFF"/>
-                </a:solidFill>
-              </a14:hiddenFill>
-            </a:ext>
-            <a:ext uri="{91240B29-F687-4F45-9708-019B960494DF}">
-              <a14:hiddenLine xmlns:a14="http://schemas.microsoft.com/office/drawing/2010/main" w="9525">
-                <a:solidFill>
-                  <a:srgbClr val="000000"/>
-                </a:solidFill>
-                <a:miter lim="800000"/>
-                <a:headEnd/>
-                <a:tailEnd/>
-              </a14:hiddenLine>
-            </a:ext>
-          </a:extLst>
-        </p:spPr>
-        <p:txBody>
-          <a:bodyPr/>
-          <a:lstStyle/>
-          <a:p>
-            <a:pPr eaLnBrk="1" hangingPunct="1"/>
-            <a:endParaRPr lang="fi-FI" altLang="fi-FI" smtClean="0">
-              <a:latin typeface="Times New Roman" pitchFamily="18" charset="0"/>
-            </a:endParaRPr>
           </a:p>
         </p:txBody>
       </p:sp>
@@ -10105,7 +9658,7 @@
               <a:pPr>
                 <a:defRPr/>
               </a:pPr>
-              <a:t>2.11.2014</a:t>
+              <a:t>8.11.2014</a:t>
             </a:fld>
             <a:endParaRPr lang="fi-FI"/>
           </a:p>
@@ -10309,7 +9862,7 @@
               <a:pPr>
                 <a:defRPr/>
               </a:pPr>
-              <a:t>2.11.2014</a:t>
+              <a:t>8.11.2014</a:t>
             </a:fld>
             <a:endParaRPr lang="fi-FI"/>
           </a:p>
@@ -10522,7 +10075,7 @@
               <a:pPr>
                 <a:defRPr/>
               </a:pPr>
-              <a:t>2.11.2014</a:t>
+              <a:t>8.11.2014</a:t>
             </a:fld>
             <a:endParaRPr lang="fi-FI"/>
           </a:p>
@@ -10899,7 +10452,7 @@
               <a:pPr>
                 <a:defRPr/>
               </a:pPr>
-              <a:t>2.11.2014</a:t>
+              <a:t>8.11.2014</a:t>
             </a:fld>
             <a:endParaRPr lang="fi-FI"/>
           </a:p>
@@ -11124,7 +10677,7 @@
               <a:pPr>
                 <a:defRPr/>
               </a:pPr>
-              <a:t>2.11.2014</a:t>
+              <a:t>8.11.2014</a:t>
             </a:fld>
             <a:endParaRPr lang="fi-FI"/>
           </a:p>
@@ -11445,7 +10998,7 @@
               <a:pPr>
                 <a:defRPr/>
               </a:pPr>
-              <a:t>2.11.2014</a:t>
+              <a:t>8.11.2014</a:t>
             </a:fld>
             <a:endParaRPr lang="fi-FI"/>
           </a:p>
@@ -11905,7 +11458,7 @@
               <a:pPr>
                 <a:defRPr/>
               </a:pPr>
-              <a:t>2.11.2014</a:t>
+              <a:t>8.11.2014</a:t>
             </a:fld>
             <a:endParaRPr lang="fi-FI"/>
           </a:p>
@@ -12056,7 +11609,7 @@
               <a:pPr>
                 <a:defRPr/>
               </a:pPr>
-              <a:t>2.11.2014</a:t>
+              <a:t>8.11.2014</a:t>
             </a:fld>
             <a:endParaRPr lang="fi-FI"/>
           </a:p>
@@ -12184,7 +11737,7 @@
               <a:pPr>
                 <a:defRPr/>
               </a:pPr>
-              <a:t>2.11.2014</a:t>
+              <a:t>8.11.2014</a:t>
             </a:fld>
             <a:endParaRPr lang="fi-FI"/>
           </a:p>
@@ -12494,7 +12047,7 @@
               <a:pPr>
                 <a:defRPr/>
               </a:pPr>
-              <a:t>2.11.2014</a:t>
+              <a:t>8.11.2014</a:t>
             </a:fld>
             <a:endParaRPr lang="fi-FI"/>
           </a:p>
@@ -12785,7 +12338,7 @@
               <a:pPr>
                 <a:defRPr/>
               </a:pPr>
-              <a:t>2.11.2014</a:t>
+              <a:t>8.11.2014</a:t>
             </a:fld>
             <a:endParaRPr lang="fi-FI"/>
           </a:p>
@@ -12937,7 +12490,7 @@
               <a:pPr>
                 <a:defRPr/>
               </a:pPr>
-              <a:t>2.11.2014</a:t>
+              <a:t>8.11.2014</a:t>
             </a:fld>
             <a:endParaRPr lang="fi-FI"/>
           </a:p>
@@ -23744,1812 +23297,109 @@
           <a:chExt cx="0" cy="0"/>
         </a:xfrm>
       </p:grpSpPr>
-      <p:cxnSp>
-        <p:nvCxnSpPr>
-          <p:cNvPr id="14338" name="Elbow Connector 76"/>
-          <p:cNvCxnSpPr>
-            <a:cxnSpLocks noChangeShapeType="1"/>
-            <a:stCxn id="14343" idx="2"/>
-            <a:endCxn id="80" idx="0"/>
-          </p:cNvCxnSpPr>
-          <p:nvPr/>
-        </p:nvCxnSpPr>
-        <p:spPr bwMode="auto">
-          <a:xfrm rot="5400000">
-            <a:off x="1692710" y="4185009"/>
-            <a:ext cx="4102819" cy="1588"/>
-          </a:xfrm>
-          <a:prstGeom prst="bentConnector3">
-            <a:avLst>
-              <a:gd name="adj1" fmla="val 50000"/>
-            </a:avLst>
-          </a:prstGeom>
-          <a:noFill/>
-          <a:ln w="38100" algn="ctr">
-            <a:solidFill>
-              <a:srgbClr val="215134"/>
-            </a:solidFill>
-            <a:round/>
-            <a:headEnd/>
-            <a:tailEnd/>
-          </a:ln>
-        </p:spPr>
-      </p:cxnSp>
-      <p:cxnSp>
-        <p:nvCxnSpPr>
-          <p:cNvPr id="14339" name="Elbow Connector 76"/>
-          <p:cNvCxnSpPr>
-            <a:cxnSpLocks noChangeShapeType="1"/>
-            <a:stCxn id="14344" idx="2"/>
-            <a:endCxn id="14358" idx="0"/>
-          </p:cNvCxnSpPr>
-          <p:nvPr/>
-        </p:nvCxnSpPr>
-        <p:spPr bwMode="auto">
-          <a:xfrm rot="5400000">
-            <a:off x="3959225" y="3789363"/>
-            <a:ext cx="3313113" cy="1587"/>
-          </a:xfrm>
-          <a:prstGeom prst="bentConnector3">
-            <a:avLst>
-              <a:gd name="adj1" fmla="val 50000"/>
-            </a:avLst>
-          </a:prstGeom>
-          <a:noFill/>
-          <a:ln w="38100" algn="ctr">
-            <a:solidFill>
-              <a:srgbClr val="215134"/>
-            </a:solidFill>
-            <a:round/>
-            <a:headEnd/>
-            <a:tailEnd/>
-          </a:ln>
-        </p:spPr>
-      </p:cxnSp>
-      <p:cxnSp>
-        <p:nvCxnSpPr>
-          <p:cNvPr id="14340" name="Elbow Connector 80"/>
-          <p:cNvCxnSpPr>
-            <a:cxnSpLocks noChangeShapeType="1"/>
-            <a:stCxn id="14353" idx="2"/>
-            <a:endCxn id="14365" idx="0"/>
-          </p:cNvCxnSpPr>
-          <p:nvPr/>
-        </p:nvCxnSpPr>
-        <p:spPr bwMode="auto">
-          <a:xfrm rot="5400000">
-            <a:off x="5832475" y="3789363"/>
-            <a:ext cx="3313113" cy="1587"/>
-          </a:xfrm>
-          <a:prstGeom prst="bentConnector3">
-            <a:avLst>
-              <a:gd name="adj1" fmla="val 50000"/>
-            </a:avLst>
-          </a:prstGeom>
-          <a:noFill/>
-          <a:ln w="38100" algn="ctr">
-            <a:solidFill>
-              <a:srgbClr val="215134"/>
-            </a:solidFill>
-            <a:round/>
-            <a:headEnd/>
-            <a:tailEnd/>
-          </a:ln>
-        </p:spPr>
-      </p:cxnSp>
       <p:sp>
         <p:nvSpPr>
-          <p:cNvPr id="14341" name="Rectangle 2"/>
+          <p:cNvPr id="4" name="Päivämäärän paikkamerkki 3"/>
           <p:cNvSpPr>
-            <a:spLocks noChangeArrowheads="1"/>
+            <a:spLocks noGrp="1"/>
           </p:cNvSpPr>
-          <p:nvPr/>
+          <p:nvPr>
+            <p:ph type="dt" sz="half" idx="10"/>
+          </p:nvPr>
         </p:nvSpPr>
-        <p:spPr bwMode="auto">
-          <a:xfrm>
-            <a:off x="3851275" y="260350"/>
-            <a:ext cx="1657350" cy="720725"/>
-          </a:xfrm>
-          <a:prstGeom prst="rect">
-            <a:avLst/>
-          </a:prstGeom>
-          <a:solidFill>
-            <a:srgbClr val="FFC000"/>
-          </a:solidFill>
-          <a:ln w="76200" algn="ctr">
-            <a:solidFill>
-              <a:srgbClr val="215134"/>
-            </a:solidFill>
-            <a:round/>
-            <a:headEnd/>
-            <a:tailEnd/>
-          </a:ln>
-        </p:spPr>
+        <p:spPr/>
         <p:txBody>
-          <a:bodyPr lIns="90000" tIns="46800" rIns="90000" bIns="46800" anchor="ctr"/>
+          <a:bodyPr/>
           <a:lstStyle/>
           <a:p>
-            <a:pPr algn="ctr"/>
-            <a:r>
-              <a:rPr lang="fi-FI" sz="1400" b="1" dirty="0" smtClean="0"/>
-              <a:t>Faktojen evaluointi</a:t>
-            </a:r>
-            <a:endParaRPr lang="fi-FI" sz="1400" b="1" dirty="0"/>
+            <a:fld id="{154CF1E0-EC48-4B03-B69C-08E0DBD896F7}" type="datetime1">
+              <a:rPr lang="fi-FI"/>
+              <a:pPr/>
+              <a:t>8.11.2014</a:t>
+            </a:fld>
+            <a:endParaRPr lang="fi-FI"/>
           </a:p>
         </p:txBody>
       </p:sp>
       <p:sp>
         <p:nvSpPr>
-          <p:cNvPr id="14342" name="Rectangle 4"/>
+          <p:cNvPr id="6" name="Dian numeron paikkamerkki 5"/>
           <p:cNvSpPr>
-            <a:spLocks noChangeArrowheads="1"/>
+            <a:spLocks noGrp="1"/>
           </p:cNvSpPr>
-          <p:nvPr/>
+          <p:nvPr>
+            <p:ph type="sldNum" sz="quarter" idx="12"/>
+          </p:nvPr>
         </p:nvSpPr>
-        <p:spPr bwMode="auto">
-          <a:xfrm>
-            <a:off x="1042988" y="1412875"/>
-            <a:ext cx="1657350" cy="720725"/>
-          </a:xfrm>
-          <a:prstGeom prst="rect">
-            <a:avLst/>
-          </a:prstGeom>
-          <a:solidFill>
-            <a:srgbClr val="FFC000"/>
-          </a:solidFill>
-          <a:ln w="38100" algn="ctr">
-            <a:solidFill>
-              <a:srgbClr val="215134"/>
-            </a:solidFill>
-            <a:round/>
-            <a:headEnd/>
-            <a:tailEnd/>
-          </a:ln>
-        </p:spPr>
+        <p:spPr/>
         <p:txBody>
-          <a:bodyPr lIns="90000" tIns="46800" rIns="90000" bIns="46800" anchor="ctr"/>
+          <a:bodyPr/>
           <a:lstStyle/>
           <a:p>
-            <a:pPr algn="ctr"/>
-            <a:r>
-              <a:rPr lang="fi-FI" sz="1400" b="1" dirty="0" smtClean="0"/>
-              <a:t>Verotus</a:t>
-            </a:r>
-            <a:endParaRPr lang="fi-FI" sz="1400" b="1" dirty="0"/>
+            <a:fld id="{F8CAA747-ACF9-4CAD-BEA3-4553BA8297A0}" type="slidenum">
+              <a:rPr lang="fi-FI"/>
+              <a:pPr/>
+              <a:t>17</a:t>
+            </a:fld>
+            <a:endParaRPr lang="fi-FI"/>
           </a:p>
         </p:txBody>
       </p:sp>
       <p:sp>
         <p:nvSpPr>
-          <p:cNvPr id="14343" name="Rectangle 5"/>
+          <p:cNvPr id="80898" name="Rectangle 2"/>
           <p:cNvSpPr>
-            <a:spLocks noChangeArrowheads="1"/>
+            <a:spLocks noGrp="1" noChangeArrowheads="1"/>
           </p:cNvSpPr>
-          <p:nvPr/>
+          <p:nvPr>
+            <p:ph type="title"/>
+          </p:nvPr>
         </p:nvSpPr>
-        <p:spPr bwMode="auto">
+        <p:spPr>
           <a:xfrm>
-            <a:off x="2916238" y="1412875"/>
-            <a:ext cx="1655762" cy="720725"/>
+            <a:off x="0" y="152400"/>
+            <a:ext cx="9144000" cy="900336"/>
           </a:xfrm>
-          <a:prstGeom prst="rect">
-            <a:avLst/>
-          </a:prstGeom>
-          <a:solidFill>
-            <a:srgbClr val="FFC000"/>
-          </a:solidFill>
-          <a:ln w="38100" algn="ctr">
-            <a:solidFill>
-              <a:srgbClr val="215134"/>
-            </a:solidFill>
-            <a:round/>
-            <a:headEnd/>
-            <a:tailEnd/>
-          </a:ln>
         </p:spPr>
         <p:txBody>
-          <a:bodyPr lIns="90000" tIns="46800" rIns="90000" bIns="46800" anchor="ctr"/>
+          <a:bodyPr/>
           <a:lstStyle/>
           <a:p>
             <a:pPr algn="ctr"/>
             <a:r>
-              <a:rPr lang="fi-FI" sz="1400" b="1" dirty="0" smtClean="0"/>
-              <a:t>Teknologia</a:t>
-            </a:r>
-            <a:endParaRPr lang="fi-FI" sz="1400" b="1" dirty="0"/>
+              <a:rPr lang="fi-FI" sz="2400" dirty="0" smtClean="0"/>
+              <a:t>Tietojärjestelmien toteutusmallien olennaisimmat erot</a:t>
+            </a:r>
+            <a:endParaRPr lang="fi-FI" sz="2400" dirty="0"/>
           </a:p>
         </p:txBody>
       </p:sp>
-      <p:sp>
-        <p:nvSpPr>
-          <p:cNvPr id="14344" name="Rectangle 6"/>
-          <p:cNvSpPr>
-            <a:spLocks noChangeArrowheads="1"/>
-          </p:cNvSpPr>
-          <p:nvPr/>
-        </p:nvSpPr>
-        <p:spPr bwMode="auto">
-          <a:xfrm>
-            <a:off x="4787900" y="1412875"/>
-            <a:ext cx="1655763" cy="720725"/>
-          </a:xfrm>
-          <a:prstGeom prst="rect">
-            <a:avLst/>
-          </a:prstGeom>
-          <a:solidFill>
-            <a:srgbClr val="FFC000"/>
-          </a:solidFill>
-          <a:ln w="38100" algn="ctr">
-            <a:solidFill>
-              <a:srgbClr val="215134"/>
-            </a:solidFill>
-            <a:round/>
-            <a:headEnd/>
-            <a:tailEnd/>
-          </a:ln>
-        </p:spPr>
-        <p:txBody>
-          <a:bodyPr lIns="90000" tIns="46800" rIns="90000" bIns="46800" anchor="ctr"/>
-          <a:lstStyle/>
-          <a:p>
-            <a:pPr algn="ctr"/>
-            <a:r>
-              <a:rPr lang="fi-FI" sz="1400" b="1" dirty="0" smtClean="0"/>
-              <a:t>Resurssit ja toimitusmalli</a:t>
-            </a:r>
-            <a:endParaRPr lang="fi-FI" sz="1400" b="1" dirty="0"/>
-          </a:p>
-        </p:txBody>
-      </p:sp>
-      <p:cxnSp>
-        <p:nvCxnSpPr>
-          <p:cNvPr id="14345" name="Elbow Connector 9"/>
-          <p:cNvCxnSpPr>
-            <a:cxnSpLocks noChangeShapeType="1"/>
-            <a:stCxn id="14341" idx="2"/>
-            <a:endCxn id="14342" idx="0"/>
-          </p:cNvCxnSpPr>
-          <p:nvPr/>
-        </p:nvCxnSpPr>
-        <p:spPr bwMode="auto">
-          <a:xfrm rot="5400000">
-            <a:off x="3059907" y="-207169"/>
-            <a:ext cx="431800" cy="2808287"/>
-          </a:xfrm>
-          <a:prstGeom prst="bentConnector3">
-            <a:avLst>
-              <a:gd name="adj1" fmla="val 50000"/>
-            </a:avLst>
-          </a:prstGeom>
-          <a:noFill/>
-          <a:ln w="38100" algn="ctr">
-            <a:solidFill>
-              <a:srgbClr val="215134"/>
-            </a:solidFill>
-            <a:round/>
-            <a:headEnd/>
-            <a:tailEnd/>
-          </a:ln>
-        </p:spPr>
-      </p:cxnSp>
-      <p:cxnSp>
-        <p:nvCxnSpPr>
-          <p:cNvPr id="14346" name="Elbow Connector 12"/>
-          <p:cNvCxnSpPr>
-            <a:cxnSpLocks noChangeShapeType="1"/>
-            <a:stCxn id="14341" idx="2"/>
-            <a:endCxn id="14343" idx="0"/>
-          </p:cNvCxnSpPr>
-          <p:nvPr/>
-        </p:nvCxnSpPr>
-        <p:spPr bwMode="auto">
-          <a:xfrm rot="5400000">
-            <a:off x="3995738" y="728662"/>
-            <a:ext cx="431800" cy="936625"/>
-          </a:xfrm>
-          <a:prstGeom prst="bentConnector3">
-            <a:avLst>
-              <a:gd name="adj1" fmla="val 50000"/>
-            </a:avLst>
-          </a:prstGeom>
-          <a:noFill/>
-          <a:ln w="38100" algn="ctr">
-            <a:solidFill>
-              <a:srgbClr val="215134"/>
-            </a:solidFill>
-            <a:round/>
-            <a:headEnd/>
-            <a:tailEnd/>
-          </a:ln>
-        </p:spPr>
-      </p:cxnSp>
-      <p:cxnSp>
-        <p:nvCxnSpPr>
-          <p:cNvPr id="14347" name="Elbow Connector 15"/>
-          <p:cNvCxnSpPr>
-            <a:cxnSpLocks noChangeShapeType="1"/>
-            <a:stCxn id="14341" idx="2"/>
-            <a:endCxn id="14344" idx="0"/>
-          </p:cNvCxnSpPr>
-          <p:nvPr/>
-        </p:nvCxnSpPr>
-        <p:spPr bwMode="auto">
-          <a:xfrm rot="16200000" flipH="1">
-            <a:off x="4932363" y="728662"/>
-            <a:ext cx="431800" cy="936625"/>
-          </a:xfrm>
-          <a:prstGeom prst="bentConnector3">
-            <a:avLst>
-              <a:gd name="adj1" fmla="val 50000"/>
-            </a:avLst>
-          </a:prstGeom>
-          <a:noFill/>
-          <a:ln w="38100" algn="ctr">
-            <a:solidFill>
-              <a:srgbClr val="215134"/>
-            </a:solidFill>
-            <a:round/>
-            <a:headEnd/>
-            <a:tailEnd/>
-          </a:ln>
-        </p:spPr>
-      </p:cxnSp>
-      <p:cxnSp>
-        <p:nvCxnSpPr>
-          <p:cNvPr id="14348" name="Elbow Connector 18"/>
-          <p:cNvCxnSpPr>
-            <a:cxnSpLocks noChangeShapeType="1"/>
-            <a:stCxn id="14341" idx="2"/>
-            <a:endCxn id="14353" idx="0"/>
-          </p:cNvCxnSpPr>
-          <p:nvPr/>
-        </p:nvCxnSpPr>
-        <p:spPr bwMode="auto">
-          <a:xfrm rot="16200000" flipH="1">
-            <a:off x="5868194" y="-207169"/>
-            <a:ext cx="431800" cy="2808288"/>
-          </a:xfrm>
-          <a:prstGeom prst="bentConnector3">
-            <a:avLst>
-              <a:gd name="adj1" fmla="val 50000"/>
-            </a:avLst>
-          </a:prstGeom>
-          <a:noFill/>
-          <a:ln w="38100" algn="ctr">
-            <a:solidFill>
-              <a:srgbClr val="215134"/>
-            </a:solidFill>
-            <a:round/>
-            <a:headEnd/>
-            <a:tailEnd/>
-          </a:ln>
-        </p:spPr>
-      </p:cxnSp>
-      <p:sp>
-        <p:nvSpPr>
-          <p:cNvPr id="14349" name="Rectangle 21"/>
-          <p:cNvSpPr>
-            <a:spLocks noChangeArrowheads="1"/>
-          </p:cNvSpPr>
-          <p:nvPr/>
-        </p:nvSpPr>
-        <p:spPr bwMode="auto">
-          <a:xfrm>
-            <a:off x="1331640" y="5013176"/>
-            <a:ext cx="1512887" cy="720080"/>
-          </a:xfrm>
-          <a:prstGeom prst="rect">
-            <a:avLst/>
-          </a:prstGeom>
-          <a:noFill/>
-          <a:ln w="12700" algn="ctr">
-            <a:noFill/>
-            <a:round/>
-            <a:headEnd/>
-            <a:tailEnd/>
-          </a:ln>
-        </p:spPr>
-        <p:txBody>
-          <a:bodyPr lIns="90000" tIns="46800" rIns="90000" bIns="46800" anchor="ctr"/>
-          <a:lstStyle/>
-          <a:p>
-            <a:r>
-              <a:rPr lang="fi-FI" sz="1100" dirty="0" smtClean="0"/>
-              <a:t>Yhteensopivuus:</a:t>
-            </a:r>
-          </a:p>
-          <a:p>
-            <a:r>
-              <a:rPr lang="fi-FI" sz="1100" b="1" dirty="0" smtClean="0"/>
-              <a:t>Verolajien kattavuus</a:t>
-            </a:r>
-            <a:endParaRPr lang="fi-FI" sz="1100" b="1" dirty="0"/>
-          </a:p>
-        </p:txBody>
-      </p:sp>
-      <p:sp>
-        <p:nvSpPr>
-          <p:cNvPr id="14350" name="Rectangle 22"/>
-          <p:cNvSpPr>
-            <a:spLocks noChangeArrowheads="1"/>
-          </p:cNvSpPr>
-          <p:nvPr/>
-        </p:nvSpPr>
-        <p:spPr bwMode="auto">
-          <a:xfrm>
-            <a:off x="323528" y="3789040"/>
-            <a:ext cx="1944216" cy="1008111"/>
-          </a:xfrm>
-          <a:prstGeom prst="rect">
-            <a:avLst/>
-          </a:prstGeom>
-          <a:noFill/>
-          <a:ln w="12700" algn="ctr">
-            <a:noFill/>
-            <a:round/>
-            <a:headEnd/>
-            <a:tailEnd/>
-          </a:ln>
-        </p:spPr>
-        <p:txBody>
-          <a:bodyPr lIns="90000" tIns="46800" rIns="90000" bIns="46800" anchor="ctr"/>
-          <a:lstStyle/>
-          <a:p>
-            <a:r>
-              <a:rPr lang="fi-FI" sz="1100" dirty="0" smtClean="0"/>
-              <a:t>Johdon näkymä:</a:t>
-            </a:r>
-          </a:p>
-          <a:p>
-            <a:r>
-              <a:rPr lang="fi-FI" sz="1100" b="1" dirty="0" smtClean="0"/>
-              <a:t>Kyvykkyydet</a:t>
-            </a:r>
-            <a:endParaRPr lang="fi-FI" sz="1100" dirty="0" smtClean="0"/>
-          </a:p>
-          <a:p>
-            <a:r>
-              <a:rPr lang="fi-FI" sz="1100" b="1" dirty="0" smtClean="0"/>
-              <a:t>Tuottavuus</a:t>
-            </a:r>
-          </a:p>
-          <a:p>
-            <a:r>
-              <a:rPr lang="fi-FI" sz="1100" dirty="0" smtClean="0"/>
-              <a:t>Automaationosto</a:t>
-            </a:r>
-          </a:p>
-          <a:p>
-            <a:r>
-              <a:rPr lang="fi-FI" sz="1100" b="1" dirty="0" smtClean="0"/>
-              <a:t>Veroriskien hallinta</a:t>
-            </a:r>
-          </a:p>
-          <a:p>
-            <a:r>
-              <a:rPr lang="fi-FI" sz="1100" dirty="0" smtClean="0"/>
-              <a:t>Asiakkaiden palvelut</a:t>
-            </a:r>
-            <a:endParaRPr lang="fi-FI" sz="1100" b="1" dirty="0" smtClean="0"/>
-          </a:p>
-        </p:txBody>
-      </p:sp>
-      <p:sp>
-        <p:nvSpPr>
-          <p:cNvPr id="14351" name="Rectangle 23"/>
-          <p:cNvSpPr>
-            <a:spLocks noChangeArrowheads="1"/>
-          </p:cNvSpPr>
-          <p:nvPr/>
-        </p:nvSpPr>
-        <p:spPr bwMode="auto">
-          <a:xfrm>
-            <a:off x="0" y="2924944"/>
-            <a:ext cx="1836266" cy="792981"/>
-          </a:xfrm>
-          <a:prstGeom prst="rect">
-            <a:avLst/>
-          </a:prstGeom>
-          <a:noFill/>
-          <a:ln w="12700" algn="ctr">
-            <a:noFill/>
-            <a:round/>
-            <a:headEnd/>
-            <a:tailEnd/>
-          </a:ln>
-        </p:spPr>
-        <p:txBody>
-          <a:bodyPr lIns="90000" tIns="46800" rIns="90000" bIns="46800" anchor="ctr"/>
-          <a:lstStyle/>
-          <a:p>
-            <a:r>
-              <a:rPr lang="fi-FI" sz="1100" b="1" dirty="0" smtClean="0"/>
-              <a:t>Verovirkailijan työnäkymä:</a:t>
-            </a:r>
-          </a:p>
-          <a:p>
-            <a:r>
-              <a:rPr lang="fi-FI" sz="1100" b="1" dirty="0" smtClean="0"/>
-              <a:t>Käyttöliittymä</a:t>
-            </a:r>
-          </a:p>
-          <a:p>
-            <a:r>
-              <a:rPr lang="fi-FI" sz="1100" dirty="0" smtClean="0"/>
-              <a:t>Työskentely järjestelmällä</a:t>
-            </a:r>
-          </a:p>
-          <a:p>
-            <a:endParaRPr lang="fi-FI" sz="1100" dirty="0" smtClean="0"/>
-          </a:p>
-          <a:p>
-            <a:endParaRPr lang="fi-FI" sz="1100" b="1" dirty="0"/>
-          </a:p>
-        </p:txBody>
-      </p:sp>
-      <p:sp>
-        <p:nvSpPr>
-          <p:cNvPr id="14352" name="Rectangle 37"/>
-          <p:cNvSpPr>
-            <a:spLocks noChangeArrowheads="1"/>
-          </p:cNvSpPr>
-          <p:nvPr/>
-        </p:nvSpPr>
-        <p:spPr bwMode="auto">
-          <a:xfrm>
-            <a:off x="4787900" y="2205038"/>
-            <a:ext cx="1655763" cy="576262"/>
-          </a:xfrm>
-          <a:prstGeom prst="rect">
-            <a:avLst/>
-          </a:prstGeom>
-          <a:solidFill>
-            <a:srgbClr val="FFC000"/>
-          </a:solidFill>
-          <a:ln w="12700" algn="ctr">
-            <a:solidFill>
-              <a:srgbClr val="215134"/>
-            </a:solidFill>
-            <a:round/>
-            <a:headEnd/>
-            <a:tailEnd/>
-          </a:ln>
-        </p:spPr>
-        <p:txBody>
-          <a:bodyPr lIns="90000" tIns="46800" rIns="90000" bIns="46800" anchor="ctr"/>
-          <a:lstStyle/>
-          <a:p>
-            <a:pPr algn="ctr"/>
-            <a:r>
-              <a:rPr lang="fi-FI" sz="1100" dirty="0" smtClean="0"/>
-              <a:t>Vastuujako</a:t>
-            </a:r>
-            <a:endParaRPr lang="fi-FI" sz="1100" b="1" dirty="0"/>
-          </a:p>
-        </p:txBody>
-      </p:sp>
-      <p:sp>
-        <p:nvSpPr>
-          <p:cNvPr id="14353" name="Rectangle 44"/>
-          <p:cNvSpPr>
-            <a:spLocks noChangeArrowheads="1"/>
-          </p:cNvSpPr>
-          <p:nvPr/>
-        </p:nvSpPr>
-        <p:spPr bwMode="auto">
-          <a:xfrm>
-            <a:off x="6659563" y="1412875"/>
-            <a:ext cx="1657350" cy="720725"/>
-          </a:xfrm>
-          <a:prstGeom prst="rect">
-            <a:avLst/>
-          </a:prstGeom>
-          <a:solidFill>
-            <a:srgbClr val="FFC000"/>
-          </a:solidFill>
-          <a:ln w="38100" algn="ctr">
-            <a:solidFill>
-              <a:srgbClr val="215134"/>
-            </a:solidFill>
-            <a:round/>
-            <a:headEnd/>
-            <a:tailEnd/>
-          </a:ln>
-        </p:spPr>
-        <p:txBody>
-          <a:bodyPr lIns="90000" tIns="46800" rIns="90000" bIns="46800" anchor="ctr"/>
-          <a:lstStyle/>
-          <a:p>
-            <a:pPr algn="ctr"/>
-            <a:r>
-              <a:rPr lang="fi-FI" sz="1400" b="1" dirty="0" smtClean="0"/>
-              <a:t>Markkinat</a:t>
-            </a:r>
-            <a:endParaRPr lang="fi-FI" sz="1400" b="1" dirty="0"/>
-          </a:p>
-        </p:txBody>
-      </p:sp>
-      <p:sp>
-        <p:nvSpPr>
-          <p:cNvPr id="14354" name="Rectangle 46"/>
-          <p:cNvSpPr>
-            <a:spLocks noChangeArrowheads="1"/>
-          </p:cNvSpPr>
-          <p:nvPr/>
-        </p:nvSpPr>
-        <p:spPr bwMode="auto">
-          <a:xfrm>
-            <a:off x="4787900" y="2852738"/>
-            <a:ext cx="1655763" cy="576262"/>
-          </a:xfrm>
-          <a:prstGeom prst="rect">
-            <a:avLst/>
-          </a:prstGeom>
-          <a:solidFill>
-            <a:srgbClr val="FFC000"/>
-          </a:solidFill>
-          <a:ln w="12700" algn="ctr">
-            <a:solidFill>
-              <a:srgbClr val="215134"/>
-            </a:solidFill>
-            <a:round/>
-            <a:headEnd/>
-            <a:tailEnd/>
-          </a:ln>
-        </p:spPr>
-        <p:txBody>
-          <a:bodyPr lIns="90000" tIns="46800" rIns="90000" bIns="46800" anchor="ctr"/>
-          <a:lstStyle/>
-          <a:p>
-            <a:pPr algn="ctr"/>
-            <a:r>
-              <a:rPr lang="fi-FI" sz="1100" b="1" dirty="0" smtClean="0"/>
-              <a:t>Toimittajan resurssit</a:t>
-            </a:r>
-            <a:endParaRPr lang="fi-FI" sz="1100" b="1" dirty="0"/>
-          </a:p>
-        </p:txBody>
-      </p:sp>
-      <p:sp>
-        <p:nvSpPr>
-          <p:cNvPr id="14355" name="Rectangle 47"/>
-          <p:cNvSpPr>
-            <a:spLocks noChangeArrowheads="1"/>
-          </p:cNvSpPr>
-          <p:nvPr/>
-        </p:nvSpPr>
-        <p:spPr bwMode="auto">
-          <a:xfrm>
-            <a:off x="4787900" y="3500438"/>
-            <a:ext cx="1655763" cy="576262"/>
-          </a:xfrm>
-          <a:prstGeom prst="rect">
-            <a:avLst/>
-          </a:prstGeom>
-          <a:solidFill>
-            <a:srgbClr val="FFC000"/>
-          </a:solidFill>
-          <a:ln w="12700" algn="ctr">
-            <a:solidFill>
-              <a:srgbClr val="215134"/>
-            </a:solidFill>
-            <a:round/>
-            <a:headEnd/>
-            <a:tailEnd/>
-          </a:ln>
-        </p:spPr>
-        <p:txBody>
-          <a:bodyPr lIns="90000" tIns="46800" rIns="90000" bIns="46800" anchor="ctr"/>
-          <a:lstStyle/>
-          <a:p>
-            <a:pPr algn="ctr"/>
-            <a:r>
-              <a:rPr lang="fi-FI" sz="1100" b="1" dirty="0" smtClean="0"/>
-              <a:t>Toimittajan ekosysteemi</a:t>
-            </a:r>
-            <a:endParaRPr lang="fi-FI" sz="1100" b="1" dirty="0"/>
-          </a:p>
-        </p:txBody>
-      </p:sp>
-      <p:sp>
-        <p:nvSpPr>
-          <p:cNvPr id="14356" name="Rectangle 61"/>
-          <p:cNvSpPr>
-            <a:spLocks noChangeArrowheads="1"/>
-          </p:cNvSpPr>
-          <p:nvPr/>
-        </p:nvSpPr>
-        <p:spPr bwMode="auto">
-          <a:xfrm>
-            <a:off x="4787900" y="4149725"/>
-            <a:ext cx="1655763" cy="574675"/>
-          </a:xfrm>
-          <a:prstGeom prst="rect">
-            <a:avLst/>
-          </a:prstGeom>
-          <a:solidFill>
-            <a:srgbClr val="FFC000"/>
-          </a:solidFill>
-          <a:ln w="12700" algn="ctr">
-            <a:solidFill>
-              <a:srgbClr val="215134"/>
-            </a:solidFill>
-            <a:round/>
-            <a:headEnd/>
-            <a:tailEnd/>
-          </a:ln>
-        </p:spPr>
-        <p:txBody>
-          <a:bodyPr lIns="90000" tIns="46800" rIns="90000" bIns="46800" anchor="ctr"/>
-          <a:lstStyle/>
-          <a:p>
-            <a:pPr algn="ctr"/>
-            <a:r>
-              <a:rPr lang="fi-FI" sz="1100" b="1" dirty="0" smtClean="0"/>
-              <a:t>Tukipalvelut</a:t>
-            </a:r>
-            <a:endParaRPr lang="fi-FI" sz="1100" b="1" dirty="0"/>
-          </a:p>
-        </p:txBody>
-      </p:sp>
-      <p:sp>
-        <p:nvSpPr>
-          <p:cNvPr id="14357" name="Rectangle 62"/>
-          <p:cNvSpPr>
-            <a:spLocks noChangeArrowheads="1"/>
-          </p:cNvSpPr>
-          <p:nvPr/>
-        </p:nvSpPr>
-        <p:spPr bwMode="auto">
-          <a:xfrm>
-            <a:off x="4787900" y="4797425"/>
-            <a:ext cx="1655763" cy="576263"/>
-          </a:xfrm>
-          <a:prstGeom prst="rect">
-            <a:avLst/>
-          </a:prstGeom>
-          <a:solidFill>
-            <a:srgbClr val="FFC000"/>
-          </a:solidFill>
-          <a:ln w="12700" algn="ctr">
-            <a:solidFill>
-              <a:srgbClr val="215134"/>
-            </a:solidFill>
-            <a:round/>
-            <a:headEnd/>
-            <a:tailEnd/>
-          </a:ln>
-        </p:spPr>
-        <p:txBody>
-          <a:bodyPr lIns="90000" tIns="46800" rIns="90000" bIns="46800" anchor="ctr"/>
-          <a:lstStyle/>
-          <a:p>
-            <a:pPr algn="ctr"/>
-            <a:r>
-              <a:rPr lang="fi-FI" sz="1100" b="1" dirty="0" smtClean="0"/>
-              <a:t>Versioiden hallinta</a:t>
-            </a:r>
-            <a:endParaRPr lang="fi-FI" sz="1100" b="1" dirty="0"/>
-          </a:p>
-        </p:txBody>
-      </p:sp>
-      <p:sp>
-        <p:nvSpPr>
-          <p:cNvPr id="14358" name="Rectangle 63"/>
-          <p:cNvSpPr>
-            <a:spLocks noChangeArrowheads="1"/>
-          </p:cNvSpPr>
-          <p:nvPr/>
-        </p:nvSpPr>
-        <p:spPr bwMode="auto">
-          <a:xfrm>
-            <a:off x="4787900" y="5445125"/>
-            <a:ext cx="1655763" cy="576263"/>
-          </a:xfrm>
-          <a:prstGeom prst="rect">
-            <a:avLst/>
-          </a:prstGeom>
-          <a:solidFill>
-            <a:srgbClr val="FFC000"/>
-          </a:solidFill>
-          <a:ln w="12700" algn="ctr">
-            <a:solidFill>
-              <a:srgbClr val="215134"/>
-            </a:solidFill>
-            <a:round/>
-            <a:headEnd/>
-            <a:tailEnd/>
-          </a:ln>
-        </p:spPr>
-        <p:txBody>
-          <a:bodyPr lIns="90000" tIns="46800" rIns="90000" bIns="46800" anchor="ctr"/>
-          <a:lstStyle/>
-          <a:p>
-            <a:pPr algn="ctr"/>
-            <a:r>
-              <a:rPr lang="fi-FI" sz="1100" b="1" dirty="0" smtClean="0"/>
-              <a:t>Muut palvelut</a:t>
-            </a:r>
-            <a:endParaRPr lang="fi-FI" sz="1100" b="1" dirty="0"/>
-          </a:p>
-        </p:txBody>
-      </p:sp>
-      <p:sp>
-        <p:nvSpPr>
-          <p:cNvPr id="14359" name="Rectangle 64"/>
-          <p:cNvSpPr>
-            <a:spLocks noChangeArrowheads="1"/>
-          </p:cNvSpPr>
-          <p:nvPr/>
-        </p:nvSpPr>
-        <p:spPr bwMode="auto">
-          <a:xfrm>
-            <a:off x="6659563" y="2205038"/>
-            <a:ext cx="1657350" cy="576262"/>
-          </a:xfrm>
-          <a:prstGeom prst="rect">
-            <a:avLst/>
-          </a:prstGeom>
-          <a:solidFill>
-            <a:srgbClr val="FFC000"/>
-          </a:solidFill>
-          <a:ln w="12700" algn="ctr">
-            <a:solidFill>
-              <a:srgbClr val="215134"/>
-            </a:solidFill>
-            <a:round/>
-            <a:headEnd/>
-            <a:tailEnd/>
-          </a:ln>
-        </p:spPr>
-        <p:txBody>
-          <a:bodyPr lIns="90000" tIns="46800" rIns="90000" bIns="46800" anchor="ctr"/>
-          <a:lstStyle/>
-          <a:p>
-            <a:pPr algn="ctr"/>
-            <a:r>
-              <a:rPr lang="fi-FI" sz="1100" b="1" dirty="0" smtClean="0"/>
-              <a:t>Referenssit</a:t>
-            </a:r>
-            <a:endParaRPr lang="fi-FI" sz="1100" b="1" dirty="0"/>
-          </a:p>
-        </p:txBody>
-      </p:sp>
-      <p:sp>
-        <p:nvSpPr>
-          <p:cNvPr id="14360" name="Rectangle 65"/>
-          <p:cNvSpPr>
-            <a:spLocks noChangeArrowheads="1"/>
-          </p:cNvSpPr>
-          <p:nvPr/>
-        </p:nvSpPr>
-        <p:spPr bwMode="auto">
-          <a:xfrm>
-            <a:off x="6659563" y="3500438"/>
-            <a:ext cx="1657350" cy="576262"/>
-          </a:xfrm>
-          <a:prstGeom prst="rect">
-            <a:avLst/>
-          </a:prstGeom>
-          <a:solidFill>
-            <a:srgbClr val="FFC000"/>
-          </a:solidFill>
-          <a:ln w="12700" algn="ctr">
-            <a:solidFill>
-              <a:srgbClr val="215134"/>
-            </a:solidFill>
-            <a:round/>
-            <a:headEnd/>
-            <a:tailEnd/>
-          </a:ln>
-        </p:spPr>
-        <p:txBody>
-          <a:bodyPr lIns="90000" tIns="46800" rIns="90000" bIns="46800" anchor="ctr"/>
-          <a:lstStyle/>
-          <a:p>
-            <a:pPr algn="ctr"/>
-            <a:r>
-              <a:rPr lang="fi-FI" sz="1100" b="1" dirty="0" smtClean="0"/>
-              <a:t>Tuotteen </a:t>
-            </a:r>
-            <a:r>
-              <a:rPr lang="fi-FI" sz="1100" b="1" dirty="0" err="1" smtClean="0"/>
-              <a:t>roadmap</a:t>
-            </a:r>
-            <a:endParaRPr lang="fi-FI" sz="1100" b="1" dirty="0"/>
-          </a:p>
-        </p:txBody>
-      </p:sp>
-      <p:sp>
-        <p:nvSpPr>
-          <p:cNvPr id="14361" name="Rectangle 66"/>
-          <p:cNvSpPr>
-            <a:spLocks noChangeArrowheads="1"/>
-          </p:cNvSpPr>
-          <p:nvPr/>
-        </p:nvSpPr>
-        <p:spPr bwMode="auto">
-          <a:xfrm>
-            <a:off x="6659563" y="2852738"/>
-            <a:ext cx="1657350" cy="576262"/>
-          </a:xfrm>
-          <a:prstGeom prst="rect">
-            <a:avLst/>
-          </a:prstGeom>
-          <a:solidFill>
-            <a:srgbClr val="FFC000"/>
-          </a:solidFill>
-          <a:ln w="12700" algn="ctr">
-            <a:solidFill>
-              <a:srgbClr val="215134"/>
-            </a:solidFill>
-            <a:round/>
-            <a:headEnd/>
-            <a:tailEnd/>
-          </a:ln>
-        </p:spPr>
-        <p:txBody>
-          <a:bodyPr lIns="90000" tIns="46800" rIns="90000" bIns="46800" anchor="ctr"/>
-          <a:lstStyle/>
-          <a:p>
-            <a:r>
-              <a:rPr lang="fi-FI" sz="1100" dirty="0" smtClean="0"/>
-              <a:t>Toimialan tuntemus</a:t>
-            </a:r>
-          </a:p>
-        </p:txBody>
-      </p:sp>
-      <p:sp>
-        <p:nvSpPr>
-          <p:cNvPr id="14362" name="Rectangle 67"/>
-          <p:cNvSpPr>
-            <a:spLocks noChangeArrowheads="1"/>
-          </p:cNvSpPr>
-          <p:nvPr/>
-        </p:nvSpPr>
-        <p:spPr bwMode="auto">
-          <a:xfrm>
-            <a:off x="6659563" y="4149725"/>
-            <a:ext cx="1657350" cy="574675"/>
-          </a:xfrm>
-          <a:prstGeom prst="rect">
-            <a:avLst/>
-          </a:prstGeom>
-          <a:solidFill>
-            <a:srgbClr val="FFC000"/>
-          </a:solidFill>
-          <a:ln w="12700" algn="ctr">
-            <a:solidFill>
-              <a:srgbClr val="215134"/>
-            </a:solidFill>
-            <a:round/>
-            <a:headEnd/>
-            <a:tailEnd/>
-          </a:ln>
-        </p:spPr>
-        <p:txBody>
-          <a:bodyPr lIns="90000" tIns="46800" rIns="90000" bIns="46800" anchor="ctr"/>
-          <a:lstStyle/>
-          <a:p>
-            <a:pPr algn="ctr"/>
-            <a:r>
-              <a:rPr lang="fi-FI" sz="1100" b="1" dirty="0" smtClean="0"/>
-              <a:t>Toimittajan visio</a:t>
-            </a:r>
-            <a:endParaRPr lang="fi-FI" sz="1100" b="1" dirty="0"/>
-          </a:p>
-        </p:txBody>
-      </p:sp>
-      <p:sp>
-        <p:nvSpPr>
-          <p:cNvPr id="14363" name="Rectangle 68"/>
-          <p:cNvSpPr>
-            <a:spLocks noChangeArrowheads="1"/>
-          </p:cNvSpPr>
-          <p:nvPr/>
-        </p:nvSpPr>
-        <p:spPr bwMode="auto">
-          <a:xfrm>
-            <a:off x="6659563" y="4797425"/>
-            <a:ext cx="1657350" cy="576263"/>
-          </a:xfrm>
-          <a:prstGeom prst="rect">
-            <a:avLst/>
-          </a:prstGeom>
-          <a:solidFill>
-            <a:srgbClr val="FFC000"/>
-          </a:solidFill>
-          <a:ln w="12700" algn="ctr">
-            <a:solidFill>
-              <a:srgbClr val="215134"/>
-            </a:solidFill>
-            <a:round/>
-            <a:headEnd/>
-            <a:tailEnd/>
-          </a:ln>
-        </p:spPr>
-        <p:txBody>
-          <a:bodyPr lIns="90000" tIns="46800" rIns="90000" bIns="46800" anchor="ctr"/>
-          <a:lstStyle/>
-          <a:p>
-            <a:pPr algn="ctr"/>
-            <a:r>
-              <a:rPr lang="fi-FI" sz="1100" b="1" dirty="0" smtClean="0"/>
-              <a:t>Markkinaosuus</a:t>
-            </a:r>
-            <a:endParaRPr lang="fi-FI" sz="1100" b="1" dirty="0"/>
-          </a:p>
-        </p:txBody>
-      </p:sp>
-      <p:sp>
-        <p:nvSpPr>
-          <p:cNvPr id="14365" name="Rectangle 85"/>
-          <p:cNvSpPr>
-            <a:spLocks noChangeArrowheads="1"/>
-          </p:cNvSpPr>
-          <p:nvPr/>
-        </p:nvSpPr>
-        <p:spPr bwMode="auto">
-          <a:xfrm>
-            <a:off x="6659563" y="5445125"/>
-            <a:ext cx="1657350" cy="576263"/>
-          </a:xfrm>
-          <a:prstGeom prst="rect">
-            <a:avLst/>
-          </a:prstGeom>
-          <a:solidFill>
-            <a:srgbClr val="FFC000"/>
-          </a:solidFill>
-          <a:ln w="12700" algn="ctr">
-            <a:solidFill>
-              <a:srgbClr val="215134"/>
-            </a:solidFill>
-            <a:round/>
-            <a:headEnd/>
-            <a:tailEnd/>
-          </a:ln>
-        </p:spPr>
-        <p:txBody>
-          <a:bodyPr lIns="90000" tIns="46800" rIns="90000" bIns="46800" anchor="ctr"/>
-          <a:lstStyle/>
-          <a:p>
-            <a:pPr algn="ctr"/>
-            <a:r>
-              <a:rPr lang="fi-FI" sz="1100" b="1" dirty="0" smtClean="0"/>
-              <a:t>Tuotteen kypsyys</a:t>
-            </a:r>
-            <a:endParaRPr lang="fi-FI" sz="1100" b="1" dirty="0"/>
-          </a:p>
-        </p:txBody>
-      </p:sp>
-      <p:sp>
-        <p:nvSpPr>
-          <p:cNvPr id="45" name="Rectangle 44"/>
-          <p:cNvSpPr/>
-          <p:nvPr/>
-        </p:nvSpPr>
-        <p:spPr bwMode="auto">
-          <a:xfrm>
-            <a:off x="1042988" y="2205038"/>
-            <a:ext cx="1657350" cy="576262"/>
-          </a:xfrm>
-          <a:prstGeom prst="rect">
-            <a:avLst/>
-          </a:prstGeom>
-          <a:solidFill>
-            <a:schemeClr val="accent1"/>
-          </a:solidFill>
-          <a:ln w="9525" cap="flat" cmpd="sng" algn="ctr">
-            <a:noFill/>
-            <a:prstDash val="solid"/>
-            <a:round/>
-            <a:headEnd type="none" w="med" len="med"/>
-            <a:tailEnd type="none" w="med" len="med"/>
-          </a:ln>
-          <a:effectLst/>
-        </p:spPr>
-        <p:txBody>
-          <a:bodyPr lIns="90000" tIns="46800" rIns="90000" bIns="46800" anchor="ctr"/>
-          <a:lstStyle/>
-          <a:p>
-            <a:pPr algn="ctr">
-              <a:defRPr/>
-            </a:pPr>
-            <a:r>
-              <a:rPr lang="fi-FI" sz="1400" dirty="0" smtClean="0">
-                <a:solidFill>
-                  <a:schemeClr val="bg1">
-                    <a:lumMod val="95000"/>
-                  </a:schemeClr>
-                </a:solidFill>
-              </a:rPr>
-              <a:t>Verotuksen osa-alueet</a:t>
-            </a:r>
-            <a:endParaRPr lang="fi-FI" sz="1400" dirty="0">
-              <a:solidFill>
-                <a:schemeClr val="bg1">
-                  <a:lumMod val="95000"/>
-                </a:schemeClr>
-              </a:solidFill>
-            </a:endParaRPr>
-          </a:p>
-        </p:txBody>
-      </p:sp>
-      <p:cxnSp>
-        <p:nvCxnSpPr>
-          <p:cNvPr id="14369" name="Straight Connector 57"/>
-          <p:cNvCxnSpPr>
-            <a:cxnSpLocks noChangeShapeType="1"/>
-            <a:stCxn id="45" idx="2"/>
-          </p:cNvCxnSpPr>
-          <p:nvPr/>
-        </p:nvCxnSpPr>
-        <p:spPr bwMode="auto">
-          <a:xfrm rot="5400000">
-            <a:off x="1565275" y="2835275"/>
-            <a:ext cx="360363" cy="252413"/>
-          </a:xfrm>
-          <a:prstGeom prst="line">
-            <a:avLst/>
-          </a:prstGeom>
-          <a:noFill/>
-          <a:ln w="9525" algn="ctr">
-            <a:solidFill>
-              <a:schemeClr val="tx1"/>
-            </a:solidFill>
-            <a:prstDash val="dash"/>
-            <a:round/>
-            <a:headEnd/>
-            <a:tailEnd/>
-          </a:ln>
-        </p:spPr>
-      </p:cxnSp>
-      <p:cxnSp>
-        <p:nvCxnSpPr>
-          <p:cNvPr id="14370" name="Straight Connector 58"/>
-          <p:cNvCxnSpPr>
-            <a:cxnSpLocks noChangeShapeType="1"/>
-            <a:stCxn id="45" idx="2"/>
-          </p:cNvCxnSpPr>
-          <p:nvPr/>
-        </p:nvCxnSpPr>
-        <p:spPr bwMode="auto">
-          <a:xfrm rot="5400000">
-            <a:off x="1134269" y="3123406"/>
-            <a:ext cx="1079500" cy="395288"/>
-          </a:xfrm>
-          <a:prstGeom prst="line">
-            <a:avLst/>
-          </a:prstGeom>
-          <a:noFill/>
-          <a:ln w="9525" algn="ctr">
-            <a:solidFill>
-              <a:schemeClr val="tx1"/>
-            </a:solidFill>
-            <a:prstDash val="dash"/>
-            <a:round/>
-            <a:headEnd/>
-            <a:tailEnd/>
-          </a:ln>
-        </p:spPr>
-      </p:cxnSp>
-      <p:cxnSp>
-        <p:nvCxnSpPr>
-          <p:cNvPr id="14371" name="Straight Connector 61"/>
-          <p:cNvCxnSpPr>
-            <a:cxnSpLocks noChangeShapeType="1"/>
-            <a:stCxn id="45" idx="2"/>
-            <a:endCxn id="14349" idx="0"/>
-          </p:cNvCxnSpPr>
-          <p:nvPr/>
-        </p:nvCxnSpPr>
-        <p:spPr bwMode="auto">
-          <a:xfrm rot="16200000" flipH="1">
-            <a:off x="863935" y="3789027"/>
-            <a:ext cx="2231876" cy="216421"/>
-          </a:xfrm>
-          <a:prstGeom prst="line">
-            <a:avLst/>
-          </a:prstGeom>
-          <a:noFill/>
-          <a:ln w="9525" algn="ctr">
-            <a:solidFill>
-              <a:schemeClr val="tx1"/>
-            </a:solidFill>
-            <a:prstDash val="dash"/>
-            <a:round/>
-            <a:headEnd/>
-            <a:tailEnd/>
-          </a:ln>
-        </p:spPr>
-      </p:cxnSp>
-      <p:sp>
-        <p:nvSpPr>
-          <p:cNvPr id="69" name="Rectangle 68"/>
-          <p:cNvSpPr/>
-          <p:nvPr/>
-        </p:nvSpPr>
-        <p:spPr bwMode="auto">
-          <a:xfrm>
-            <a:off x="2916238" y="2924944"/>
-            <a:ext cx="1655762" cy="287338"/>
-          </a:xfrm>
-          <a:prstGeom prst="rect">
-            <a:avLst/>
-          </a:prstGeom>
-          <a:solidFill>
-            <a:schemeClr val="accent1"/>
-          </a:solidFill>
-          <a:ln w="9525" cap="flat" cmpd="sng" algn="ctr">
-            <a:noFill/>
-            <a:prstDash val="solid"/>
-            <a:round/>
-            <a:headEnd type="none" w="med" len="med"/>
-            <a:tailEnd type="none" w="med" len="med"/>
-          </a:ln>
-          <a:effectLst/>
-        </p:spPr>
-        <p:txBody>
-          <a:bodyPr wrap="none" lIns="90000" tIns="46800" rIns="90000" bIns="46800" anchor="ctr"/>
-          <a:lstStyle/>
-          <a:p>
-            <a:pPr algn="ctr">
-              <a:defRPr/>
-            </a:pPr>
-            <a:r>
-              <a:rPr lang="fi-FI" sz="1100" dirty="0" smtClean="0">
-                <a:solidFill>
-                  <a:schemeClr val="bg1">
-                    <a:lumMod val="95000"/>
-                  </a:schemeClr>
-                </a:solidFill>
-              </a:rPr>
-              <a:t>Sääntökone</a:t>
-            </a:r>
-            <a:endParaRPr lang="fi-FI" sz="1100" dirty="0">
-              <a:solidFill>
-                <a:schemeClr val="bg1">
-                  <a:lumMod val="95000"/>
-                </a:schemeClr>
-              </a:solidFill>
-            </a:endParaRPr>
-          </a:p>
-        </p:txBody>
-      </p:sp>
-      <p:sp>
-        <p:nvSpPr>
-          <p:cNvPr id="70" name="Rectangle 69"/>
-          <p:cNvSpPr/>
-          <p:nvPr/>
-        </p:nvSpPr>
-        <p:spPr bwMode="auto">
-          <a:xfrm>
-            <a:off x="2916238" y="3285679"/>
-            <a:ext cx="1655762" cy="287337"/>
-          </a:xfrm>
-          <a:prstGeom prst="rect">
-            <a:avLst/>
-          </a:prstGeom>
-          <a:solidFill>
-            <a:schemeClr val="accent1"/>
-          </a:solidFill>
-          <a:ln w="9525" cap="flat" cmpd="sng" algn="ctr">
-            <a:noFill/>
-            <a:prstDash val="solid"/>
-            <a:round/>
-            <a:headEnd type="none" w="med" len="med"/>
-            <a:tailEnd type="none" w="med" len="med"/>
-          </a:ln>
-          <a:effectLst/>
-        </p:spPr>
-        <p:txBody>
-          <a:bodyPr lIns="90000" tIns="46800" rIns="90000" bIns="46800" anchor="ctr"/>
-          <a:lstStyle/>
-          <a:p>
-            <a:pPr algn="ctr">
-              <a:defRPr/>
-            </a:pPr>
-            <a:r>
-              <a:rPr lang="fi-FI" sz="1100" dirty="0" smtClean="0">
-                <a:solidFill>
-                  <a:schemeClr val="bg1">
-                    <a:lumMod val="95000"/>
-                  </a:schemeClr>
-                </a:solidFill>
-              </a:rPr>
-              <a:t>Kehittäjän työkalut</a:t>
-            </a:r>
-            <a:endParaRPr lang="fi-FI" sz="1100" dirty="0">
-              <a:solidFill>
-                <a:schemeClr val="bg1">
-                  <a:lumMod val="95000"/>
-                </a:schemeClr>
-              </a:solidFill>
-            </a:endParaRPr>
-          </a:p>
-        </p:txBody>
-      </p:sp>
-      <p:sp>
-        <p:nvSpPr>
-          <p:cNvPr id="71" name="Rectangle 70"/>
-          <p:cNvSpPr/>
-          <p:nvPr/>
-        </p:nvSpPr>
-        <p:spPr bwMode="auto">
-          <a:xfrm>
-            <a:off x="2916238" y="2564904"/>
-            <a:ext cx="1655762" cy="287337"/>
-          </a:xfrm>
-          <a:prstGeom prst="rect">
-            <a:avLst/>
-          </a:prstGeom>
-          <a:solidFill>
-            <a:schemeClr val="accent1"/>
-          </a:solidFill>
-          <a:ln w="9525" cap="flat" cmpd="sng" algn="ctr">
-            <a:noFill/>
-            <a:prstDash val="solid"/>
-            <a:round/>
-            <a:headEnd type="none" w="med" len="med"/>
-            <a:tailEnd type="none" w="med" len="med"/>
-          </a:ln>
-          <a:effectLst/>
-        </p:spPr>
-        <p:txBody>
-          <a:bodyPr lIns="90000" tIns="46800" rIns="90000" bIns="46800" anchor="ctr"/>
-          <a:lstStyle/>
-          <a:p>
-            <a:pPr algn="ctr">
-              <a:defRPr/>
-            </a:pPr>
-            <a:r>
-              <a:rPr lang="fi-FI" sz="1100" dirty="0" smtClean="0">
-                <a:solidFill>
-                  <a:schemeClr val="bg1">
-                    <a:lumMod val="95000"/>
-                  </a:schemeClr>
-                </a:solidFill>
-              </a:rPr>
-              <a:t>Käyttöliittymä</a:t>
-            </a:r>
-            <a:endParaRPr lang="fi-FI" sz="1100" dirty="0">
-              <a:solidFill>
-                <a:schemeClr val="bg1">
-                  <a:lumMod val="95000"/>
-                </a:schemeClr>
-              </a:solidFill>
-            </a:endParaRPr>
-          </a:p>
-        </p:txBody>
-      </p:sp>
-      <p:sp>
-        <p:nvSpPr>
-          <p:cNvPr id="72" name="Rectangle 71"/>
-          <p:cNvSpPr/>
-          <p:nvPr/>
-        </p:nvSpPr>
-        <p:spPr bwMode="auto">
-          <a:xfrm>
-            <a:off x="2916238" y="3645024"/>
-            <a:ext cx="1655762" cy="504056"/>
-          </a:xfrm>
-          <a:prstGeom prst="rect">
-            <a:avLst/>
-          </a:prstGeom>
-          <a:solidFill>
-            <a:schemeClr val="accent1"/>
-          </a:solidFill>
-          <a:ln w="9525" cap="flat" cmpd="sng" algn="ctr">
-            <a:noFill/>
-            <a:prstDash val="solid"/>
-            <a:round/>
-            <a:headEnd type="none" w="med" len="med"/>
-            <a:tailEnd type="none" w="med" len="med"/>
-          </a:ln>
-          <a:effectLst/>
-        </p:spPr>
-        <p:txBody>
-          <a:bodyPr lIns="90000" tIns="46800" rIns="90000" bIns="46800" anchor="ctr"/>
-          <a:lstStyle/>
-          <a:p>
-            <a:pPr algn="ctr">
-              <a:defRPr/>
-            </a:pPr>
-            <a:r>
-              <a:rPr lang="fi-FI" sz="1100" dirty="0" smtClean="0">
-                <a:solidFill>
-                  <a:schemeClr val="bg1">
-                    <a:lumMod val="95000"/>
-                  </a:schemeClr>
-                </a:solidFill>
-              </a:rPr>
-              <a:t>Toimitusprojekti ja ylläpito</a:t>
-            </a:r>
-            <a:endParaRPr lang="fi-FI" sz="1100" dirty="0">
-              <a:solidFill>
-                <a:schemeClr val="bg1">
-                  <a:lumMod val="95000"/>
-                </a:schemeClr>
-              </a:solidFill>
-            </a:endParaRPr>
-          </a:p>
-        </p:txBody>
-      </p:sp>
-      <p:sp>
-        <p:nvSpPr>
-          <p:cNvPr id="75" name="Rectangle 74"/>
-          <p:cNvSpPr/>
-          <p:nvPr/>
-        </p:nvSpPr>
-        <p:spPr bwMode="auto">
-          <a:xfrm>
-            <a:off x="2916238" y="2204864"/>
-            <a:ext cx="1655762" cy="288925"/>
-          </a:xfrm>
-          <a:prstGeom prst="rect">
-            <a:avLst/>
-          </a:prstGeom>
-          <a:solidFill>
-            <a:schemeClr val="accent1"/>
-          </a:solidFill>
-          <a:ln w="9525" cap="flat" cmpd="sng" algn="ctr">
-            <a:noFill/>
-            <a:prstDash val="solid"/>
-            <a:round/>
-            <a:headEnd type="none" w="med" len="med"/>
-            <a:tailEnd type="none" w="med" len="med"/>
-          </a:ln>
-          <a:effectLst/>
-        </p:spPr>
-        <p:txBody>
-          <a:bodyPr lIns="90000" tIns="46800" rIns="90000" bIns="46800" anchor="ctr"/>
-          <a:lstStyle/>
-          <a:p>
-            <a:pPr algn="ctr">
-              <a:defRPr/>
-            </a:pPr>
-            <a:r>
-              <a:rPr lang="fi-FI" sz="1100" dirty="0" smtClean="0">
-                <a:solidFill>
-                  <a:schemeClr val="bg1">
-                    <a:lumMod val="95000"/>
-                  </a:schemeClr>
-                </a:solidFill>
-              </a:rPr>
-              <a:t>Perusteknologia</a:t>
-            </a:r>
-            <a:endParaRPr lang="fi-FI" sz="1100" dirty="0">
-              <a:solidFill>
-                <a:schemeClr val="bg1">
-                  <a:lumMod val="95000"/>
-                </a:schemeClr>
-              </a:solidFill>
-            </a:endParaRPr>
-          </a:p>
-        </p:txBody>
-      </p:sp>
-      <p:sp>
-        <p:nvSpPr>
-          <p:cNvPr id="76" name="Rectangle 75"/>
-          <p:cNvSpPr/>
-          <p:nvPr/>
-        </p:nvSpPr>
-        <p:spPr bwMode="auto">
-          <a:xfrm>
-            <a:off x="2916238" y="5517927"/>
-            <a:ext cx="1655762" cy="287337"/>
-          </a:xfrm>
-          <a:prstGeom prst="rect">
-            <a:avLst/>
-          </a:prstGeom>
-          <a:solidFill>
-            <a:schemeClr val="accent1"/>
-          </a:solidFill>
-          <a:ln w="9525" cap="flat" cmpd="sng" algn="ctr">
-            <a:noFill/>
-            <a:prstDash val="solid"/>
-            <a:round/>
-            <a:headEnd type="none" w="med" len="med"/>
-            <a:tailEnd type="none" w="med" len="med"/>
-          </a:ln>
-          <a:effectLst/>
-        </p:spPr>
-        <p:txBody>
-          <a:bodyPr lIns="90000" tIns="46800" rIns="90000" bIns="46800" anchor="ctr"/>
-          <a:lstStyle/>
-          <a:p>
-            <a:pPr algn="ctr">
-              <a:defRPr/>
-            </a:pPr>
-            <a:r>
-              <a:rPr lang="fi-FI" sz="1100" dirty="0" smtClean="0">
-                <a:solidFill>
-                  <a:schemeClr val="bg1">
-                    <a:lumMod val="95000"/>
-                  </a:schemeClr>
-                </a:solidFill>
-              </a:rPr>
-              <a:t>Tietoturva</a:t>
-            </a:r>
-            <a:endParaRPr lang="fi-FI" sz="1100" dirty="0">
-              <a:solidFill>
-                <a:schemeClr val="bg1">
-                  <a:lumMod val="95000"/>
-                </a:schemeClr>
-              </a:solidFill>
-            </a:endParaRPr>
-          </a:p>
-        </p:txBody>
-      </p:sp>
-      <p:sp>
-        <p:nvSpPr>
-          <p:cNvPr id="77" name="Rectangle 76"/>
-          <p:cNvSpPr/>
-          <p:nvPr/>
-        </p:nvSpPr>
-        <p:spPr bwMode="auto">
-          <a:xfrm>
-            <a:off x="2916238" y="4220195"/>
-            <a:ext cx="1655762" cy="288925"/>
-          </a:xfrm>
-          <a:prstGeom prst="rect">
-            <a:avLst/>
-          </a:prstGeom>
-          <a:solidFill>
-            <a:schemeClr val="accent1"/>
-          </a:solidFill>
-          <a:ln w="9525" cap="flat" cmpd="sng" algn="ctr">
-            <a:noFill/>
-            <a:prstDash val="solid"/>
-            <a:round/>
-            <a:headEnd type="none" w="med" len="med"/>
-            <a:tailEnd type="none" w="med" len="med"/>
-          </a:ln>
-          <a:effectLst/>
-        </p:spPr>
-        <p:txBody>
-          <a:bodyPr lIns="90000" tIns="46800" rIns="90000" bIns="46800" anchor="ctr"/>
-          <a:lstStyle/>
-          <a:p>
-            <a:pPr algn="ctr">
-              <a:defRPr/>
-            </a:pPr>
-            <a:r>
-              <a:rPr lang="fi-FI" sz="1100" dirty="0" smtClean="0">
-                <a:solidFill>
-                  <a:schemeClr val="bg1">
-                    <a:lumMod val="95000"/>
-                  </a:schemeClr>
-                </a:solidFill>
-              </a:rPr>
-              <a:t>Eräajot</a:t>
-            </a:r>
-            <a:endParaRPr lang="fi-FI" sz="1100" dirty="0">
-              <a:solidFill>
-                <a:schemeClr val="bg1">
-                  <a:lumMod val="95000"/>
-                </a:schemeClr>
-              </a:solidFill>
-            </a:endParaRPr>
-          </a:p>
-        </p:txBody>
-      </p:sp>
-      <p:sp>
-        <p:nvSpPr>
-          <p:cNvPr id="78" name="Rectangle 77"/>
-          <p:cNvSpPr/>
-          <p:nvPr/>
-        </p:nvSpPr>
-        <p:spPr bwMode="auto">
-          <a:xfrm>
-            <a:off x="2916238" y="4581079"/>
-            <a:ext cx="1655762" cy="360089"/>
-          </a:xfrm>
-          <a:prstGeom prst="rect">
-            <a:avLst/>
-          </a:prstGeom>
-          <a:solidFill>
-            <a:schemeClr val="accent1"/>
-          </a:solidFill>
-          <a:ln w="9525" cap="flat" cmpd="sng" algn="ctr">
-            <a:noFill/>
-            <a:prstDash val="solid"/>
-            <a:round/>
-            <a:headEnd type="none" w="med" len="med"/>
-            <a:tailEnd type="none" w="med" len="med"/>
-          </a:ln>
-          <a:effectLst/>
-        </p:spPr>
-        <p:txBody>
-          <a:bodyPr lIns="90000" tIns="46800" rIns="90000" bIns="46800" anchor="ctr"/>
-          <a:lstStyle/>
-          <a:p>
-            <a:pPr algn="ctr">
-              <a:defRPr/>
-            </a:pPr>
-            <a:r>
-              <a:rPr lang="fi-FI" sz="1100" dirty="0" smtClean="0">
-                <a:solidFill>
-                  <a:schemeClr val="bg1">
-                    <a:lumMod val="95000"/>
-                  </a:schemeClr>
-                </a:solidFill>
-              </a:rPr>
-              <a:t>Liittymät ja integrointi</a:t>
-            </a:r>
-            <a:endParaRPr lang="fi-FI" sz="1100" dirty="0">
-              <a:solidFill>
-                <a:schemeClr val="bg1">
-                  <a:lumMod val="95000"/>
-                </a:schemeClr>
-              </a:solidFill>
-            </a:endParaRPr>
-          </a:p>
-        </p:txBody>
-      </p:sp>
-      <p:sp>
-        <p:nvSpPr>
-          <p:cNvPr id="79" name="Rectangle 78"/>
-          <p:cNvSpPr/>
-          <p:nvPr/>
-        </p:nvSpPr>
-        <p:spPr bwMode="auto">
-          <a:xfrm>
-            <a:off x="2916238" y="5013177"/>
-            <a:ext cx="1655762" cy="433536"/>
-          </a:xfrm>
-          <a:prstGeom prst="rect">
-            <a:avLst/>
-          </a:prstGeom>
-          <a:solidFill>
-            <a:schemeClr val="accent1"/>
-          </a:solidFill>
-          <a:ln w="9525" cap="flat" cmpd="sng" algn="ctr">
-            <a:noFill/>
-            <a:prstDash val="solid"/>
-            <a:round/>
-            <a:headEnd type="none" w="med" len="med"/>
-            <a:tailEnd type="none" w="med" len="med"/>
-          </a:ln>
-          <a:effectLst/>
-        </p:spPr>
-        <p:txBody>
-          <a:bodyPr lIns="90000" tIns="46800" rIns="90000" bIns="46800" anchor="ctr"/>
-          <a:lstStyle/>
-          <a:p>
-            <a:pPr algn="ctr">
-              <a:defRPr/>
-            </a:pPr>
-            <a:r>
-              <a:rPr lang="fi-FI" sz="1100" dirty="0" smtClean="0">
-                <a:solidFill>
-                  <a:schemeClr val="bg1">
-                    <a:lumMod val="95000"/>
-                  </a:schemeClr>
-                </a:solidFill>
-              </a:rPr>
-              <a:t>Prosessien mallintamine ja dokumentointi</a:t>
-            </a:r>
-            <a:endParaRPr lang="fi-FI" sz="1100" dirty="0">
-              <a:solidFill>
-                <a:schemeClr val="bg1">
-                  <a:lumMod val="95000"/>
-                </a:schemeClr>
-              </a:solidFill>
-            </a:endParaRPr>
-          </a:p>
-        </p:txBody>
-      </p:sp>
-      <p:sp>
-        <p:nvSpPr>
-          <p:cNvPr id="80" name="Rectangle 79"/>
-          <p:cNvSpPr/>
-          <p:nvPr/>
-        </p:nvSpPr>
-        <p:spPr bwMode="auto">
-          <a:xfrm>
-            <a:off x="2916238" y="6236419"/>
-            <a:ext cx="1655762" cy="288925"/>
-          </a:xfrm>
-          <a:prstGeom prst="rect">
-            <a:avLst/>
-          </a:prstGeom>
-          <a:solidFill>
-            <a:schemeClr val="accent1"/>
-          </a:solidFill>
-          <a:ln w="9525" cap="flat" cmpd="sng" algn="ctr">
-            <a:noFill/>
-            <a:prstDash val="solid"/>
-            <a:round/>
-            <a:headEnd type="none" w="med" len="med"/>
-            <a:tailEnd type="none" w="med" len="med"/>
-          </a:ln>
-          <a:effectLst/>
-        </p:spPr>
-        <p:txBody>
-          <a:bodyPr lIns="90000" tIns="46800" rIns="90000" bIns="46800" anchor="ctr"/>
-          <a:lstStyle/>
-          <a:p>
-            <a:pPr algn="ctr">
-              <a:defRPr/>
-            </a:pPr>
-            <a:r>
-              <a:rPr lang="fi-FI" sz="1100" dirty="0" smtClean="0">
-                <a:solidFill>
-                  <a:schemeClr val="bg1">
-                    <a:lumMod val="95000"/>
-                  </a:schemeClr>
-                </a:solidFill>
-              </a:rPr>
-              <a:t>Standardit</a:t>
-            </a:r>
-            <a:endParaRPr lang="fi-FI" sz="1100" dirty="0">
-              <a:solidFill>
-                <a:schemeClr val="bg1">
-                  <a:lumMod val="95000"/>
-                </a:schemeClr>
-              </a:solidFill>
-            </a:endParaRPr>
-          </a:p>
-        </p:txBody>
-      </p:sp>
-      <p:sp>
-        <p:nvSpPr>
-          <p:cNvPr id="81" name="Rectangle 80"/>
-          <p:cNvSpPr/>
-          <p:nvPr/>
-        </p:nvSpPr>
-        <p:spPr bwMode="auto">
-          <a:xfrm>
-            <a:off x="2916238" y="5876379"/>
-            <a:ext cx="1655762" cy="288925"/>
-          </a:xfrm>
-          <a:prstGeom prst="rect">
-            <a:avLst/>
-          </a:prstGeom>
-          <a:solidFill>
-            <a:schemeClr val="accent1"/>
-          </a:solidFill>
-          <a:ln w="9525" cap="flat" cmpd="sng" algn="ctr">
-            <a:noFill/>
-            <a:prstDash val="solid"/>
-            <a:round/>
-            <a:headEnd type="none" w="med" len="med"/>
-            <a:tailEnd type="none" w="med" len="med"/>
-          </a:ln>
-          <a:effectLst/>
-        </p:spPr>
-        <p:txBody>
-          <a:bodyPr lIns="90000" tIns="46800" rIns="90000" bIns="46800" anchor="ctr"/>
-          <a:lstStyle/>
-          <a:p>
-            <a:pPr algn="ctr">
-              <a:defRPr/>
-            </a:pPr>
-            <a:r>
-              <a:rPr lang="fi-FI" sz="1100" dirty="0" smtClean="0">
-                <a:solidFill>
-                  <a:schemeClr val="bg1">
-                    <a:lumMod val="95000"/>
-                  </a:schemeClr>
-                </a:solidFill>
-              </a:rPr>
-              <a:t>Internet</a:t>
-            </a:r>
-            <a:endParaRPr lang="fi-FI" sz="1100" dirty="0">
-              <a:solidFill>
-                <a:schemeClr val="bg1">
-                  <a:lumMod val="95000"/>
-                </a:schemeClr>
-              </a:solidFill>
-            </a:endParaRPr>
-          </a:p>
-        </p:txBody>
-      </p:sp>
+      <p:graphicFrame>
+        <p:nvGraphicFramePr>
+          <p:cNvPr id="7" name="Kaaviokuva 6"/>
+          <p:cNvGraphicFramePr/>
+          <p:nvPr>
+            <p:extLst>
+              <p:ext uri="{D42A27DB-BD31-4B8C-83A1-F6EECF244321}">
+                <p14:modId xmlns:p14="http://schemas.microsoft.com/office/powerpoint/2010/main" val="1669576263"/>
+              </p:ext>
+            </p:extLst>
+          </p:nvPr>
+        </p:nvGraphicFramePr>
+        <p:xfrm>
+          <a:off x="395536" y="980728"/>
+          <a:ext cx="8496944" cy="4824536"/>
+        </p:xfrm>
+        <a:graphic>
+          <a:graphicData uri="http://schemas.openxmlformats.org/drawingml/2006/diagram">
+            <dgm:relIds xmlns:dgm="http://schemas.openxmlformats.org/drawingml/2006/diagram" xmlns:r="http://schemas.openxmlformats.org/officeDocument/2006/relationships" r:dm="rId2" r:lo="rId3" r:qs="rId4" r:cs="rId5"/>
+          </a:graphicData>
+        </a:graphic>
+      </p:graphicFrame>
     </p:spTree>
     <p:extLst>
       <p:ext uri="{BB962C8B-B14F-4D97-AF65-F5344CB8AC3E}">
-        <p14:creationId xmlns:p14="http://schemas.microsoft.com/office/powerpoint/2010/main" val="1726096894"/>
+        <p14:creationId xmlns:p14="http://schemas.microsoft.com/office/powerpoint/2010/main" val="1151422603"/>
       </p:ext>
     </p:extLst>
   </p:cSld>
@@ -25583,1196 +23433,239 @@
           <a:chExt cx="0" cy="0"/>
         </a:xfrm>
       </p:grpSpPr>
-      <p:cxnSp>
-        <p:nvCxnSpPr>
-          <p:cNvPr id="16386" name="Elbow Connector 9"/>
-          <p:cNvCxnSpPr>
-            <a:cxnSpLocks noChangeShapeType="1"/>
-            <a:stCxn id="16391" idx="2"/>
-            <a:endCxn id="16400" idx="0"/>
-          </p:cNvCxnSpPr>
-          <p:nvPr/>
-        </p:nvCxnSpPr>
-        <p:spPr bwMode="auto">
-          <a:xfrm rot="5400000">
-            <a:off x="1189038" y="2817813"/>
-            <a:ext cx="1366837" cy="1587"/>
-          </a:xfrm>
-          <a:prstGeom prst="bentConnector3">
-            <a:avLst>
-              <a:gd name="adj1" fmla="val 50000"/>
-            </a:avLst>
-          </a:prstGeom>
-          <a:noFill/>
-          <a:ln w="38100" algn="ctr">
-            <a:solidFill>
-              <a:srgbClr val="215134"/>
-            </a:solidFill>
-            <a:round/>
-            <a:headEnd/>
-            <a:tailEnd/>
-          </a:ln>
-        </p:spPr>
-      </p:cxnSp>
-      <p:cxnSp>
-        <p:nvCxnSpPr>
-          <p:cNvPr id="16387" name="Elbow Connector 9"/>
-          <p:cNvCxnSpPr>
-            <a:cxnSpLocks noChangeShapeType="1"/>
-            <a:stCxn id="16392" idx="2"/>
-            <a:endCxn id="16409" idx="0"/>
-          </p:cNvCxnSpPr>
-          <p:nvPr/>
-        </p:nvCxnSpPr>
-        <p:spPr bwMode="auto">
-          <a:xfrm rot="5400000">
-            <a:off x="2412206" y="3464719"/>
-            <a:ext cx="2663825" cy="1588"/>
-          </a:xfrm>
-          <a:prstGeom prst="bentConnector3">
-            <a:avLst>
-              <a:gd name="adj1" fmla="val 50000"/>
-            </a:avLst>
-          </a:prstGeom>
-          <a:noFill/>
-          <a:ln w="38100" algn="ctr">
-            <a:solidFill>
-              <a:srgbClr val="215134"/>
-            </a:solidFill>
-            <a:round/>
-            <a:headEnd/>
-            <a:tailEnd/>
-          </a:ln>
-        </p:spPr>
-      </p:cxnSp>
-      <p:cxnSp>
-        <p:nvCxnSpPr>
-          <p:cNvPr id="16388" name="Elbow Connector 9"/>
-          <p:cNvCxnSpPr>
-            <a:cxnSpLocks noChangeShapeType="1"/>
-            <a:stCxn id="16393" idx="2"/>
-            <a:endCxn id="16410" idx="0"/>
-          </p:cNvCxnSpPr>
-          <p:nvPr/>
-        </p:nvCxnSpPr>
-        <p:spPr bwMode="auto">
-          <a:xfrm rot="5400000">
-            <a:off x="4607719" y="3140869"/>
-            <a:ext cx="2016125" cy="1587"/>
-          </a:xfrm>
-          <a:prstGeom prst="bentConnector3">
-            <a:avLst>
-              <a:gd name="adj1" fmla="val 50000"/>
-            </a:avLst>
-          </a:prstGeom>
-          <a:noFill/>
-          <a:ln w="38100" algn="ctr">
-            <a:solidFill>
-              <a:srgbClr val="215134"/>
-            </a:solidFill>
-            <a:round/>
-            <a:headEnd/>
-            <a:tailEnd/>
-          </a:ln>
-        </p:spPr>
-      </p:cxnSp>
-      <p:cxnSp>
-        <p:nvCxnSpPr>
-          <p:cNvPr id="16389" name="Elbow Connector 9"/>
-          <p:cNvCxnSpPr>
-            <a:cxnSpLocks noChangeShapeType="1"/>
-            <a:stCxn id="16406" idx="2"/>
-            <a:endCxn id="16415" idx="0"/>
-          </p:cNvCxnSpPr>
-          <p:nvPr/>
-        </p:nvCxnSpPr>
-        <p:spPr bwMode="auto">
-          <a:xfrm rot="5400000">
-            <a:off x="6157119" y="3464719"/>
-            <a:ext cx="2663825" cy="1587"/>
-          </a:xfrm>
-          <a:prstGeom prst="bentConnector3">
-            <a:avLst>
-              <a:gd name="adj1" fmla="val 50000"/>
-            </a:avLst>
-          </a:prstGeom>
-          <a:noFill/>
-          <a:ln w="38100" algn="ctr">
-            <a:solidFill>
-              <a:srgbClr val="215134"/>
-            </a:solidFill>
-            <a:round/>
-            <a:headEnd/>
-            <a:tailEnd/>
-          </a:ln>
-        </p:spPr>
-      </p:cxnSp>
       <p:sp>
         <p:nvSpPr>
-          <p:cNvPr id="16390" name="Rectangle 2"/>
+          <p:cNvPr id="2" name="Otsikko 1"/>
           <p:cNvSpPr>
-            <a:spLocks noChangeArrowheads="1"/>
+            <a:spLocks noGrp="1"/>
           </p:cNvSpPr>
+          <p:nvPr>
+            <p:ph type="title"/>
+          </p:nvPr>
+        </p:nvSpPr>
+        <p:spPr>
+          <a:xfrm>
+            <a:off x="381000" y="152400"/>
+            <a:ext cx="7772400" cy="900336"/>
+          </a:xfrm>
+        </p:spPr>
+        <p:txBody>
+          <a:bodyPr/>
+          <a:lstStyle/>
+          <a:p>
+            <a:r>
+              <a:rPr lang="fi-FI" dirty="0" smtClean="0"/>
+              <a:t>Valmisohjelmistoratkaisu: </a:t>
+            </a:r>
+            <a:br>
+              <a:rPr lang="fi-FI" dirty="0" smtClean="0"/>
+            </a:br>
+            <a:r>
+              <a:rPr lang="fi-FI" dirty="0" smtClean="0"/>
+              <a:t>Hankkeen tavoitteet</a:t>
+            </a:r>
+            <a:endParaRPr lang="fi-FI" dirty="0"/>
+          </a:p>
+        </p:txBody>
+      </p:sp>
+      <p:sp>
+        <p:nvSpPr>
+          <p:cNvPr id="3" name="Sisällön paikkamerkki 2"/>
+          <p:cNvSpPr>
+            <a:spLocks noGrp="1"/>
+          </p:cNvSpPr>
+          <p:nvPr>
+            <p:ph idx="1"/>
+          </p:nvPr>
+        </p:nvSpPr>
+        <p:spPr>
+          <a:xfrm>
+            <a:off x="467544" y="1268760"/>
+            <a:ext cx="8371656" cy="4968552"/>
+          </a:xfrm>
+        </p:spPr>
+        <p:txBody>
+          <a:bodyPr/>
+          <a:lstStyle/>
+          <a:p>
+            <a:r>
+              <a:rPr lang="fi-FI" sz="2400" dirty="0" smtClean="0"/>
+              <a:t>Verohallinnon strategisten tavoitteiden tukeminen, toimintavarmuus pitkällä tähtäimellä</a:t>
+            </a:r>
+          </a:p>
+          <a:p>
+            <a:r>
+              <a:rPr lang="fi-FI" sz="2400" dirty="0" smtClean="0"/>
+              <a:t>Tietohallinnon kustannusten alentaminen</a:t>
+            </a:r>
+          </a:p>
+          <a:p>
+            <a:r>
+              <a:rPr lang="fi-FI" sz="2400" dirty="0" smtClean="0"/>
+              <a:t>Vanhenevan teknologian korvaaminen</a:t>
+            </a:r>
+          </a:p>
+          <a:p>
+            <a:pPr marL="0" indent="0">
+              <a:buNone/>
+            </a:pPr>
+            <a:endParaRPr lang="fi-FI" sz="2400" dirty="0" smtClean="0"/>
+          </a:p>
+          <a:p>
+            <a:r>
+              <a:rPr lang="fi-FI" sz="2400" smtClean="0"/>
+              <a:t>Tutkituista </a:t>
+            </a:r>
+            <a:r>
+              <a:rPr lang="fi-FI" sz="2400" dirty="0" smtClean="0"/>
+              <a:t>vaihtoehdoista valmisohjelmisto-ratkaisu vaikutti lupaavimmalta ja riskittömimmältä </a:t>
+            </a:r>
+            <a:r>
+              <a:rPr lang="fi-FI" sz="2400" dirty="0" err="1" smtClean="0"/>
+              <a:t>etenemismallita</a:t>
+            </a:r>
+            <a:endParaRPr lang="fi-FI" sz="2400" dirty="0" smtClean="0"/>
+          </a:p>
+          <a:p>
+            <a:endParaRPr lang="fi-FI" sz="2400" dirty="0" smtClean="0"/>
+          </a:p>
+          <a:p>
+            <a:pPr lvl="1"/>
+            <a:r>
+              <a:rPr lang="fi-FI" b="1" dirty="0" smtClean="0">
+                <a:solidFill>
+                  <a:schemeClr val="accent2"/>
+                </a:solidFill>
+              </a:rPr>
+              <a:t>Valmisohjelmistoon pohjautuva verotuksen järjestelmien kokonaisuudistus</a:t>
+            </a:r>
+          </a:p>
+          <a:p>
+            <a:endParaRPr lang="fi-FI" dirty="0" smtClean="0"/>
+          </a:p>
+          <a:p>
+            <a:pPr lvl="2"/>
+            <a:endParaRPr lang="fi-FI" dirty="0"/>
+          </a:p>
+        </p:txBody>
+      </p:sp>
+      <p:sp>
+        <p:nvSpPr>
+          <p:cNvPr id="4" name="Päivämäärän paikkamerkki 3"/>
+          <p:cNvSpPr>
+            <a:spLocks noGrp="1"/>
+          </p:cNvSpPr>
+          <p:nvPr>
+            <p:ph type="dt" sz="half" idx="10"/>
+          </p:nvPr>
+        </p:nvSpPr>
+        <p:spPr/>
+        <p:txBody>
+          <a:bodyPr/>
+          <a:lstStyle/>
+          <a:p>
+            <a:fld id="{6263D7F9-E8CA-4D49-A3BB-34C1D27B3415}" type="datetime1">
+              <a:rPr lang="fi-FI" smtClean="0"/>
+              <a:pPr/>
+              <a:t>8.11.2014</a:t>
+            </a:fld>
+            <a:endParaRPr lang="fi-FI"/>
+          </a:p>
+        </p:txBody>
+      </p:sp>
+      <p:sp>
+        <p:nvSpPr>
+          <p:cNvPr id="5" name="Dian numeron paikkamerkki 4"/>
+          <p:cNvSpPr>
+            <a:spLocks noGrp="1"/>
+          </p:cNvSpPr>
+          <p:nvPr>
+            <p:ph type="sldNum" sz="quarter" idx="12"/>
+          </p:nvPr>
+        </p:nvSpPr>
+        <p:spPr/>
+        <p:txBody>
+          <a:bodyPr/>
+          <a:lstStyle/>
+          <a:p>
+            <a:fld id="{2862C275-E456-42DD-B67F-1FAD661D120D}" type="slidenum">
+              <a:rPr lang="fi-FI" smtClean="0"/>
+              <a:pPr/>
+              <a:t>18</a:t>
+            </a:fld>
+            <a:endParaRPr lang="fi-FI"/>
+          </a:p>
+        </p:txBody>
+      </p:sp>
+      <p:sp>
+        <p:nvSpPr>
+          <p:cNvPr id="6" name="Nuoli oikealle 5"/>
+          <p:cNvSpPr/>
           <p:nvPr/>
         </p:nvSpPr>
         <p:spPr bwMode="auto">
           <a:xfrm>
-            <a:off x="3851275" y="260350"/>
-            <a:ext cx="1657350" cy="720725"/>
+            <a:off x="611560" y="5013176"/>
+            <a:ext cx="576064" cy="648072"/>
           </a:xfrm>
-          <a:prstGeom prst="rect">
+          <a:prstGeom prst="rightArrow">
             <a:avLst/>
           </a:prstGeom>
           <a:solidFill>
-            <a:srgbClr val="FFC000"/>
+            <a:schemeClr val="accent2"/>
           </a:solidFill>
-          <a:ln w="76200" algn="ctr">
+          <a:ln w="9525" cap="flat" cmpd="sng" algn="ctr">
             <a:solidFill>
-              <a:srgbClr val="215134"/>
+              <a:schemeClr val="tx1"/>
             </a:solidFill>
+            <a:prstDash val="solid"/>
             <a:round/>
-            <a:headEnd/>
-            <a:tailEnd/>
+            <a:headEnd type="none" w="med" len="med"/>
+            <a:tailEnd type="none" w="med" len="med"/>
           </a:ln>
+          <a:effectLst/>
         </p:spPr>
         <p:txBody>
-          <a:bodyPr lIns="90000" tIns="46800" rIns="90000" bIns="46800" anchor="ctr"/>
+          <a:bodyPr vert="horz" wrap="none" lIns="90000" tIns="46800" rIns="90000" bIns="46800" numCol="1" rtlCol="0" anchor="ctr" anchorCtr="0" compatLnSpc="1">
+            <a:prstTxWarp prst="textNoShape">
+              <a:avLst/>
+            </a:prstTxWarp>
+          </a:bodyPr>
           <a:lstStyle/>
           <a:p>
-            <a:pPr algn="ctr"/>
-            <a:r>
-              <a:rPr lang="fi-FI" sz="1400" b="1" dirty="0" smtClean="0"/>
-              <a:t>Vaikutusten arviointi</a:t>
-            </a:r>
-            <a:endParaRPr lang="fi-FI" sz="1400" b="1" dirty="0"/>
-          </a:p>
-        </p:txBody>
-      </p:sp>
-      <p:sp>
-        <p:nvSpPr>
-          <p:cNvPr id="16391" name="Rectangle 4"/>
-          <p:cNvSpPr>
-            <a:spLocks noChangeArrowheads="1"/>
-          </p:cNvSpPr>
-          <p:nvPr/>
-        </p:nvSpPr>
-        <p:spPr bwMode="auto">
-          <a:xfrm>
-            <a:off x="1042988" y="1412875"/>
-            <a:ext cx="1657350" cy="720725"/>
-          </a:xfrm>
-          <a:prstGeom prst="rect">
-            <a:avLst/>
-          </a:prstGeom>
-          <a:solidFill>
-            <a:srgbClr val="FFC000"/>
-          </a:solidFill>
-          <a:ln w="38100" algn="ctr">
-            <a:solidFill>
-              <a:srgbClr val="215134"/>
-            </a:solidFill>
-            <a:round/>
-            <a:headEnd/>
-            <a:tailEnd/>
-          </a:ln>
-        </p:spPr>
-        <p:txBody>
-          <a:bodyPr lIns="90000" tIns="46800" rIns="90000" bIns="46800" anchor="ctr"/>
-          <a:lstStyle/>
-          <a:p>
-            <a:pPr algn="ctr"/>
-            <a:r>
-              <a:rPr lang="fi-FI" sz="1400" b="1" dirty="0" smtClean="0"/>
-              <a:t>Verotus</a:t>
-            </a:r>
-            <a:endParaRPr lang="fi-FI" sz="1400" b="1" dirty="0"/>
-          </a:p>
-        </p:txBody>
-      </p:sp>
-      <p:sp>
-        <p:nvSpPr>
-          <p:cNvPr id="16392" name="Rectangle 5"/>
-          <p:cNvSpPr>
-            <a:spLocks noChangeArrowheads="1"/>
-          </p:cNvSpPr>
-          <p:nvPr/>
-        </p:nvSpPr>
-        <p:spPr bwMode="auto">
-          <a:xfrm>
-            <a:off x="2916238" y="1412875"/>
-            <a:ext cx="1655762" cy="720725"/>
-          </a:xfrm>
-          <a:prstGeom prst="rect">
-            <a:avLst/>
-          </a:prstGeom>
-          <a:solidFill>
-            <a:srgbClr val="FFC000"/>
-          </a:solidFill>
-          <a:ln w="38100" algn="ctr">
-            <a:solidFill>
-              <a:srgbClr val="215134"/>
-            </a:solidFill>
-            <a:round/>
-            <a:headEnd/>
-            <a:tailEnd/>
-          </a:ln>
-        </p:spPr>
-        <p:txBody>
-          <a:bodyPr lIns="90000" tIns="46800" rIns="90000" bIns="46800" anchor="ctr"/>
-          <a:lstStyle/>
-          <a:p>
-            <a:pPr algn="ctr"/>
-            <a:r>
-              <a:rPr lang="fi-FI" sz="1400" b="1" dirty="0" smtClean="0"/>
-              <a:t>Kustannukset</a:t>
-            </a:r>
-            <a:endParaRPr lang="fi-FI" sz="1400" b="1" dirty="0"/>
-          </a:p>
-        </p:txBody>
-      </p:sp>
-      <p:sp>
-        <p:nvSpPr>
-          <p:cNvPr id="16393" name="Rectangle 6"/>
-          <p:cNvSpPr>
-            <a:spLocks noChangeArrowheads="1"/>
-          </p:cNvSpPr>
-          <p:nvPr/>
-        </p:nvSpPr>
-        <p:spPr bwMode="auto">
-          <a:xfrm>
-            <a:off x="4787900" y="1412875"/>
-            <a:ext cx="1655763" cy="720725"/>
-          </a:xfrm>
-          <a:prstGeom prst="rect">
-            <a:avLst/>
-          </a:prstGeom>
-          <a:solidFill>
-            <a:srgbClr val="FFC000"/>
-          </a:solidFill>
-          <a:ln w="38100" algn="ctr">
-            <a:solidFill>
-              <a:srgbClr val="215134"/>
-            </a:solidFill>
-            <a:round/>
-            <a:headEnd/>
-            <a:tailEnd/>
-          </a:ln>
-        </p:spPr>
-        <p:txBody>
-          <a:bodyPr lIns="90000" tIns="46800" rIns="90000" bIns="46800" anchor="ctr"/>
-          <a:lstStyle/>
-          <a:p>
-            <a:pPr algn="ctr"/>
-            <a:r>
-              <a:rPr lang="fi-FI" sz="1400" b="1" dirty="0" smtClean="0"/>
-              <a:t>Muutoshallinta</a:t>
-            </a:r>
-            <a:endParaRPr lang="fi-FI" sz="1400" b="1" dirty="0"/>
-          </a:p>
-        </p:txBody>
-      </p:sp>
-      <p:cxnSp>
-        <p:nvCxnSpPr>
-          <p:cNvPr id="16394" name="Elbow Connector 9"/>
-          <p:cNvCxnSpPr>
-            <a:cxnSpLocks noChangeShapeType="1"/>
-            <a:stCxn id="16390" idx="2"/>
-            <a:endCxn id="16391" idx="0"/>
-          </p:cNvCxnSpPr>
-          <p:nvPr/>
-        </p:nvCxnSpPr>
-        <p:spPr bwMode="auto">
-          <a:xfrm rot="5400000">
-            <a:off x="3059907" y="-207169"/>
-            <a:ext cx="431800" cy="2808287"/>
-          </a:xfrm>
-          <a:prstGeom prst="bentConnector3">
-            <a:avLst>
-              <a:gd name="adj1" fmla="val 50000"/>
-            </a:avLst>
-          </a:prstGeom>
-          <a:noFill/>
-          <a:ln w="38100" algn="ctr">
-            <a:solidFill>
-              <a:srgbClr val="215134"/>
-            </a:solidFill>
-            <a:round/>
-            <a:headEnd/>
-            <a:tailEnd/>
-          </a:ln>
-        </p:spPr>
-      </p:cxnSp>
-      <p:cxnSp>
-        <p:nvCxnSpPr>
-          <p:cNvPr id="16395" name="Elbow Connector 12"/>
-          <p:cNvCxnSpPr>
-            <a:cxnSpLocks noChangeShapeType="1"/>
-            <a:stCxn id="16390" idx="2"/>
-            <a:endCxn id="16392" idx="0"/>
-          </p:cNvCxnSpPr>
-          <p:nvPr/>
-        </p:nvCxnSpPr>
-        <p:spPr bwMode="auto">
-          <a:xfrm rot="5400000">
-            <a:off x="3995738" y="728662"/>
-            <a:ext cx="431800" cy="936625"/>
-          </a:xfrm>
-          <a:prstGeom prst="bentConnector3">
-            <a:avLst>
-              <a:gd name="adj1" fmla="val 50000"/>
-            </a:avLst>
-          </a:prstGeom>
-          <a:noFill/>
-          <a:ln w="38100" algn="ctr">
-            <a:solidFill>
-              <a:srgbClr val="215134"/>
-            </a:solidFill>
-            <a:round/>
-            <a:headEnd/>
-            <a:tailEnd/>
-          </a:ln>
-        </p:spPr>
-      </p:cxnSp>
-      <p:cxnSp>
-        <p:nvCxnSpPr>
-          <p:cNvPr id="16396" name="Elbow Connector 15"/>
-          <p:cNvCxnSpPr>
-            <a:cxnSpLocks noChangeShapeType="1"/>
-            <a:stCxn id="16390" idx="2"/>
-            <a:endCxn id="16393" idx="0"/>
-          </p:cNvCxnSpPr>
-          <p:nvPr/>
-        </p:nvCxnSpPr>
-        <p:spPr bwMode="auto">
-          <a:xfrm rot="16200000" flipH="1">
-            <a:off x="4932363" y="728662"/>
-            <a:ext cx="431800" cy="936625"/>
-          </a:xfrm>
-          <a:prstGeom prst="bentConnector3">
-            <a:avLst>
-              <a:gd name="adj1" fmla="val 50000"/>
-            </a:avLst>
-          </a:prstGeom>
-          <a:noFill/>
-          <a:ln w="38100" algn="ctr">
-            <a:solidFill>
-              <a:srgbClr val="215134"/>
-            </a:solidFill>
-            <a:round/>
-            <a:headEnd/>
-            <a:tailEnd/>
-          </a:ln>
-        </p:spPr>
-      </p:cxnSp>
-      <p:cxnSp>
-        <p:nvCxnSpPr>
-          <p:cNvPr id="16397" name="Elbow Connector 18"/>
-          <p:cNvCxnSpPr>
-            <a:cxnSpLocks noChangeShapeType="1"/>
-            <a:stCxn id="16390" idx="2"/>
-            <a:endCxn id="16406" idx="0"/>
-          </p:cNvCxnSpPr>
-          <p:nvPr/>
-        </p:nvCxnSpPr>
-        <p:spPr bwMode="auto">
-          <a:xfrm rot="16200000" flipH="1">
-            <a:off x="5868194" y="-207169"/>
-            <a:ext cx="431800" cy="2808288"/>
-          </a:xfrm>
-          <a:prstGeom prst="bentConnector3">
-            <a:avLst>
-              <a:gd name="adj1" fmla="val 50000"/>
-            </a:avLst>
-          </a:prstGeom>
-          <a:noFill/>
-          <a:ln w="38100" algn="ctr">
-            <a:solidFill>
-              <a:srgbClr val="215134"/>
-            </a:solidFill>
-            <a:round/>
-            <a:headEnd/>
-            <a:tailEnd/>
-          </a:ln>
-        </p:spPr>
-      </p:cxnSp>
-      <p:sp>
-        <p:nvSpPr>
-          <p:cNvPr id="16398" name="Rectangle 21"/>
-          <p:cNvSpPr>
-            <a:spLocks noChangeArrowheads="1"/>
-          </p:cNvSpPr>
-          <p:nvPr/>
-        </p:nvSpPr>
-        <p:spPr bwMode="auto">
-          <a:xfrm>
-            <a:off x="1043608" y="2204864"/>
-            <a:ext cx="1657350" cy="576262"/>
-          </a:xfrm>
-          <a:prstGeom prst="rect">
-            <a:avLst/>
-          </a:prstGeom>
-          <a:solidFill>
-            <a:srgbClr val="FFC000"/>
-          </a:solidFill>
-          <a:ln w="12700" algn="ctr">
-            <a:solidFill>
-              <a:srgbClr val="215134"/>
-            </a:solidFill>
-            <a:round/>
-            <a:headEnd/>
-            <a:tailEnd/>
-          </a:ln>
-        </p:spPr>
-        <p:txBody>
-          <a:bodyPr lIns="90000" tIns="46800" rIns="90000" bIns="46800" anchor="ctr"/>
-          <a:lstStyle/>
-          <a:p>
-            <a:pPr algn="ctr"/>
-            <a:r>
-              <a:rPr lang="fi-FI" sz="1100" b="1" dirty="0" smtClean="0"/>
-              <a:t>Prosessit</a:t>
-            </a:r>
-            <a:endParaRPr lang="fi-FI" sz="1100" b="1" dirty="0"/>
-          </a:p>
-        </p:txBody>
-      </p:sp>
-      <p:sp>
-        <p:nvSpPr>
-          <p:cNvPr id="16399" name="Rectangle 22"/>
-          <p:cNvSpPr>
-            <a:spLocks noChangeArrowheads="1"/>
-          </p:cNvSpPr>
-          <p:nvPr/>
-        </p:nvSpPr>
-        <p:spPr bwMode="auto">
-          <a:xfrm>
-            <a:off x="1042988" y="2852738"/>
-            <a:ext cx="1657350" cy="576262"/>
-          </a:xfrm>
-          <a:prstGeom prst="rect">
-            <a:avLst/>
-          </a:prstGeom>
-          <a:solidFill>
-            <a:srgbClr val="FFC000"/>
-          </a:solidFill>
-          <a:ln w="12700" algn="ctr">
-            <a:solidFill>
-              <a:srgbClr val="215134"/>
-            </a:solidFill>
-            <a:round/>
-            <a:headEnd/>
-            <a:tailEnd/>
-          </a:ln>
-        </p:spPr>
-        <p:txBody>
-          <a:bodyPr lIns="90000" tIns="46800" rIns="90000" bIns="46800" anchor="ctr"/>
-          <a:lstStyle/>
-          <a:p>
-            <a:pPr algn="ctr"/>
-            <a:r>
-              <a:rPr lang="fi-FI" sz="1100" b="1" dirty="0" smtClean="0"/>
-              <a:t>Joustavuus</a:t>
-            </a:r>
-            <a:endParaRPr lang="fi-FI" sz="1100" b="1" dirty="0"/>
-          </a:p>
-        </p:txBody>
-      </p:sp>
-      <p:sp>
-        <p:nvSpPr>
-          <p:cNvPr id="16400" name="Rectangle 23"/>
-          <p:cNvSpPr>
-            <a:spLocks noChangeArrowheads="1"/>
-          </p:cNvSpPr>
-          <p:nvPr/>
-        </p:nvSpPr>
-        <p:spPr bwMode="auto">
-          <a:xfrm>
-            <a:off x="1042988" y="3500438"/>
-            <a:ext cx="1657350" cy="576262"/>
-          </a:xfrm>
-          <a:prstGeom prst="rect">
-            <a:avLst/>
-          </a:prstGeom>
-          <a:solidFill>
-            <a:srgbClr val="FFC000"/>
-          </a:solidFill>
-          <a:ln w="12700" algn="ctr">
-            <a:solidFill>
-              <a:srgbClr val="215134"/>
-            </a:solidFill>
-            <a:round/>
-            <a:headEnd/>
-            <a:tailEnd/>
-          </a:ln>
-        </p:spPr>
-        <p:txBody>
-          <a:bodyPr lIns="90000" tIns="46800" rIns="90000" bIns="46800" anchor="ctr"/>
-          <a:lstStyle/>
-          <a:p>
-            <a:pPr algn="ctr"/>
-            <a:r>
-              <a:rPr lang="fi-FI" sz="1100" b="1" dirty="0" smtClean="0"/>
-              <a:t>Riskit</a:t>
-            </a:r>
-            <a:endParaRPr lang="fi-FI" sz="1100" b="1" dirty="0"/>
-          </a:p>
-        </p:txBody>
-      </p:sp>
-      <p:sp>
-        <p:nvSpPr>
-          <p:cNvPr id="16401" name="Rectangle 26"/>
-          <p:cNvSpPr>
-            <a:spLocks noChangeArrowheads="1"/>
-          </p:cNvSpPr>
-          <p:nvPr/>
-        </p:nvSpPr>
-        <p:spPr bwMode="auto">
-          <a:xfrm>
-            <a:off x="2916238" y="2205038"/>
-            <a:ext cx="1655762" cy="576262"/>
-          </a:xfrm>
-          <a:prstGeom prst="rect">
-            <a:avLst/>
-          </a:prstGeom>
-          <a:solidFill>
-            <a:srgbClr val="FFC000"/>
-          </a:solidFill>
-          <a:ln w="12700" algn="ctr">
-            <a:solidFill>
-              <a:srgbClr val="215134"/>
-            </a:solidFill>
-            <a:round/>
-            <a:headEnd/>
-            <a:tailEnd/>
-          </a:ln>
-        </p:spPr>
-        <p:txBody>
-          <a:bodyPr lIns="90000" tIns="46800" rIns="90000" bIns="46800" anchor="ctr"/>
-          <a:lstStyle/>
-          <a:p>
-            <a:pPr algn="ctr"/>
-            <a:r>
-              <a:rPr lang="fi-FI" sz="1100" b="1" dirty="0" smtClean="0"/>
-              <a:t>Hankinta</a:t>
-            </a:r>
-          </a:p>
-          <a:p>
-            <a:pPr algn="ctr"/>
-            <a:r>
-              <a:rPr lang="fi-FI" sz="1100" dirty="0" smtClean="0"/>
-              <a:t>(kokonais-kustannukset)</a:t>
-            </a:r>
-            <a:endParaRPr lang="fi-FI" sz="1100" b="1" dirty="0"/>
-          </a:p>
-        </p:txBody>
-      </p:sp>
-      <p:sp>
-        <p:nvSpPr>
-          <p:cNvPr id="16402" name="Rectangle 28"/>
-          <p:cNvSpPr>
-            <a:spLocks noChangeArrowheads="1"/>
-          </p:cNvSpPr>
-          <p:nvPr/>
-        </p:nvSpPr>
-        <p:spPr bwMode="auto">
-          <a:xfrm>
-            <a:off x="2916238" y="2852738"/>
-            <a:ext cx="1655762" cy="576262"/>
-          </a:xfrm>
-          <a:prstGeom prst="rect">
-            <a:avLst/>
-          </a:prstGeom>
-          <a:solidFill>
-            <a:srgbClr val="FFC000"/>
-          </a:solidFill>
-          <a:ln w="12700" algn="ctr">
-            <a:solidFill>
-              <a:srgbClr val="215134"/>
-            </a:solidFill>
-            <a:round/>
-            <a:headEnd/>
-            <a:tailEnd/>
-          </a:ln>
-        </p:spPr>
-        <p:txBody>
-          <a:bodyPr lIns="90000" tIns="46800" rIns="90000" bIns="46800" anchor="ctr"/>
-          <a:lstStyle/>
-          <a:p>
-            <a:pPr algn="ctr"/>
-            <a:r>
-              <a:rPr lang="fi-FI" sz="1100" b="1" dirty="0" smtClean="0"/>
-              <a:t>Lisenssit</a:t>
-            </a:r>
-            <a:endParaRPr lang="fi-FI" sz="1100" b="1" dirty="0"/>
-          </a:p>
-        </p:txBody>
-      </p:sp>
-      <p:sp>
-        <p:nvSpPr>
-          <p:cNvPr id="16403" name="Rectangle 29"/>
-          <p:cNvSpPr>
-            <a:spLocks noChangeArrowheads="1"/>
-          </p:cNvSpPr>
-          <p:nvPr/>
-        </p:nvSpPr>
-        <p:spPr bwMode="auto">
-          <a:xfrm>
-            <a:off x="2916238" y="3500438"/>
-            <a:ext cx="1655762" cy="576262"/>
-          </a:xfrm>
-          <a:prstGeom prst="rect">
-            <a:avLst/>
-          </a:prstGeom>
-          <a:solidFill>
-            <a:srgbClr val="FFC000"/>
-          </a:solidFill>
-          <a:ln w="12700" algn="ctr">
-            <a:solidFill>
-              <a:srgbClr val="215134"/>
-            </a:solidFill>
-            <a:round/>
-            <a:headEnd/>
-            <a:tailEnd/>
-          </a:ln>
-        </p:spPr>
-        <p:txBody>
-          <a:bodyPr lIns="90000" tIns="46800" rIns="90000" bIns="46800" anchor="ctr"/>
-          <a:lstStyle/>
-          <a:p>
-            <a:pPr algn="ctr"/>
-            <a:r>
-              <a:rPr lang="fi-FI" sz="1100" b="1" dirty="0" smtClean="0"/>
-              <a:t>Ylläpito</a:t>
-            </a:r>
-          </a:p>
-          <a:p>
-            <a:pPr algn="ctr"/>
-            <a:r>
-              <a:rPr lang="fi-FI" sz="1100" dirty="0" smtClean="0"/>
-              <a:t>(Uusi ja vanha)</a:t>
-            </a:r>
-            <a:endParaRPr lang="fi-FI" sz="1100" b="1" dirty="0"/>
-          </a:p>
-        </p:txBody>
-      </p:sp>
-      <p:sp>
-        <p:nvSpPr>
-          <p:cNvPr id="16404" name="Rectangle 34"/>
-          <p:cNvSpPr>
-            <a:spLocks noChangeArrowheads="1"/>
-          </p:cNvSpPr>
-          <p:nvPr/>
-        </p:nvSpPr>
-        <p:spPr bwMode="auto">
-          <a:xfrm>
-            <a:off x="2916238" y="4149725"/>
-            <a:ext cx="1655762" cy="574675"/>
-          </a:xfrm>
-          <a:prstGeom prst="rect">
-            <a:avLst/>
-          </a:prstGeom>
-          <a:solidFill>
-            <a:srgbClr val="FFC000"/>
-          </a:solidFill>
-          <a:ln w="12700" algn="ctr">
-            <a:solidFill>
-              <a:srgbClr val="215134"/>
-            </a:solidFill>
-            <a:round/>
-            <a:headEnd/>
-            <a:tailEnd/>
-          </a:ln>
-        </p:spPr>
-        <p:txBody>
-          <a:bodyPr lIns="90000" tIns="46800" rIns="90000" bIns="46800" anchor="ctr"/>
-          <a:lstStyle/>
-          <a:p>
-            <a:pPr algn="ctr"/>
-            <a:r>
-              <a:rPr lang="fi-FI" sz="1100" b="1" dirty="0" smtClean="0"/>
-              <a:t>Konversiot ym.</a:t>
-            </a:r>
-          </a:p>
-          <a:p>
-            <a:pPr algn="ctr"/>
-            <a:r>
-              <a:rPr lang="fi-FI" sz="1100" dirty="0" smtClean="0"/>
-              <a:t>(</a:t>
-            </a:r>
-            <a:r>
-              <a:rPr lang="fi-FI" sz="1100" dirty="0" err="1" smtClean="0"/>
-              <a:t>Master</a:t>
-            </a:r>
-            <a:r>
-              <a:rPr lang="fi-FI" sz="1100" dirty="0" smtClean="0"/>
-              <a:t> data management)</a:t>
-            </a:r>
-            <a:endParaRPr lang="fi-FI" sz="1100" b="1" dirty="0"/>
-          </a:p>
-        </p:txBody>
-      </p:sp>
-      <p:sp>
-        <p:nvSpPr>
-          <p:cNvPr id="16405" name="Rectangle 37"/>
-          <p:cNvSpPr>
-            <a:spLocks noChangeArrowheads="1"/>
-          </p:cNvSpPr>
-          <p:nvPr/>
-        </p:nvSpPr>
-        <p:spPr bwMode="auto">
-          <a:xfrm>
-            <a:off x="4787900" y="2205038"/>
-            <a:ext cx="1655763" cy="576262"/>
-          </a:xfrm>
-          <a:prstGeom prst="rect">
-            <a:avLst/>
-          </a:prstGeom>
-          <a:solidFill>
-            <a:srgbClr val="FFC000"/>
-          </a:solidFill>
-          <a:ln w="12700" algn="ctr">
-            <a:solidFill>
-              <a:srgbClr val="215134"/>
-            </a:solidFill>
-            <a:round/>
-            <a:headEnd/>
-            <a:tailEnd/>
-          </a:ln>
-        </p:spPr>
-        <p:txBody>
-          <a:bodyPr lIns="90000" tIns="46800" rIns="90000" bIns="46800" anchor="ctr"/>
-          <a:lstStyle/>
-          <a:p>
-            <a:pPr algn="ctr"/>
-            <a:r>
-              <a:rPr lang="fi-FI" sz="1100" b="1" dirty="0" smtClean="0"/>
-              <a:t>Implementointimalli</a:t>
-            </a:r>
-            <a:endParaRPr lang="fi-FI" sz="1100" b="1" dirty="0"/>
-          </a:p>
-        </p:txBody>
-      </p:sp>
-      <p:sp>
-        <p:nvSpPr>
-          <p:cNvPr id="16406" name="Rectangle 44"/>
-          <p:cNvSpPr>
-            <a:spLocks noChangeArrowheads="1"/>
-          </p:cNvSpPr>
-          <p:nvPr/>
-        </p:nvSpPr>
-        <p:spPr bwMode="auto">
-          <a:xfrm>
-            <a:off x="6659563" y="1412875"/>
-            <a:ext cx="1657350" cy="720725"/>
-          </a:xfrm>
-          <a:prstGeom prst="rect">
-            <a:avLst/>
-          </a:prstGeom>
-          <a:solidFill>
-            <a:srgbClr val="FFC000"/>
-          </a:solidFill>
-          <a:ln w="38100" algn="ctr">
-            <a:solidFill>
-              <a:srgbClr val="215134"/>
-            </a:solidFill>
-            <a:round/>
-            <a:headEnd/>
-            <a:tailEnd/>
-          </a:ln>
-        </p:spPr>
-        <p:txBody>
-          <a:bodyPr lIns="90000" tIns="46800" rIns="90000" bIns="46800" anchor="ctr"/>
-          <a:lstStyle/>
-          <a:p>
-            <a:pPr algn="ctr"/>
-            <a:r>
-              <a:rPr lang="fi-FI" sz="1400" b="1" dirty="0" smtClean="0"/>
-              <a:t>Tietohallinto</a:t>
-            </a:r>
-            <a:endParaRPr lang="fi-FI" sz="1400" b="1" dirty="0"/>
-          </a:p>
-        </p:txBody>
-      </p:sp>
-      <p:sp>
-        <p:nvSpPr>
-          <p:cNvPr id="16407" name="Rectangle 46"/>
-          <p:cNvSpPr>
-            <a:spLocks noChangeArrowheads="1"/>
-          </p:cNvSpPr>
-          <p:nvPr/>
-        </p:nvSpPr>
-        <p:spPr bwMode="auto">
-          <a:xfrm>
-            <a:off x="4787900" y="2852738"/>
-            <a:ext cx="1655763" cy="576262"/>
-          </a:xfrm>
-          <a:prstGeom prst="rect">
-            <a:avLst/>
-          </a:prstGeom>
-          <a:solidFill>
-            <a:srgbClr val="FFC000"/>
-          </a:solidFill>
-          <a:ln w="12700" algn="ctr">
-            <a:solidFill>
-              <a:srgbClr val="215134"/>
-            </a:solidFill>
-            <a:round/>
-            <a:headEnd/>
-            <a:tailEnd/>
-          </a:ln>
-        </p:spPr>
-        <p:txBody>
-          <a:bodyPr lIns="90000" tIns="46800" rIns="90000" bIns="46800" anchor="ctr"/>
-          <a:lstStyle/>
-          <a:p>
-            <a:pPr algn="ctr"/>
-            <a:r>
-              <a:rPr lang="fi-FI" sz="1100" b="1" dirty="0" smtClean="0"/>
-              <a:t>Implementoinnin vaiheet</a:t>
-            </a:r>
-            <a:endParaRPr lang="fi-FI" sz="1100" b="1" dirty="0"/>
-          </a:p>
-        </p:txBody>
-      </p:sp>
-      <p:sp>
-        <p:nvSpPr>
-          <p:cNvPr id="16408" name="Rectangle 47"/>
-          <p:cNvSpPr>
-            <a:spLocks noChangeArrowheads="1"/>
-          </p:cNvSpPr>
-          <p:nvPr/>
-        </p:nvSpPr>
-        <p:spPr bwMode="auto">
-          <a:xfrm>
-            <a:off x="4787900" y="3500438"/>
-            <a:ext cx="1655763" cy="576262"/>
-          </a:xfrm>
-          <a:prstGeom prst="rect">
-            <a:avLst/>
-          </a:prstGeom>
-          <a:solidFill>
-            <a:srgbClr val="FFC000"/>
-          </a:solidFill>
-          <a:ln w="12700" algn="ctr">
-            <a:solidFill>
-              <a:srgbClr val="215134"/>
-            </a:solidFill>
-            <a:round/>
-            <a:headEnd/>
-            <a:tailEnd/>
-          </a:ln>
-        </p:spPr>
-        <p:txBody>
-          <a:bodyPr lIns="90000" tIns="46800" rIns="90000" bIns="46800" anchor="ctr"/>
-          <a:lstStyle/>
-          <a:p>
-            <a:pPr algn="ctr"/>
-            <a:r>
-              <a:rPr lang="fi-FI" sz="1100" dirty="0" smtClean="0"/>
-              <a:t>Projektinhallinta</a:t>
-            </a:r>
-            <a:endParaRPr lang="fi-FI" sz="1100" b="1" dirty="0"/>
-          </a:p>
-        </p:txBody>
-      </p:sp>
-      <p:sp>
-        <p:nvSpPr>
-          <p:cNvPr id="16409" name="Rectangle 55"/>
-          <p:cNvSpPr>
-            <a:spLocks noChangeArrowheads="1"/>
-          </p:cNvSpPr>
-          <p:nvPr/>
-        </p:nvSpPr>
-        <p:spPr bwMode="auto">
-          <a:xfrm>
-            <a:off x="2916238" y="4797425"/>
-            <a:ext cx="1655762" cy="576263"/>
-          </a:xfrm>
-          <a:prstGeom prst="rect">
-            <a:avLst/>
-          </a:prstGeom>
-          <a:solidFill>
-            <a:srgbClr val="FFC000"/>
-          </a:solidFill>
-          <a:ln w="12700" algn="ctr">
-            <a:solidFill>
-              <a:srgbClr val="215134"/>
-            </a:solidFill>
-            <a:round/>
-            <a:headEnd/>
-            <a:tailEnd/>
-          </a:ln>
-        </p:spPr>
-        <p:txBody>
-          <a:bodyPr lIns="90000" tIns="46800" rIns="90000" bIns="46800" anchor="ctr"/>
-          <a:lstStyle/>
-          <a:p>
-            <a:pPr algn="ctr"/>
-            <a:r>
-              <a:rPr lang="fi-FI" sz="1100" b="1" dirty="0" smtClean="0"/>
-              <a:t>Rinnakkaiskäyttö</a:t>
-            </a:r>
-          </a:p>
-          <a:p>
-            <a:pPr algn="ctr"/>
-            <a:r>
-              <a:rPr lang="fi-FI" sz="1100" dirty="0" smtClean="0"/>
-              <a:t>(Uusi ja vanha)</a:t>
-            </a:r>
-            <a:endParaRPr lang="fi-FI" sz="1100" b="1" dirty="0"/>
-          </a:p>
-        </p:txBody>
-      </p:sp>
-      <p:sp>
-        <p:nvSpPr>
-          <p:cNvPr id="16410" name="Rectangle 61"/>
-          <p:cNvSpPr>
-            <a:spLocks noChangeArrowheads="1"/>
-          </p:cNvSpPr>
-          <p:nvPr/>
-        </p:nvSpPr>
-        <p:spPr bwMode="auto">
-          <a:xfrm>
-            <a:off x="4787900" y="4149725"/>
-            <a:ext cx="1655763" cy="574675"/>
-          </a:xfrm>
-          <a:prstGeom prst="rect">
-            <a:avLst/>
-          </a:prstGeom>
-          <a:solidFill>
-            <a:srgbClr val="FFC000"/>
-          </a:solidFill>
-          <a:ln w="12700" algn="ctr">
-            <a:solidFill>
-              <a:srgbClr val="215134"/>
-            </a:solidFill>
-            <a:round/>
-            <a:headEnd/>
-            <a:tailEnd/>
-          </a:ln>
-        </p:spPr>
-        <p:txBody>
-          <a:bodyPr lIns="90000" tIns="46800" rIns="90000" bIns="46800" anchor="ctr"/>
-          <a:lstStyle/>
-          <a:p>
-            <a:pPr algn="ctr"/>
-            <a:r>
-              <a:rPr lang="fi-FI" sz="1100" b="1" dirty="0" smtClean="0"/>
-              <a:t>Projektiosaaminen</a:t>
-            </a:r>
-            <a:endParaRPr lang="fi-FI" sz="1100" b="1" dirty="0"/>
-          </a:p>
-        </p:txBody>
-      </p:sp>
-      <p:sp>
-        <p:nvSpPr>
-          <p:cNvPr id="16411" name="Rectangle 64"/>
-          <p:cNvSpPr>
-            <a:spLocks noChangeArrowheads="1"/>
-          </p:cNvSpPr>
-          <p:nvPr/>
-        </p:nvSpPr>
-        <p:spPr bwMode="auto">
-          <a:xfrm>
-            <a:off x="6659563" y="2205038"/>
-            <a:ext cx="1657350" cy="576262"/>
-          </a:xfrm>
-          <a:prstGeom prst="rect">
-            <a:avLst/>
-          </a:prstGeom>
-          <a:solidFill>
-            <a:srgbClr val="FFC000"/>
-          </a:solidFill>
-          <a:ln w="12700" algn="ctr">
-            <a:solidFill>
-              <a:srgbClr val="215134"/>
-            </a:solidFill>
-            <a:round/>
-            <a:headEnd/>
-            <a:tailEnd/>
-          </a:ln>
-        </p:spPr>
-        <p:txBody>
-          <a:bodyPr lIns="90000" tIns="46800" rIns="90000" bIns="46800" anchor="ctr"/>
-          <a:lstStyle/>
-          <a:p>
-            <a:pPr algn="ctr"/>
-            <a:r>
-              <a:rPr lang="fi-FI" sz="1100" b="1" dirty="0" smtClean="0"/>
-              <a:t>IT palvelut, roolit ja organisaatio</a:t>
-            </a:r>
-            <a:endParaRPr lang="fi-FI" sz="1100" b="1" dirty="0"/>
-          </a:p>
-        </p:txBody>
-      </p:sp>
-      <p:sp>
-        <p:nvSpPr>
-          <p:cNvPr id="16412" name="Rectangle 65"/>
-          <p:cNvSpPr>
-            <a:spLocks noChangeArrowheads="1"/>
-          </p:cNvSpPr>
-          <p:nvPr/>
-        </p:nvSpPr>
-        <p:spPr bwMode="auto">
-          <a:xfrm>
-            <a:off x="6659563" y="3500438"/>
-            <a:ext cx="1657350" cy="576262"/>
-          </a:xfrm>
-          <a:prstGeom prst="rect">
-            <a:avLst/>
-          </a:prstGeom>
-          <a:solidFill>
-            <a:srgbClr val="FFC000"/>
-          </a:solidFill>
-          <a:ln w="12700" algn="ctr">
-            <a:solidFill>
-              <a:srgbClr val="215134"/>
-            </a:solidFill>
-            <a:round/>
-            <a:headEnd/>
-            <a:tailEnd/>
-          </a:ln>
-        </p:spPr>
-        <p:txBody>
-          <a:bodyPr lIns="90000" tIns="46800" rIns="90000" bIns="46800" anchor="ctr"/>
-          <a:lstStyle/>
-          <a:p>
-            <a:pPr algn="ctr"/>
-            <a:r>
-              <a:rPr lang="fi-FI" sz="1100" b="1" dirty="0" smtClean="0"/>
-              <a:t>Toimittajan hallinta</a:t>
-            </a:r>
-            <a:endParaRPr lang="fi-FI" sz="1100" b="1" dirty="0"/>
-          </a:p>
-        </p:txBody>
-      </p:sp>
-      <p:sp>
-        <p:nvSpPr>
-          <p:cNvPr id="16413" name="Rectangle 66"/>
-          <p:cNvSpPr>
-            <a:spLocks noChangeArrowheads="1"/>
-          </p:cNvSpPr>
-          <p:nvPr/>
-        </p:nvSpPr>
-        <p:spPr bwMode="auto">
-          <a:xfrm>
-            <a:off x="6659563" y="2852738"/>
-            <a:ext cx="1657350" cy="576262"/>
-          </a:xfrm>
-          <a:prstGeom prst="rect">
-            <a:avLst/>
-          </a:prstGeom>
-          <a:solidFill>
-            <a:srgbClr val="FFC000"/>
-          </a:solidFill>
-          <a:ln w="12700" algn="ctr">
-            <a:solidFill>
-              <a:srgbClr val="215134"/>
-            </a:solidFill>
-            <a:round/>
-            <a:headEnd/>
-            <a:tailEnd/>
-          </a:ln>
-        </p:spPr>
-        <p:txBody>
-          <a:bodyPr lIns="90000" tIns="46800" rIns="90000" bIns="46800" anchor="ctr"/>
-          <a:lstStyle/>
-          <a:p>
-            <a:pPr algn="ctr"/>
-            <a:r>
-              <a:rPr lang="fi-FI" sz="1100" dirty="0" smtClean="0"/>
-              <a:t>Osaamisvaatimukset</a:t>
-            </a:r>
-            <a:endParaRPr lang="fi-FI" sz="1100" b="1" dirty="0"/>
-          </a:p>
-        </p:txBody>
-      </p:sp>
-      <p:sp>
-        <p:nvSpPr>
-          <p:cNvPr id="16414" name="Rectangle 67"/>
-          <p:cNvSpPr>
-            <a:spLocks noChangeArrowheads="1"/>
-          </p:cNvSpPr>
-          <p:nvPr/>
-        </p:nvSpPr>
-        <p:spPr bwMode="auto">
-          <a:xfrm>
-            <a:off x="6659563" y="4149725"/>
-            <a:ext cx="1657350" cy="574675"/>
-          </a:xfrm>
-          <a:prstGeom prst="rect">
-            <a:avLst/>
-          </a:prstGeom>
-          <a:solidFill>
-            <a:srgbClr val="FFC000"/>
-          </a:solidFill>
-          <a:ln w="12700" algn="ctr">
-            <a:solidFill>
-              <a:srgbClr val="215134"/>
-            </a:solidFill>
-            <a:round/>
-            <a:headEnd/>
-            <a:tailEnd/>
-          </a:ln>
-        </p:spPr>
-        <p:txBody>
-          <a:bodyPr lIns="90000" tIns="46800" rIns="90000" bIns="46800" anchor="ctr"/>
-          <a:lstStyle/>
-          <a:p>
-            <a:pPr algn="ctr"/>
-            <a:r>
-              <a:rPr lang="fi-FI" sz="1100" b="1" dirty="0" smtClean="0"/>
-              <a:t>Hankintaosaaminen</a:t>
-            </a:r>
-            <a:endParaRPr lang="fi-FI" sz="1100" b="1" dirty="0"/>
-          </a:p>
-        </p:txBody>
-      </p:sp>
-      <p:sp>
-        <p:nvSpPr>
-          <p:cNvPr id="16415" name="Rectangle 36"/>
-          <p:cNvSpPr>
-            <a:spLocks noChangeArrowheads="1"/>
-          </p:cNvSpPr>
-          <p:nvPr/>
-        </p:nvSpPr>
-        <p:spPr bwMode="auto">
-          <a:xfrm>
-            <a:off x="6659563" y="4797425"/>
-            <a:ext cx="1657350" cy="576263"/>
-          </a:xfrm>
-          <a:prstGeom prst="rect">
-            <a:avLst/>
-          </a:prstGeom>
-          <a:solidFill>
-            <a:srgbClr val="FFC000"/>
-          </a:solidFill>
-          <a:ln w="12700" algn="ctr">
-            <a:solidFill>
-              <a:srgbClr val="215134"/>
-            </a:solidFill>
-            <a:round/>
-            <a:headEnd/>
-            <a:tailEnd/>
-          </a:ln>
-        </p:spPr>
-        <p:txBody>
-          <a:bodyPr lIns="90000" tIns="46800" rIns="90000" bIns="46800" anchor="ctr"/>
-          <a:lstStyle/>
-          <a:p>
-            <a:pPr algn="ctr"/>
-            <a:r>
-              <a:rPr lang="fi-FI" sz="1100" b="1" dirty="0" smtClean="0"/>
-              <a:t>Arkkitehtuuriin sopivuus</a:t>
-            </a:r>
-            <a:endParaRPr lang="fi-FI" sz="1100" b="1" dirty="0"/>
+            <a:pPr marL="0" marR="0" indent="0" algn="ctr" defTabSz="914400" rtl="0" eaLnBrk="1" fontAlgn="base" latinLnBrk="0" hangingPunct="1">
+              <a:lnSpc>
+                <a:spcPct val="100000"/>
+              </a:lnSpc>
+              <a:spcBef>
+                <a:spcPct val="0"/>
+              </a:spcBef>
+              <a:spcAft>
+                <a:spcPct val="0"/>
+              </a:spcAft>
+              <a:buClrTx/>
+              <a:buSzTx/>
+              <a:buFontTx/>
+              <a:buNone/>
+              <a:tabLst/>
+            </a:pPr>
+            <a:endParaRPr kumimoji="0" lang="fi-FI" sz="1800" b="1" i="0" u="none" strike="noStrike" cap="none" normalizeH="0" baseline="0" smtClean="0">
+              <a:ln>
+                <a:noFill/>
+              </a:ln>
+              <a:solidFill>
+                <a:schemeClr val="tx1"/>
+              </a:solidFill>
+              <a:effectLst/>
+              <a:latin typeface="Arial" charset="0"/>
+            </a:endParaRPr>
           </a:p>
         </p:txBody>
       </p:sp>
     </p:spTree>
     <p:extLst>
       <p:ext uri="{BB962C8B-B14F-4D97-AF65-F5344CB8AC3E}">
-        <p14:creationId xmlns:p14="http://schemas.microsoft.com/office/powerpoint/2010/main" val="3808603840"/>
+        <p14:creationId xmlns:p14="http://schemas.microsoft.com/office/powerpoint/2010/main" val="849189436"/>
       </p:ext>
     </p:extLst>
   </p:cSld>
@@ -26808,12 +23701,12 @@
       </p:grpSpPr>
       <p:sp>
         <p:nvSpPr>
-          <p:cNvPr id="4" name="Päivämäärän paikkamerkki 3"/>
+          <p:cNvPr id="2" name="Otsikko 1"/>
           <p:cNvSpPr>
             <a:spLocks noGrp="1"/>
           </p:cNvSpPr>
           <p:nvPr>
-            <p:ph type="dt" sz="half" idx="10"/>
+            <p:ph type="title"/>
           </p:nvPr>
         </p:nvSpPr>
         <p:spPr/>
@@ -26821,23 +23714,22 @@
           <a:bodyPr/>
           <a:lstStyle/>
           <a:p>
-            <a:fld id="{154CF1E0-EC48-4B03-B69C-08E0DBD896F7}" type="datetime1">
-              <a:rPr lang="fi-FI"/>
-              <a:pPr/>
-              <a:t>2.11.2014</a:t>
-            </a:fld>
-            <a:endParaRPr lang="fi-FI"/>
+            <a:r>
+              <a:rPr lang="fi-FI" dirty="0" smtClean="0"/>
+              <a:t>Valmisohjelmiston kilpailutus</a:t>
+            </a:r>
+            <a:endParaRPr lang="fi-FI" dirty="0"/>
           </a:p>
         </p:txBody>
       </p:sp>
       <p:sp>
         <p:nvSpPr>
-          <p:cNvPr id="6" name="Dian numeron paikkamerkki 5"/>
+          <p:cNvPr id="3" name="Sisällön paikkamerkki 2"/>
           <p:cNvSpPr>
             <a:spLocks noGrp="1"/>
           </p:cNvSpPr>
           <p:nvPr>
-            <p:ph type="sldNum" sz="quarter" idx="12"/>
+            <p:ph idx="1"/>
           </p:nvPr>
         </p:nvSpPr>
         <p:spPr/>
@@ -26845,70 +23737,50 @@
           <a:bodyPr/>
           <a:lstStyle/>
           <a:p>
-            <a:fld id="{F8CAA747-ACF9-4CAD-BEA3-4553BA8297A0}" type="slidenum">
-              <a:rPr lang="fi-FI"/>
-              <a:pPr/>
-              <a:t>19</a:t>
-            </a:fld>
-            <a:endParaRPr lang="fi-FI"/>
+            <a:r>
+              <a:rPr lang="fi-FI" dirty="0" smtClean="0"/>
+              <a:t>Kokonaisarkkitehtuurin avulla parempi ymmärrys kokonaisuudesta</a:t>
+            </a:r>
+          </a:p>
+          <a:p>
+            <a:r>
+              <a:rPr lang="fi-FI" dirty="0" smtClean="0"/>
+              <a:t>Kilpailutusstrategian laatiminen</a:t>
+            </a:r>
+          </a:p>
+          <a:p>
+            <a:r>
+              <a:rPr lang="fi-FI" dirty="0" smtClean="0"/>
+              <a:t>Itse kilpailutuksen läpivienti</a:t>
+            </a:r>
+          </a:p>
+          <a:p>
+            <a:pPr lvl="1"/>
+            <a:r>
+              <a:rPr lang="fi-FI" dirty="0" smtClean="0"/>
+              <a:t>Lopulta kaksi tarjousta, toinen hylättiin liian alhaisen hinnan vuoksi</a:t>
+            </a:r>
+          </a:p>
+          <a:p>
+            <a:pPr lvl="1"/>
+            <a:r>
+              <a:rPr lang="fi-FI" dirty="0" smtClean="0"/>
+              <a:t>Markkinaoikeus totesi Verohallinnon toimineen oikein</a:t>
+            </a:r>
+          </a:p>
+          <a:p>
+            <a:pPr lvl="1"/>
+            <a:r>
+              <a:rPr lang="fi-FI" dirty="0" smtClean="0"/>
+              <a:t>Vuoden viivästys projektin aloittamiseen</a:t>
+            </a:r>
           </a:p>
         </p:txBody>
       </p:sp>
-      <p:sp>
-        <p:nvSpPr>
-          <p:cNvPr id="80898" name="Rectangle 2"/>
-          <p:cNvSpPr>
-            <a:spLocks noGrp="1" noChangeArrowheads="1"/>
-          </p:cNvSpPr>
-          <p:nvPr>
-            <p:ph type="title"/>
-          </p:nvPr>
-        </p:nvSpPr>
-        <p:spPr>
-          <a:xfrm>
-            <a:off x="0" y="152400"/>
-            <a:ext cx="9144000" cy="900336"/>
-          </a:xfrm>
-        </p:spPr>
-        <p:txBody>
-          <a:bodyPr/>
-          <a:lstStyle/>
-          <a:p>
-            <a:pPr algn="ctr"/>
-            <a:r>
-              <a:rPr lang="fi-FI" sz="2400" dirty="0" smtClean="0"/>
-              <a:t>Tietojärjestelmien toteutusmallien olennaisimmat erot</a:t>
-            </a:r>
-            <a:endParaRPr lang="fi-FI" sz="2400" dirty="0"/>
-          </a:p>
-        </p:txBody>
-      </p:sp>
-      <p:graphicFrame>
-        <p:nvGraphicFramePr>
-          <p:cNvPr id="7" name="Kaaviokuva 6"/>
-          <p:cNvGraphicFramePr/>
-          <p:nvPr>
-            <p:extLst>
-              <p:ext uri="{D42A27DB-BD31-4B8C-83A1-F6EECF244321}">
-                <p14:modId xmlns:p14="http://schemas.microsoft.com/office/powerpoint/2010/main" val="1669576263"/>
-              </p:ext>
-            </p:extLst>
-          </p:nvPr>
-        </p:nvGraphicFramePr>
-        <p:xfrm>
-          <a:off x="395536" y="980728"/>
-          <a:ext cx="8496944" cy="4824536"/>
-        </p:xfrm>
-        <a:graphic>
-          <a:graphicData uri="http://schemas.openxmlformats.org/drawingml/2006/diagram">
-            <dgm:relIds xmlns:dgm="http://schemas.openxmlformats.org/drawingml/2006/diagram" xmlns:r="http://schemas.openxmlformats.org/officeDocument/2006/relationships" r:dm="rId2" r:lo="rId3" r:qs="rId4" r:cs="rId5"/>
-          </a:graphicData>
-        </a:graphic>
-      </p:graphicFrame>
     </p:spTree>
     <p:extLst>
       <p:ext uri="{BB962C8B-B14F-4D97-AF65-F5344CB8AC3E}">
-        <p14:creationId xmlns:p14="http://schemas.microsoft.com/office/powerpoint/2010/main" val="1151422603"/>
+        <p14:creationId xmlns:p14="http://schemas.microsoft.com/office/powerpoint/2010/main" val="3839649261"/>
       </p:ext>
     </p:extLst>
   </p:cSld>
@@ -27185,387 +24057,6 @@
 </file>
 
 <file path=ppt/slides/slide20.xml><?xml version="1.0" encoding="utf-8"?>
-<p:sld xmlns:a="http://schemas.openxmlformats.org/drawingml/2006/main" xmlns:r="http://schemas.openxmlformats.org/officeDocument/2006/relationships" xmlns:p="http://schemas.openxmlformats.org/presentationml/2006/main">
-  <p:cSld>
-    <p:spTree>
-      <p:nvGrpSpPr>
-        <p:cNvPr id="1" name=""/>
-        <p:cNvGrpSpPr/>
-        <p:nvPr/>
-      </p:nvGrpSpPr>
-      <p:grpSpPr>
-        <a:xfrm>
-          <a:off x="0" y="0"/>
-          <a:ext cx="0" cy="0"/>
-          <a:chOff x="0" y="0"/>
-          <a:chExt cx="0" cy="0"/>
-        </a:xfrm>
-      </p:grpSpPr>
-      <p:sp>
-        <p:nvSpPr>
-          <p:cNvPr id="2" name="Otsikko 1"/>
-          <p:cNvSpPr>
-            <a:spLocks noGrp="1"/>
-          </p:cNvSpPr>
-          <p:nvPr>
-            <p:ph type="title"/>
-          </p:nvPr>
-        </p:nvSpPr>
-        <p:spPr>
-          <a:xfrm>
-            <a:off x="381000" y="152400"/>
-            <a:ext cx="7772400" cy="900336"/>
-          </a:xfrm>
-        </p:spPr>
-        <p:txBody>
-          <a:bodyPr/>
-          <a:lstStyle/>
-          <a:p>
-            <a:r>
-              <a:rPr lang="fi-FI" dirty="0" smtClean="0"/>
-              <a:t>Valmisohjelmistoratkaisu: </a:t>
-            </a:r>
-            <a:br>
-              <a:rPr lang="fi-FI" dirty="0" smtClean="0"/>
-            </a:br>
-            <a:r>
-              <a:rPr lang="fi-FI" dirty="0" smtClean="0"/>
-              <a:t>Hankkeen tavoitteet</a:t>
-            </a:r>
-            <a:endParaRPr lang="fi-FI" dirty="0"/>
-          </a:p>
-        </p:txBody>
-      </p:sp>
-      <p:sp>
-        <p:nvSpPr>
-          <p:cNvPr id="3" name="Sisällön paikkamerkki 2"/>
-          <p:cNvSpPr>
-            <a:spLocks noGrp="1"/>
-          </p:cNvSpPr>
-          <p:nvPr>
-            <p:ph idx="1"/>
-          </p:nvPr>
-        </p:nvSpPr>
-        <p:spPr>
-          <a:xfrm>
-            <a:off x="467544" y="1268760"/>
-            <a:ext cx="8371656" cy="4968552"/>
-          </a:xfrm>
-        </p:spPr>
-        <p:txBody>
-          <a:bodyPr/>
-          <a:lstStyle/>
-          <a:p>
-            <a:r>
-              <a:rPr lang="fi-FI" sz="2400" dirty="0" smtClean="0"/>
-              <a:t>Verohallinnon strategisten tavoitteiden tukeminen, toimintavarmuus pitkällä tähtäimellä</a:t>
-            </a:r>
-          </a:p>
-          <a:p>
-            <a:r>
-              <a:rPr lang="fi-FI" sz="2400" dirty="0" smtClean="0"/>
-              <a:t>Tietohallinnon kustannusten alentaminen</a:t>
-            </a:r>
-          </a:p>
-          <a:p>
-            <a:r>
-              <a:rPr lang="fi-FI" sz="2400" dirty="0" smtClean="0"/>
-              <a:t>Vanhenevan teknologian korvaaminen</a:t>
-            </a:r>
-          </a:p>
-          <a:p>
-            <a:pPr marL="0" indent="0">
-              <a:buNone/>
-            </a:pPr>
-            <a:endParaRPr lang="fi-FI" sz="2400" dirty="0" smtClean="0"/>
-          </a:p>
-          <a:p>
-            <a:r>
-              <a:rPr lang="fi-FI" sz="2400" smtClean="0"/>
-              <a:t>Tutkituista </a:t>
-            </a:r>
-            <a:r>
-              <a:rPr lang="fi-FI" sz="2400" dirty="0" smtClean="0"/>
-              <a:t>vaihtoehdoista valmisohjelmisto-ratkaisu vaikutti lupaavimmalta ja riskittömimmältä </a:t>
-            </a:r>
-            <a:r>
-              <a:rPr lang="fi-FI" sz="2400" dirty="0" err="1" smtClean="0"/>
-              <a:t>etenemismallita</a:t>
-            </a:r>
-            <a:endParaRPr lang="fi-FI" sz="2400" dirty="0" smtClean="0"/>
-          </a:p>
-          <a:p>
-            <a:endParaRPr lang="fi-FI" sz="2400" dirty="0" smtClean="0"/>
-          </a:p>
-          <a:p>
-            <a:pPr lvl="1"/>
-            <a:r>
-              <a:rPr lang="fi-FI" b="1" dirty="0" smtClean="0">
-                <a:solidFill>
-                  <a:schemeClr val="accent2"/>
-                </a:solidFill>
-              </a:rPr>
-              <a:t>Valmisohjelmistoon pohjautuva verotuksen järjestelmien kokonaisuudistus</a:t>
-            </a:r>
-          </a:p>
-          <a:p>
-            <a:endParaRPr lang="fi-FI" dirty="0" smtClean="0"/>
-          </a:p>
-          <a:p>
-            <a:pPr lvl="2"/>
-            <a:endParaRPr lang="fi-FI" dirty="0"/>
-          </a:p>
-        </p:txBody>
-      </p:sp>
-      <p:sp>
-        <p:nvSpPr>
-          <p:cNvPr id="4" name="Päivämäärän paikkamerkki 3"/>
-          <p:cNvSpPr>
-            <a:spLocks noGrp="1"/>
-          </p:cNvSpPr>
-          <p:nvPr>
-            <p:ph type="dt" sz="half" idx="10"/>
-          </p:nvPr>
-        </p:nvSpPr>
-        <p:spPr/>
-        <p:txBody>
-          <a:bodyPr/>
-          <a:lstStyle/>
-          <a:p>
-            <a:fld id="{6263D7F9-E8CA-4D49-A3BB-34C1D27B3415}" type="datetime1">
-              <a:rPr lang="fi-FI" smtClean="0"/>
-              <a:pPr/>
-              <a:t>2.11.2014</a:t>
-            </a:fld>
-            <a:endParaRPr lang="fi-FI"/>
-          </a:p>
-        </p:txBody>
-      </p:sp>
-      <p:sp>
-        <p:nvSpPr>
-          <p:cNvPr id="5" name="Dian numeron paikkamerkki 4"/>
-          <p:cNvSpPr>
-            <a:spLocks noGrp="1"/>
-          </p:cNvSpPr>
-          <p:nvPr>
-            <p:ph type="sldNum" sz="quarter" idx="12"/>
-          </p:nvPr>
-        </p:nvSpPr>
-        <p:spPr/>
-        <p:txBody>
-          <a:bodyPr/>
-          <a:lstStyle/>
-          <a:p>
-            <a:fld id="{2862C275-E456-42DD-B67F-1FAD661D120D}" type="slidenum">
-              <a:rPr lang="fi-FI" smtClean="0"/>
-              <a:pPr/>
-              <a:t>20</a:t>
-            </a:fld>
-            <a:endParaRPr lang="fi-FI"/>
-          </a:p>
-        </p:txBody>
-      </p:sp>
-      <p:sp>
-        <p:nvSpPr>
-          <p:cNvPr id="6" name="Nuoli oikealle 5"/>
-          <p:cNvSpPr/>
-          <p:nvPr/>
-        </p:nvSpPr>
-        <p:spPr bwMode="auto">
-          <a:xfrm>
-            <a:off x="611560" y="5013176"/>
-            <a:ext cx="576064" cy="648072"/>
-          </a:xfrm>
-          <a:prstGeom prst="rightArrow">
-            <a:avLst/>
-          </a:prstGeom>
-          <a:solidFill>
-            <a:schemeClr val="accent2"/>
-          </a:solidFill>
-          <a:ln w="9525" cap="flat" cmpd="sng" algn="ctr">
-            <a:solidFill>
-              <a:schemeClr val="tx1"/>
-            </a:solidFill>
-            <a:prstDash val="solid"/>
-            <a:round/>
-            <a:headEnd type="none" w="med" len="med"/>
-            <a:tailEnd type="none" w="med" len="med"/>
-          </a:ln>
-          <a:effectLst/>
-        </p:spPr>
-        <p:txBody>
-          <a:bodyPr vert="horz" wrap="none" lIns="90000" tIns="46800" rIns="90000" bIns="46800" numCol="1" rtlCol="0" anchor="ctr" anchorCtr="0" compatLnSpc="1">
-            <a:prstTxWarp prst="textNoShape">
-              <a:avLst/>
-            </a:prstTxWarp>
-          </a:bodyPr>
-          <a:lstStyle/>
-          <a:p>
-            <a:pPr marL="0" marR="0" indent="0" algn="ctr" defTabSz="914400" rtl="0" eaLnBrk="1" fontAlgn="base" latinLnBrk="0" hangingPunct="1">
-              <a:lnSpc>
-                <a:spcPct val="100000"/>
-              </a:lnSpc>
-              <a:spcBef>
-                <a:spcPct val="0"/>
-              </a:spcBef>
-              <a:spcAft>
-                <a:spcPct val="0"/>
-              </a:spcAft>
-              <a:buClrTx/>
-              <a:buSzTx/>
-              <a:buFontTx/>
-              <a:buNone/>
-              <a:tabLst/>
-            </a:pPr>
-            <a:endParaRPr kumimoji="0" lang="fi-FI" sz="1800" b="1" i="0" u="none" strike="noStrike" cap="none" normalizeH="0" baseline="0" smtClean="0">
-              <a:ln>
-                <a:noFill/>
-              </a:ln>
-              <a:solidFill>
-                <a:schemeClr val="tx1"/>
-              </a:solidFill>
-              <a:effectLst/>
-              <a:latin typeface="Arial" charset="0"/>
-            </a:endParaRPr>
-          </a:p>
-        </p:txBody>
-      </p:sp>
-    </p:spTree>
-    <p:extLst>
-      <p:ext uri="{BB962C8B-B14F-4D97-AF65-F5344CB8AC3E}">
-        <p14:creationId xmlns:p14="http://schemas.microsoft.com/office/powerpoint/2010/main" val="849189436"/>
-      </p:ext>
-    </p:extLst>
-  </p:cSld>
-  <p:clrMapOvr>
-    <a:masterClrMapping/>
-  </p:clrMapOvr>
-  <p:timing>
-    <p:tnLst>
-      <p:par>
-        <p:cTn id="1" dur="indefinite" restart="never" nodeType="tmRoot"/>
-      </p:par>
-    </p:tnLst>
-  </p:timing>
-</p:sld>
-</file>
-
-<file path=ppt/slides/slide21.xml><?xml version="1.0" encoding="utf-8"?>
-<p:sld xmlns:a="http://schemas.openxmlformats.org/drawingml/2006/main" xmlns:r="http://schemas.openxmlformats.org/officeDocument/2006/relationships" xmlns:p="http://schemas.openxmlformats.org/presentationml/2006/main">
-  <p:cSld>
-    <p:spTree>
-      <p:nvGrpSpPr>
-        <p:cNvPr id="1" name=""/>
-        <p:cNvGrpSpPr/>
-        <p:nvPr/>
-      </p:nvGrpSpPr>
-      <p:grpSpPr>
-        <a:xfrm>
-          <a:off x="0" y="0"/>
-          <a:ext cx="0" cy="0"/>
-          <a:chOff x="0" y="0"/>
-          <a:chExt cx="0" cy="0"/>
-        </a:xfrm>
-      </p:grpSpPr>
-      <p:sp>
-        <p:nvSpPr>
-          <p:cNvPr id="2" name="Otsikko 1"/>
-          <p:cNvSpPr>
-            <a:spLocks noGrp="1"/>
-          </p:cNvSpPr>
-          <p:nvPr>
-            <p:ph type="title"/>
-          </p:nvPr>
-        </p:nvSpPr>
-        <p:spPr/>
-        <p:txBody>
-          <a:bodyPr/>
-          <a:lstStyle/>
-          <a:p>
-            <a:r>
-              <a:rPr lang="fi-FI" dirty="0" smtClean="0"/>
-              <a:t>Valmisohjelmiston kilpailutus</a:t>
-            </a:r>
-            <a:endParaRPr lang="fi-FI" dirty="0"/>
-          </a:p>
-        </p:txBody>
-      </p:sp>
-      <p:sp>
-        <p:nvSpPr>
-          <p:cNvPr id="3" name="Sisällön paikkamerkki 2"/>
-          <p:cNvSpPr>
-            <a:spLocks noGrp="1"/>
-          </p:cNvSpPr>
-          <p:nvPr>
-            <p:ph idx="1"/>
-          </p:nvPr>
-        </p:nvSpPr>
-        <p:spPr/>
-        <p:txBody>
-          <a:bodyPr/>
-          <a:lstStyle/>
-          <a:p>
-            <a:r>
-              <a:rPr lang="fi-FI" dirty="0" smtClean="0"/>
-              <a:t>Kokonaisarkkitehtuurin avulla parempi ymmärrys kokonaisuudesta</a:t>
-            </a:r>
-          </a:p>
-          <a:p>
-            <a:r>
-              <a:rPr lang="fi-FI" dirty="0" smtClean="0"/>
-              <a:t>Kilpailutusstrategian laatiminen</a:t>
-            </a:r>
-          </a:p>
-          <a:p>
-            <a:r>
-              <a:rPr lang="fi-FI" dirty="0" smtClean="0"/>
-              <a:t>Itse kilpailutuksen läpivienti</a:t>
-            </a:r>
-          </a:p>
-          <a:p>
-            <a:pPr lvl="1"/>
-            <a:r>
-              <a:rPr lang="fi-FI" dirty="0" smtClean="0"/>
-              <a:t>Lopulta kaksi tarjousta, toinen hylättiin liian alhaisen hinnan vuoksi</a:t>
-            </a:r>
-          </a:p>
-          <a:p>
-            <a:pPr lvl="1"/>
-            <a:r>
-              <a:rPr lang="fi-FI" dirty="0" smtClean="0"/>
-              <a:t>Markkinaoikeus totesi Verohallinnon toimineen oikein</a:t>
-            </a:r>
-          </a:p>
-          <a:p>
-            <a:pPr lvl="1"/>
-            <a:r>
-              <a:rPr lang="fi-FI" dirty="0" smtClean="0"/>
-              <a:t>Vuoden viivästys projektin aloittamiseen</a:t>
-            </a:r>
-          </a:p>
-        </p:txBody>
-      </p:sp>
-    </p:spTree>
-    <p:extLst>
-      <p:ext uri="{BB962C8B-B14F-4D97-AF65-F5344CB8AC3E}">
-        <p14:creationId xmlns:p14="http://schemas.microsoft.com/office/powerpoint/2010/main" val="3839649261"/>
-      </p:ext>
-    </p:extLst>
-  </p:cSld>
-  <p:clrMapOvr>
-    <a:masterClrMapping/>
-  </p:clrMapOvr>
-  <p:timing>
-    <p:tnLst>
-      <p:par>
-        <p:cTn id="1" dur="indefinite" restart="never" nodeType="tmRoot"/>
-      </p:par>
-    </p:tnLst>
-  </p:timing>
-</p:sld>
-</file>
-
-<file path=ppt/slides/slide22.xml><?xml version="1.0" encoding="utf-8"?>
 <p:sld xmlns:a="http://schemas.openxmlformats.org/drawingml/2006/main" xmlns:r="http://schemas.openxmlformats.org/officeDocument/2006/relationships" xmlns:p="http://schemas.openxmlformats.org/presentationml/2006/main">
   <p:cSld>
     <p:spTree>
@@ -28231,6 +24722,240 @@
 </p:sld>
 </file>
 
+<file path=ppt/slides/slide21.xml><?xml version="1.0" encoding="utf-8"?>
+<p:sld xmlns:a="http://schemas.openxmlformats.org/drawingml/2006/main" xmlns:r="http://schemas.openxmlformats.org/officeDocument/2006/relationships" xmlns:p="http://schemas.openxmlformats.org/presentationml/2006/main">
+  <p:cSld>
+    <p:spTree>
+      <p:nvGrpSpPr>
+        <p:cNvPr id="1" name=""/>
+        <p:cNvGrpSpPr/>
+        <p:nvPr/>
+      </p:nvGrpSpPr>
+      <p:grpSpPr>
+        <a:xfrm>
+          <a:off x="0" y="0"/>
+          <a:ext cx="0" cy="0"/>
+          <a:chOff x="0" y="0"/>
+          <a:chExt cx="0" cy="0"/>
+        </a:xfrm>
+      </p:grpSpPr>
+      <p:sp>
+        <p:nvSpPr>
+          <p:cNvPr id="2" name="Otsikko 1"/>
+          <p:cNvSpPr>
+            <a:spLocks noGrp="1"/>
+          </p:cNvSpPr>
+          <p:nvPr>
+            <p:ph type="title"/>
+          </p:nvPr>
+        </p:nvSpPr>
+        <p:spPr>
+          <a:xfrm>
+            <a:off x="0" y="152400"/>
+            <a:ext cx="9144000" cy="1143000"/>
+          </a:xfrm>
+        </p:spPr>
+        <p:txBody>
+          <a:bodyPr/>
+          <a:lstStyle/>
+          <a:p>
+            <a:pPr algn="ctr"/>
+            <a:r>
+              <a:rPr lang="fi-FI" dirty="0" smtClean="0"/>
+              <a:t>Varautuminen valmisohjelmistopohjaiseen kehittämiseen</a:t>
+            </a:r>
+            <a:endParaRPr lang="fi-FI" dirty="0"/>
+          </a:p>
+        </p:txBody>
+      </p:sp>
+      <p:sp>
+        <p:nvSpPr>
+          <p:cNvPr id="3" name="Sisällön paikkamerkki 2"/>
+          <p:cNvSpPr>
+            <a:spLocks noGrp="1"/>
+          </p:cNvSpPr>
+          <p:nvPr>
+            <p:ph idx="1"/>
+          </p:nvPr>
+        </p:nvSpPr>
+        <p:spPr>
+          <a:xfrm>
+            <a:off x="467544" y="1447800"/>
+            <a:ext cx="8371656" cy="4572000"/>
+          </a:xfrm>
+        </p:spPr>
+        <p:txBody>
+          <a:bodyPr/>
+          <a:lstStyle/>
+          <a:p>
+            <a:r>
+              <a:rPr lang="fi-FI" b="0" dirty="0" smtClean="0"/>
+              <a:t>Valmisohjelmistopohjainen tietojärjestelmä muuttaa tietohallinnon palvelut ja toimintamallit</a:t>
+            </a:r>
+          </a:p>
+          <a:p>
+            <a:pPr marL="0" indent="0">
+              <a:buNone/>
+            </a:pPr>
+            <a:endParaRPr lang="fi-FI" b="0" dirty="0" smtClean="0"/>
+          </a:p>
+          <a:p>
+            <a:r>
+              <a:rPr lang="fi-FI" b="0" dirty="0" smtClean="0"/>
+              <a:t>Tietohallinnon organisoiminen vastaamaan uutta tilannetta vaiheistetusti</a:t>
+            </a:r>
+          </a:p>
+          <a:p>
+            <a:pPr marL="0" indent="0">
+              <a:buNone/>
+            </a:pPr>
+            <a:endParaRPr lang="fi-FI" b="0" dirty="0" smtClean="0"/>
+          </a:p>
+          <a:p>
+            <a:r>
+              <a:rPr lang="fi-FI" b="0" dirty="0" smtClean="0"/>
+              <a:t>Tietohallinnon palveluiden ja prosessien uudistaminen</a:t>
+            </a:r>
+          </a:p>
+          <a:p>
+            <a:pPr lvl="2"/>
+            <a:r>
+              <a:rPr lang="fi-FI" dirty="0" smtClean="0"/>
+              <a:t>ITIL pohjana</a:t>
+            </a:r>
+            <a:endParaRPr lang="fi-FI" b="0" dirty="0" smtClean="0"/>
+          </a:p>
+          <a:p>
+            <a:endParaRPr lang="fi-FI" dirty="0"/>
+          </a:p>
+        </p:txBody>
+      </p:sp>
+    </p:spTree>
+    <p:extLst>
+      <p:ext uri="{BB962C8B-B14F-4D97-AF65-F5344CB8AC3E}">
+        <p14:creationId xmlns:p14="http://schemas.microsoft.com/office/powerpoint/2010/main" val="4144806884"/>
+      </p:ext>
+    </p:extLst>
+  </p:cSld>
+  <p:clrMapOvr>
+    <a:masterClrMapping/>
+  </p:clrMapOvr>
+  <p:timing>
+    <p:tnLst>
+      <p:par>
+        <p:cTn id="1" dur="indefinite" restart="never" nodeType="tmRoot"/>
+      </p:par>
+    </p:tnLst>
+  </p:timing>
+</p:sld>
+</file>
+
+<file path=ppt/slides/slide22.xml><?xml version="1.0" encoding="utf-8"?>
+<p:sld xmlns:a="http://schemas.openxmlformats.org/drawingml/2006/main" xmlns:r="http://schemas.openxmlformats.org/officeDocument/2006/relationships" xmlns:p="http://schemas.openxmlformats.org/presentationml/2006/main">
+  <p:cSld>
+    <p:spTree>
+      <p:nvGrpSpPr>
+        <p:cNvPr id="1" name=""/>
+        <p:cNvGrpSpPr/>
+        <p:nvPr/>
+      </p:nvGrpSpPr>
+      <p:grpSpPr>
+        <a:xfrm>
+          <a:off x="0" y="0"/>
+          <a:ext cx="0" cy="0"/>
+          <a:chOff x="0" y="0"/>
+          <a:chExt cx="0" cy="0"/>
+        </a:xfrm>
+      </p:grpSpPr>
+      <p:sp>
+        <p:nvSpPr>
+          <p:cNvPr id="2" name="Otsikko 1"/>
+          <p:cNvSpPr>
+            <a:spLocks noGrp="1"/>
+          </p:cNvSpPr>
+          <p:nvPr>
+            <p:ph type="title"/>
+          </p:nvPr>
+        </p:nvSpPr>
+        <p:spPr>
+          <a:xfrm>
+            <a:off x="0" y="152400"/>
+            <a:ext cx="9144000" cy="1143000"/>
+          </a:xfrm>
+        </p:spPr>
+        <p:txBody>
+          <a:bodyPr/>
+          <a:lstStyle/>
+          <a:p>
+            <a:pPr algn="ctr"/>
+            <a:r>
+              <a:rPr lang="fi-FI" dirty="0" smtClean="0"/>
+              <a:t>Kokonaisarkkitehtuuri Valmis-hankkeessa</a:t>
+            </a:r>
+            <a:endParaRPr lang="fi-FI" dirty="0"/>
+          </a:p>
+        </p:txBody>
+      </p:sp>
+      <p:sp>
+        <p:nvSpPr>
+          <p:cNvPr id="3" name="Sisällön paikkamerkki 2"/>
+          <p:cNvSpPr>
+            <a:spLocks noGrp="1"/>
+          </p:cNvSpPr>
+          <p:nvPr>
+            <p:ph idx="1"/>
+          </p:nvPr>
+        </p:nvSpPr>
+        <p:spPr/>
+        <p:txBody>
+          <a:bodyPr/>
+          <a:lstStyle/>
+          <a:p>
+            <a:r>
+              <a:rPr lang="fi-FI" sz="2400" b="0" dirty="0" smtClean="0"/>
+              <a:t>Verohallinnon järjestelmäkartta uudistuu valmisohjelmiston myötä, samoin merkittäviä prosessien uudistamisia</a:t>
+            </a:r>
+          </a:p>
+          <a:p>
+            <a:pPr marL="0" indent="0">
+              <a:buNone/>
+            </a:pPr>
+            <a:endParaRPr lang="fi-FI" sz="2400" b="0" dirty="0" smtClean="0"/>
+          </a:p>
+          <a:p>
+            <a:r>
+              <a:rPr lang="fi-FI" sz="2400" b="0" dirty="0" smtClean="0"/>
+              <a:t>Tämän vuoksi kokonaisarkkitehtuurin kehittäminen ja kuvaaminen aluksi osana Valmis-hanketta, tavoitteena kokonaisarkkitehtuurin pohjan ja toimintamallien luominen ja siirtäminen ”ylläpitoon”</a:t>
+            </a:r>
+          </a:p>
+          <a:p>
+            <a:endParaRPr lang="fi-FI" dirty="0" smtClean="0"/>
+          </a:p>
+          <a:p>
+            <a:endParaRPr lang="fi-FI" dirty="0"/>
+          </a:p>
+        </p:txBody>
+      </p:sp>
+    </p:spTree>
+    <p:extLst>
+      <p:ext uri="{BB962C8B-B14F-4D97-AF65-F5344CB8AC3E}">
+        <p14:creationId xmlns:p14="http://schemas.microsoft.com/office/powerpoint/2010/main" val="3065797079"/>
+      </p:ext>
+    </p:extLst>
+  </p:cSld>
+  <p:clrMapOvr>
+    <a:masterClrMapping/>
+  </p:clrMapOvr>
+  <p:timing>
+    <p:tnLst>
+      <p:par>
+        <p:cTn id="1" dur="indefinite" restart="never" nodeType="tmRoot"/>
+      </p:par>
+    </p:tnLst>
+  </p:timing>
+</p:sld>
+</file>
+
 <file path=ppt/slides/slide23.xml><?xml version="1.0" encoding="utf-8"?>
 <p:sld xmlns:a="http://schemas.openxmlformats.org/drawingml/2006/main" xmlns:r="http://schemas.openxmlformats.org/officeDocument/2006/relationships" xmlns:p="http://schemas.openxmlformats.org/presentationml/2006/main">
   <p:cSld>
@@ -28271,7 +24996,7 @@
             <a:pPr algn="ctr"/>
             <a:r>
               <a:rPr lang="fi-FI" dirty="0" smtClean="0"/>
-              <a:t>Varautuminen valmisohjelmistopohjaiseen kehittämiseen</a:t>
+              <a:t>Miten kokonaisarkkitehtuuria on edistetty</a:t>
             </a:r>
             <a:endParaRPr lang="fi-FI" dirty="0"/>
           </a:p>
@@ -28289,8 +25014,8 @@
         </p:nvSpPr>
         <p:spPr>
           <a:xfrm>
-            <a:off x="467544" y="1447800"/>
-            <a:ext cx="8371656" cy="4572000"/>
+            <a:off x="611560" y="1268760"/>
+            <a:ext cx="8227640" cy="4751040"/>
           </a:xfrm>
         </p:spPr>
         <p:txBody>
@@ -28298,41 +25023,76 @@
           <a:lstStyle/>
           <a:p>
             <a:r>
-              <a:rPr lang="fi-FI" b="0" dirty="0" smtClean="0"/>
-              <a:t>Valmisohjelmistopohjainen tietojärjestelmä muuttaa tietohallinnon palvelut ja toimintamallit</a:t>
-            </a:r>
-          </a:p>
-          <a:p>
-            <a:pPr marL="0" indent="0">
-              <a:buNone/>
-            </a:pPr>
-            <a:endParaRPr lang="fi-FI" b="0" dirty="0" smtClean="0"/>
-          </a:p>
-          <a:p>
-            <a:r>
-              <a:rPr lang="fi-FI" b="0" dirty="0" smtClean="0"/>
-              <a:t>Tietohallinnon organisoiminen vastaamaan uutta tilannetta vaiheistetusti</a:t>
-            </a:r>
-          </a:p>
-          <a:p>
-            <a:pPr marL="0" indent="0">
-              <a:buNone/>
-            </a:pPr>
-            <a:endParaRPr lang="fi-FI" b="0" dirty="0" smtClean="0"/>
-          </a:p>
-          <a:p>
-            <a:r>
-              <a:rPr lang="fi-FI" b="0" dirty="0" smtClean="0"/>
-              <a:t>Tietohallinnon palveluiden ja prosessien uudistaminen</a:t>
-            </a:r>
-          </a:p>
-          <a:p>
-            <a:pPr lvl="2"/>
-            <a:r>
-              <a:rPr lang="fi-FI" dirty="0" smtClean="0"/>
-              <a:t>ITIL pohjana</a:t>
-            </a:r>
-            <a:endParaRPr lang="fi-FI" b="0" dirty="0" smtClean="0"/>
+              <a:rPr lang="fi-FI" sz="2400" b="0" dirty="0" smtClean="0"/>
+              <a:t>2010-11 kokonaisarkkitehtuurilla pystyttiin tekemään päätös Verohallinnon järjestelmien kokonaisuudistuksesta valmisohjelmistopohjaisesti</a:t>
+            </a:r>
+          </a:p>
+          <a:p>
+            <a:pPr lvl="1"/>
+            <a:r>
+              <a:rPr lang="fi-FI" sz="2000" dirty="0" smtClean="0"/>
+              <a:t>Kokonaisarkkitehtuuri menetelmänä sai jalansijaa</a:t>
+            </a:r>
+            <a:endParaRPr lang="fi-FI" sz="2000" b="0" dirty="0" smtClean="0"/>
+          </a:p>
+          <a:p>
+            <a:r>
+              <a:rPr lang="fi-FI" sz="2400" b="0" dirty="0" smtClean="0"/>
+              <a:t>Kokonaisarkkitehtuurin osaajien määrää kasvatettu</a:t>
+            </a:r>
+          </a:p>
+          <a:p>
+            <a:pPr lvl="1"/>
+            <a:r>
+              <a:rPr lang="fi-FI" sz="2000" dirty="0" smtClean="0"/>
+              <a:t>Liiketoiminnassa (toiminta ja tietoarkkitehtuuri)</a:t>
+            </a:r>
+          </a:p>
+          <a:p>
+            <a:pPr lvl="1"/>
+            <a:r>
+              <a:rPr lang="fi-FI" sz="2000" dirty="0"/>
+              <a:t>T</a:t>
+            </a:r>
+            <a:r>
+              <a:rPr lang="fi-FI" sz="2000" b="0" dirty="0" smtClean="0"/>
+              <a:t>ietohallinnossa (Kokonaisarkkitehtuuri, tietojärjestelmä ja tekninen arkkitehtuuri)</a:t>
+            </a:r>
+          </a:p>
+          <a:p>
+            <a:pPr lvl="1"/>
+            <a:r>
+              <a:rPr lang="fi-FI" sz="2000" dirty="0" smtClean="0"/>
+              <a:t>Arkkitehtuuriverkostossa nyt noin 100 mallintajaa eri osa-alueilla</a:t>
+            </a:r>
+            <a:endParaRPr lang="fi-FI" sz="2000" b="0" dirty="0" smtClean="0"/>
+          </a:p>
+          <a:p>
+            <a:r>
+              <a:rPr lang="fi-FI" sz="2400" b="0" dirty="0" smtClean="0"/>
+              <a:t>Kokonaisarkkitehtuurin työvälineistöä kehitetty</a:t>
+            </a:r>
+          </a:p>
+          <a:p>
+            <a:pPr lvl="1"/>
+            <a:r>
+              <a:rPr lang="fi-FI" sz="2000" dirty="0" smtClean="0"/>
+              <a:t>QPR EA, metamallia kehitetty Verohallinnon toivomalla tavalla</a:t>
+            </a:r>
+          </a:p>
+          <a:p>
+            <a:r>
+              <a:rPr lang="fi-FI" sz="2400" b="0" dirty="0" smtClean="0"/>
+              <a:t>Panostusta </a:t>
+            </a:r>
+            <a:r>
+              <a:rPr lang="fi-FI" sz="2400" b="0" dirty="0" err="1" smtClean="0"/>
+              <a:t>KA-konsultointiin</a:t>
+            </a:r>
+            <a:r>
+              <a:rPr lang="fi-FI" sz="2400" b="0" dirty="0" smtClean="0"/>
+              <a:t> (Tieto &amp; QPR)</a:t>
+            </a:r>
           </a:p>
           <a:p>
             <a:endParaRPr lang="fi-FI" dirty="0"/>
@@ -28342,7 +25102,7 @@
     </p:spTree>
     <p:extLst>
       <p:ext uri="{BB962C8B-B14F-4D97-AF65-F5344CB8AC3E}">
-        <p14:creationId xmlns:p14="http://schemas.microsoft.com/office/powerpoint/2010/main" val="4144806884"/>
+        <p14:creationId xmlns:p14="http://schemas.microsoft.com/office/powerpoint/2010/main" val="3189519877"/>
       </p:ext>
     </p:extLst>
   </p:cSld>
@@ -28386,20 +25146,14 @@
             <p:ph type="title"/>
           </p:nvPr>
         </p:nvSpPr>
-        <p:spPr>
-          <a:xfrm>
-            <a:off x="0" y="152400"/>
-            <a:ext cx="9144000" cy="1143000"/>
-          </a:xfrm>
-        </p:spPr>
+        <p:spPr/>
         <p:txBody>
           <a:bodyPr/>
           <a:lstStyle/>
           <a:p>
-            <a:pPr algn="ctr"/>
             <a:r>
               <a:rPr lang="fi-FI" dirty="0" smtClean="0"/>
-              <a:t>Kokonaisarkkitehtuuri Valmis-hankkeessa</a:t>
+              <a:t>Kokonaisarkkitehtuuri jatkossa</a:t>
             </a:r>
             <a:endParaRPr lang="fi-FI" dirty="0"/>
           </a:p>
@@ -28422,7 +25176,7 @@
           <a:p>
             <a:r>
               <a:rPr lang="fi-FI" sz="2400" b="0" dirty="0" smtClean="0"/>
-              <a:t>Verohallinnon järjestelmäkartta uudistuu valmisohjelmiston myötä, samoin merkittäviä prosessien uudistamisia</a:t>
+              <a:t>Verohallinnossa koulutettu lukuisia prosessimallintajia – arkkitehtuuriverkoston ja kokonaisarkkitehtuurin ylläpito,  kehittäminen ja edelleen voimistaminen</a:t>
             </a:r>
           </a:p>
           <a:p>
@@ -28434,11 +25188,20 @@
           <a:p>
             <a:r>
               <a:rPr lang="fi-FI" sz="2400" b="0" dirty="0" smtClean="0"/>
-              <a:t>Tämän vuoksi kokonaisarkkitehtuurin kehittäminen ja kuvaaminen aluksi osana Valmis-hanketta, tavoitteena kokonaisarkkitehtuurin pohjan ja toimintamallien luominen ja siirtäminen ”ylläpitoon”</a:t>
-            </a:r>
-          </a:p>
-          <a:p>
-            <a:endParaRPr lang="fi-FI" dirty="0" smtClean="0"/>
+              <a:t>Työväline (QPR EA) laajemmin käytössä</a:t>
+            </a:r>
+          </a:p>
+          <a:p>
+            <a:pPr marL="0" indent="0">
+              <a:buNone/>
+            </a:pPr>
+            <a:endParaRPr lang="fi-FI" sz="2400" b="0" dirty="0" smtClean="0"/>
+          </a:p>
+          <a:p>
+            <a:r>
+              <a:rPr lang="fi-FI" sz="2400" b="0" dirty="0" smtClean="0"/>
+              <a:t>Kokonaisarkkitehtuuri vielä syvemmin osaksi strategia-  ja muuta päätöksentekoprosessia</a:t>
+            </a:r>
           </a:p>
           <a:p>
             <a:endParaRPr lang="fi-FI" dirty="0"/>
@@ -28448,7 +25211,7 @@
     </p:spTree>
     <p:extLst>
       <p:ext uri="{BB962C8B-B14F-4D97-AF65-F5344CB8AC3E}">
-        <p14:creationId xmlns:p14="http://schemas.microsoft.com/office/powerpoint/2010/main" val="3065797079"/>
+        <p14:creationId xmlns:p14="http://schemas.microsoft.com/office/powerpoint/2010/main" val="2808292708"/>
       </p:ext>
     </p:extLst>
   </p:cSld>
@@ -28484,44 +25247,89 @@
       </p:grpSpPr>
       <p:sp>
         <p:nvSpPr>
-          <p:cNvPr id="3074" name="Rectangle 2"/>
+          <p:cNvPr id="2" name="Otsikko 1"/>
           <p:cNvSpPr>
-            <a:spLocks noGrp="1" noChangeArrowheads="1"/>
+            <a:spLocks noGrp="1"/>
           </p:cNvSpPr>
           <p:nvPr>
-            <p:ph type="ctrTitle"/>
+            <p:ph type="title"/>
           </p:nvPr>
         </p:nvSpPr>
-        <p:spPr>
-          <a:xfrm>
-            <a:off x="611560" y="2564904"/>
-            <a:ext cx="8001000" cy="1447800"/>
-          </a:xfrm>
-        </p:spPr>
+        <p:spPr/>
         <p:txBody>
           <a:bodyPr/>
           <a:lstStyle/>
           <a:p>
             <a:r>
-              <a:rPr lang="fi-FI" dirty="0" smtClean="0">
-                <a:solidFill>
-                  <a:srgbClr val="D58B00"/>
-                </a:solidFill>
-              </a:rPr>
-              <a:t>Esimerkkejä arkkitehtuurikuvauksista: </a:t>
-            </a:r>
-            <a:endParaRPr lang="fi-FI" altLang="fi-FI" dirty="0" smtClean="0">
-              <a:solidFill>
-                <a:srgbClr val="D58B00"/>
-              </a:solidFill>
-            </a:endParaRPr>
+              <a:rPr lang="fi-FI" dirty="0" smtClean="0"/>
+              <a:t>Yhteenveto</a:t>
+            </a:r>
+            <a:endParaRPr lang="fi-FI" dirty="0"/>
+          </a:p>
+        </p:txBody>
+      </p:sp>
+      <p:sp>
+        <p:nvSpPr>
+          <p:cNvPr id="3" name="Sisällön paikkamerkki 2"/>
+          <p:cNvSpPr>
+            <a:spLocks noGrp="1"/>
+          </p:cNvSpPr>
+          <p:nvPr>
+            <p:ph idx="1"/>
+          </p:nvPr>
+        </p:nvSpPr>
+        <p:spPr/>
+        <p:txBody>
+          <a:bodyPr/>
+          <a:lstStyle/>
+          <a:p>
+            <a:r>
+              <a:rPr lang="fi-FI" sz="2400" b="0" dirty="0" smtClean="0"/>
+              <a:t>Kokonaisarkkitehtuuri lisäsi ymmärrystä Verohallinnon tilanteesta ja johti strategiseen tietojärjestelmävalintaan</a:t>
+            </a:r>
+          </a:p>
+          <a:p>
+            <a:pPr marL="0" indent="0">
+              <a:buNone/>
+            </a:pPr>
+            <a:endParaRPr lang="fi-FI" sz="2400" b="0" dirty="0" smtClean="0"/>
+          </a:p>
+          <a:p>
+            <a:r>
+              <a:rPr lang="fi-FI" sz="2400" b="0" dirty="0" smtClean="0"/>
+              <a:t>Matka on ollut  pitkä ja monivaiheinen, mutta ilman ymmärrystä kokonaisuudesta tuskin edes mahdollinen</a:t>
+            </a:r>
+          </a:p>
+          <a:p>
+            <a:pPr marL="0" indent="0">
+              <a:buNone/>
+            </a:pPr>
+            <a:endParaRPr lang="fi-FI" sz="2400" b="0" dirty="0" smtClean="0"/>
+          </a:p>
+          <a:p>
+            <a:r>
+              <a:rPr lang="fi-FI" sz="2400" b="0" dirty="0" smtClean="0"/>
+              <a:t>Kokonaisarkkitehtuuri menetelmänä hyvä ja käyttökelpoinen, mutta ei yksin riitä -  tarvitaan muutakin osaamista ja ymmärrystä</a:t>
+            </a:r>
+          </a:p>
+          <a:p>
+            <a:pPr marL="0" indent="0">
+              <a:buNone/>
+            </a:pPr>
+            <a:endParaRPr lang="fi-FI" sz="2400" b="0" dirty="0"/>
+          </a:p>
+          <a:p>
+            <a:pPr marL="0" indent="0">
+              <a:buNone/>
+            </a:pPr>
+            <a:endParaRPr lang="fi-FI" sz="2400" b="0" dirty="0"/>
           </a:p>
         </p:txBody>
       </p:sp>
     </p:spTree>
     <p:extLst>
       <p:ext uri="{BB962C8B-B14F-4D97-AF65-F5344CB8AC3E}">
-        <p14:creationId xmlns:p14="http://schemas.microsoft.com/office/powerpoint/2010/main" val="1550240223"/>
+        <p14:creationId xmlns:p14="http://schemas.microsoft.com/office/powerpoint/2010/main" val="53902048"/>
       </p:ext>
     </p:extLst>
   </p:cSld>
@@ -28557,7 +25365,7 @@
       </p:grpSpPr>
       <p:sp>
         <p:nvSpPr>
-          <p:cNvPr id="25602" name="Title 1"/>
+          <p:cNvPr id="2" name="Otsikko 1"/>
           <p:cNvSpPr>
             <a:spLocks noGrp="1"/>
           </p:cNvSpPr>
@@ -28567,8 +25375,8 @@
         </p:nvSpPr>
         <p:spPr>
           <a:xfrm>
-            <a:off x="381000" y="152400"/>
-            <a:ext cx="7772400" cy="1044352"/>
+            <a:off x="179512" y="152400"/>
+            <a:ext cx="8964488" cy="1143000"/>
           </a:xfrm>
         </p:spPr>
         <p:txBody>
@@ -28576,184 +25384,50 @@
           <a:lstStyle/>
           <a:p>
             <a:r>
-              <a:rPr lang="fi-FI" altLang="fi-FI" b="0" dirty="0" smtClean="0">
+              <a:rPr lang="fi-FI" sz="2400" b="0" dirty="0">
                 <a:solidFill>
-                  <a:srgbClr val="000000"/>
+                  <a:schemeClr val="accent2"/>
                 </a:solidFill>
-                <a:latin typeface="Tahoma" pitchFamily="34" charset="0"/>
               </a:rPr>
-              <a:t>Verohallinnon prosessikartta tavoitetila</a:t>
+              <a:t>Case Verohallinto: </a:t>
+            </a:r>
+            <a:r>
+              <a:rPr lang="fi-FI" sz="2400" b="0" dirty="0"/>
+              <a:t/>
+            </a:r>
+            <a:br>
+              <a:rPr lang="fi-FI" sz="2400" b="0" dirty="0"/>
+            </a:br>
+            <a:r>
+              <a:rPr lang="fi-FI" sz="2400" b="0" dirty="0"/>
+              <a:t>Suuret järjestelmäuudistukset kokonaisarkkitehtuurin periaattein</a:t>
             </a:r>
           </a:p>
         </p:txBody>
       </p:sp>
-      <p:pic>
-        <p:nvPicPr>
-          <p:cNvPr id="25607" name="Picture 7" descr="Cover"/>
-          <p:cNvPicPr>
-            <a:picLocks noChangeAspect="1" noChangeArrowheads="1"/>
-          </p:cNvPicPr>
-          <p:nvPr/>
-        </p:nvPicPr>
-        <p:blipFill>
-          <a:blip r:embed="rId2">
-            <a:extLst>
-              <a:ext uri="{28A0092B-C50C-407E-A947-70E740481C1C}">
-                <a14:useLocalDpi xmlns:a14="http://schemas.microsoft.com/office/drawing/2010/main" val="0"/>
-              </a:ext>
-            </a:extLst>
-          </a:blip>
-          <a:srcRect/>
-          <a:stretch>
-            <a:fillRect/>
-          </a:stretch>
-        </p:blipFill>
-        <p:spPr bwMode="auto">
-          <a:xfrm>
-            <a:off x="1619673" y="965061"/>
-            <a:ext cx="5606628" cy="5056327"/>
-          </a:xfrm>
-          <a:prstGeom prst="rect">
-            <a:avLst/>
-          </a:prstGeom>
-          <a:noFill/>
-          <a:extLst>
-            <a:ext uri="{909E8E84-426E-40DD-AFC4-6F175D3DCCD1}">
-              <a14:hiddenFill xmlns:a14="http://schemas.microsoft.com/office/drawing/2010/main">
-                <a:solidFill>
-                  <a:srgbClr val="FFFFFF"/>
-                </a:solidFill>
-              </a14:hiddenFill>
-            </a:ext>
-          </a:extLst>
-        </p:spPr>
-      </p:pic>
-    </p:spTree>
-    <p:extLst>
-      <p:ext uri="{BB962C8B-B14F-4D97-AF65-F5344CB8AC3E}">
-        <p14:creationId xmlns:p14="http://schemas.microsoft.com/office/powerpoint/2010/main" val="2946338480"/>
-      </p:ext>
-    </p:extLst>
-  </p:cSld>
-  <p:clrMapOvr>
-    <a:masterClrMapping/>
-  </p:clrMapOvr>
-  <p:timing>
-    <p:tnLst>
-      <p:par>
-        <p:cTn id="1" dur="indefinite" restart="never" nodeType="tmRoot"/>
-      </p:par>
-    </p:tnLst>
-  </p:timing>
-</p:sld>
-</file>
-
-<file path=ppt/slides/slide27.xml><?xml version="1.0" encoding="utf-8"?>
-<p:sld xmlns:a="http://schemas.openxmlformats.org/drawingml/2006/main" xmlns:r="http://schemas.openxmlformats.org/officeDocument/2006/relationships" xmlns:p="http://schemas.openxmlformats.org/presentationml/2006/main">
-  <p:cSld>
-    <p:spTree>
-      <p:nvGrpSpPr>
-        <p:cNvPr id="1" name=""/>
-        <p:cNvGrpSpPr/>
-        <p:nvPr/>
-      </p:nvGrpSpPr>
-      <p:grpSpPr>
-        <a:xfrm>
-          <a:off x="0" y="0"/>
-          <a:ext cx="0" cy="0"/>
-          <a:chOff x="0" y="0"/>
-          <a:chExt cx="0" cy="0"/>
-        </a:xfrm>
-      </p:grpSpPr>
-      <p:pic>
-        <p:nvPicPr>
-          <p:cNvPr id="5122" name="Picture 2"/>
-          <p:cNvPicPr>
-            <a:picLocks noChangeAspect="1" noChangeArrowheads="1"/>
-          </p:cNvPicPr>
-          <p:nvPr/>
-        </p:nvPicPr>
-        <p:blipFill>
-          <a:blip r:embed="rId2">
-            <a:extLst>
-              <a:ext uri="{28A0092B-C50C-407E-A947-70E740481C1C}">
-                <a14:useLocalDpi xmlns:a14="http://schemas.microsoft.com/office/drawing/2010/main" val="0"/>
-              </a:ext>
-            </a:extLst>
-          </a:blip>
-          <a:srcRect/>
-          <a:stretch>
-            <a:fillRect/>
-          </a:stretch>
-        </p:blipFill>
-        <p:spPr bwMode="auto">
-          <a:xfrm>
-            <a:off x="38100" y="800100"/>
-            <a:ext cx="8756282" cy="5077172"/>
-          </a:xfrm>
-          <a:prstGeom prst="rect">
-            <a:avLst/>
-          </a:prstGeom>
-          <a:noFill/>
-          <a:ln>
-            <a:noFill/>
-          </a:ln>
-          <a:effectLst/>
-          <a:extLst>
-            <a:ext uri="{909E8E84-426E-40DD-AFC4-6F175D3DCCD1}">
-              <a14:hiddenFill xmlns:a14="http://schemas.microsoft.com/office/drawing/2010/main">
-                <a:solidFill>
-                  <a:schemeClr val="accent1"/>
-                </a:solidFill>
-              </a14:hiddenFill>
-            </a:ext>
-            <a:ext uri="{91240B29-F687-4F45-9708-019B960494DF}">
-              <a14:hiddenLine xmlns:a14="http://schemas.microsoft.com/office/drawing/2010/main" w="9525">
-                <a:solidFill>
-                  <a:schemeClr val="tx1"/>
-                </a:solidFill>
-                <a:miter lim="800000"/>
-                <a:headEnd/>
-                <a:tailEnd/>
-              </a14:hiddenLine>
-            </a:ext>
-            <a:ext uri="{AF507438-7753-43E0-B8FC-AC1667EBCBE1}">
-              <a14:hiddenEffects xmlns:a14="http://schemas.microsoft.com/office/drawing/2010/main">
-                <a:effectLst>
-                  <a:outerShdw dist="35921" dir="2700000" algn="ctr" rotWithShape="0">
-                    <a:schemeClr val="bg2"/>
-                  </a:outerShdw>
-                </a:effectLst>
-              </a14:hiddenEffects>
-            </a:ext>
-          </a:extLst>
-        </p:spPr>
-      </p:pic>
       <p:sp>
         <p:nvSpPr>
-          <p:cNvPr id="6" name="Tekstiruutu 5"/>
-          <p:cNvSpPr txBox="1"/>
-          <p:nvPr/>
+          <p:cNvPr id="3" name="Sisällön paikkamerkki 2"/>
+          <p:cNvSpPr>
+            <a:spLocks noGrp="1"/>
+          </p:cNvSpPr>
+          <p:nvPr>
+            <p:ph idx="1"/>
+          </p:nvPr>
         </p:nvSpPr>
         <p:spPr>
           <a:xfrm>
-            <a:off x="2051720" y="188640"/>
-            <a:ext cx="1912703" cy="461665"/>
+            <a:off x="1115616" y="2636912"/>
+            <a:ext cx="7620000" cy="1045096"/>
           </a:xfrm>
-          <a:prstGeom prst="rect">
-            <a:avLst/>
-          </a:prstGeom>
-          <a:noFill/>
         </p:spPr>
         <p:txBody>
-          <a:bodyPr wrap="none" rtlCol="0">
-            <a:spAutoFit/>
-          </a:bodyPr>
+          <a:bodyPr/>
           <a:lstStyle/>
           <a:p>
             <a:r>
-              <a:rPr lang="fi-FI" sz="2400" dirty="0" err="1" smtClean="0"/>
-              <a:t>HR-Palvelut</a:t>
+              <a:rPr lang="fi-FI" dirty="0" smtClean="0"/>
+              <a:t>Kommentteja &amp; Kysymyksiä?</a:t>
             </a:r>
             <a:endParaRPr lang="fi-FI" dirty="0"/>
           </a:p>
@@ -28762,243 +25436,7 @@
     </p:spTree>
     <p:extLst>
       <p:ext uri="{BB962C8B-B14F-4D97-AF65-F5344CB8AC3E}">
-        <p14:creationId xmlns:p14="http://schemas.microsoft.com/office/powerpoint/2010/main" val="781096694"/>
-      </p:ext>
-    </p:extLst>
-  </p:cSld>
-  <p:clrMapOvr>
-    <a:masterClrMapping/>
-  </p:clrMapOvr>
-  <p:timing>
-    <p:tnLst>
-      <p:par>
-        <p:cTn id="1" dur="indefinite" restart="never" nodeType="tmRoot"/>
-      </p:par>
-    </p:tnLst>
-  </p:timing>
-</p:sld>
-</file>
-
-<file path=ppt/slides/slide28.xml><?xml version="1.0" encoding="utf-8"?>
-<p:sld xmlns:a="http://schemas.openxmlformats.org/drawingml/2006/main" xmlns:r="http://schemas.openxmlformats.org/officeDocument/2006/relationships" xmlns:p="http://schemas.openxmlformats.org/presentationml/2006/main">
-  <p:cSld>
-    <p:spTree>
-      <p:nvGrpSpPr>
-        <p:cNvPr id="1" name=""/>
-        <p:cNvGrpSpPr/>
-        <p:nvPr/>
-      </p:nvGrpSpPr>
-      <p:grpSpPr>
-        <a:xfrm>
-          <a:off x="0" y="0"/>
-          <a:ext cx="0" cy="0"/>
-          <a:chOff x="0" y="0"/>
-          <a:chExt cx="0" cy="0"/>
-        </a:xfrm>
-      </p:grpSpPr>
-      <p:pic>
-        <p:nvPicPr>
-          <p:cNvPr id="4098" name="Picture 2"/>
-          <p:cNvPicPr>
-            <a:picLocks noChangeAspect="1" noChangeArrowheads="1"/>
-          </p:cNvPicPr>
-          <p:nvPr/>
-        </p:nvPicPr>
-        <p:blipFill>
-          <a:blip r:embed="rId2">
-            <a:extLst>
-              <a:ext uri="{28A0092B-C50C-407E-A947-70E740481C1C}">
-                <a14:useLocalDpi xmlns:a14="http://schemas.microsoft.com/office/drawing/2010/main" val="0"/>
-              </a:ext>
-            </a:extLst>
-          </a:blip>
-          <a:srcRect/>
-          <a:stretch>
-            <a:fillRect/>
-          </a:stretch>
-        </p:blipFill>
-        <p:spPr bwMode="auto">
-          <a:xfrm>
-            <a:off x="2181908" y="174973"/>
-            <a:ext cx="4622340" cy="5918323"/>
-          </a:xfrm>
-          <a:prstGeom prst="rect">
-            <a:avLst/>
-          </a:prstGeom>
-          <a:noFill/>
-          <a:ln>
-            <a:noFill/>
-          </a:ln>
-          <a:effectLst/>
-          <a:extLst>
-            <a:ext uri="{909E8E84-426E-40DD-AFC4-6F175D3DCCD1}">
-              <a14:hiddenFill xmlns:a14="http://schemas.microsoft.com/office/drawing/2010/main">
-                <a:solidFill>
-                  <a:schemeClr val="accent1"/>
-                </a:solidFill>
-              </a14:hiddenFill>
-            </a:ext>
-            <a:ext uri="{91240B29-F687-4F45-9708-019B960494DF}">
-              <a14:hiddenLine xmlns:a14="http://schemas.microsoft.com/office/drawing/2010/main" w="9525">
-                <a:solidFill>
-                  <a:schemeClr val="tx1"/>
-                </a:solidFill>
-                <a:miter lim="800000"/>
-                <a:headEnd/>
-                <a:tailEnd/>
-              </a14:hiddenLine>
-            </a:ext>
-            <a:ext uri="{AF507438-7753-43E0-B8FC-AC1667EBCBE1}">
-              <a14:hiddenEffects xmlns:a14="http://schemas.microsoft.com/office/drawing/2010/main">
-                <a:effectLst>
-                  <a:outerShdw dist="35921" dir="2700000" algn="ctr" rotWithShape="0">
-                    <a:schemeClr val="bg2"/>
-                  </a:outerShdw>
-                </a:effectLst>
-              </a14:hiddenEffects>
-            </a:ext>
-          </a:extLst>
-        </p:spPr>
-      </p:pic>
-      <p:sp>
-        <p:nvSpPr>
-          <p:cNvPr id="6" name="Tekstiruutu 5"/>
-          <p:cNvSpPr txBox="1"/>
-          <p:nvPr/>
-        </p:nvSpPr>
-        <p:spPr>
-          <a:xfrm>
-            <a:off x="395536" y="531582"/>
-            <a:ext cx="1655133" cy="369332"/>
-          </a:xfrm>
-          <a:prstGeom prst="rect">
-            <a:avLst/>
-          </a:prstGeom>
-          <a:noFill/>
-        </p:spPr>
-        <p:txBody>
-          <a:bodyPr wrap="none" rtlCol="0">
-            <a:spAutoFit/>
-          </a:bodyPr>
-          <a:lstStyle/>
-          <a:p>
-            <a:r>
-              <a:rPr lang="fi-FI" dirty="0" smtClean="0"/>
-              <a:t>Toimintamalli</a:t>
-            </a:r>
-            <a:endParaRPr lang="fi-FI" dirty="0"/>
-          </a:p>
-        </p:txBody>
-      </p:sp>
-    </p:spTree>
-    <p:extLst>
-      <p:ext uri="{BB962C8B-B14F-4D97-AF65-F5344CB8AC3E}">
-        <p14:creationId xmlns:p14="http://schemas.microsoft.com/office/powerpoint/2010/main" val="2607154659"/>
-      </p:ext>
-    </p:extLst>
-  </p:cSld>
-  <p:clrMapOvr>
-    <a:masterClrMapping/>
-  </p:clrMapOvr>
-  <p:timing>
-    <p:tnLst>
-      <p:par>
-        <p:cTn id="1" dur="indefinite" restart="never" nodeType="tmRoot"/>
-      </p:par>
-    </p:tnLst>
-  </p:timing>
-</p:sld>
-</file>
-
-<file path=ppt/slides/slide29.xml><?xml version="1.0" encoding="utf-8"?>
-<p:sld xmlns:a="http://schemas.openxmlformats.org/drawingml/2006/main" xmlns:r="http://schemas.openxmlformats.org/officeDocument/2006/relationships" xmlns:p="http://schemas.openxmlformats.org/presentationml/2006/main">
-  <p:cSld>
-    <p:spTree>
-      <p:nvGrpSpPr>
-        <p:cNvPr id="1" name=""/>
-        <p:cNvGrpSpPr/>
-        <p:nvPr/>
-      </p:nvGrpSpPr>
-      <p:grpSpPr>
-        <a:xfrm>
-          <a:off x="0" y="0"/>
-          <a:ext cx="0" cy="0"/>
-          <a:chOff x="0" y="0"/>
-          <a:chExt cx="0" cy="0"/>
-        </a:xfrm>
-      </p:grpSpPr>
-      <p:sp>
-        <p:nvSpPr>
-          <p:cNvPr id="21506" name="Title 1"/>
-          <p:cNvSpPr>
-            <a:spLocks noGrp="1"/>
-          </p:cNvSpPr>
-          <p:nvPr>
-            <p:ph type="title"/>
-          </p:nvPr>
-        </p:nvSpPr>
-        <p:spPr/>
-        <p:txBody>
-          <a:bodyPr/>
-          <a:lstStyle/>
-          <a:p>
-            <a:r>
-              <a:rPr lang="en-US" altLang="fi-FI" b="0" smtClean="0">
-                <a:solidFill>
-                  <a:srgbClr val="000000"/>
-                </a:solidFill>
-                <a:latin typeface="Tahoma" pitchFamily="34" charset="0"/>
-              </a:rPr>
-              <a:t>Asiakastietojen hallinta</a:t>
-            </a:r>
-          </a:p>
-        </p:txBody>
-      </p:sp>
-      <p:pic>
-        <p:nvPicPr>
-          <p:cNvPr id="21511" name="Picture 7" descr="Cover"/>
-          <p:cNvPicPr>
-            <a:picLocks noChangeAspect="1" noChangeArrowheads="1"/>
-          </p:cNvPicPr>
-          <p:nvPr/>
-        </p:nvPicPr>
-        <p:blipFill>
-          <a:blip r:embed="rId2">
-            <a:extLst>
-              <a:ext uri="{28A0092B-C50C-407E-A947-70E740481C1C}">
-                <a14:useLocalDpi xmlns:a14="http://schemas.microsoft.com/office/drawing/2010/main" val="0"/>
-              </a:ext>
-            </a:extLst>
-          </a:blip>
-          <a:srcRect/>
-          <a:stretch>
-            <a:fillRect/>
-          </a:stretch>
-        </p:blipFill>
-        <p:spPr bwMode="auto">
-          <a:xfrm>
-            <a:off x="1714500" y="1295400"/>
-            <a:ext cx="5783263" cy="4725988"/>
-          </a:xfrm>
-          <a:prstGeom prst="rect">
-            <a:avLst/>
-          </a:prstGeom>
-          <a:noFill/>
-          <a:extLst>
-            <a:ext uri="{909E8E84-426E-40DD-AFC4-6F175D3DCCD1}">
-              <a14:hiddenFill xmlns:a14="http://schemas.microsoft.com/office/drawing/2010/main">
-                <a:solidFill>
-                  <a:srgbClr val="FFFFFF"/>
-                </a:solidFill>
-              </a14:hiddenFill>
-            </a:ext>
-          </a:extLst>
-        </p:spPr>
-      </p:pic>
-    </p:spTree>
-    <p:extLst>
-      <p:ext uri="{BB962C8B-B14F-4D97-AF65-F5344CB8AC3E}">
-        <p14:creationId xmlns:p14="http://schemas.microsoft.com/office/powerpoint/2010/main" val="588216511"/>
+        <p14:creationId xmlns:p14="http://schemas.microsoft.com/office/powerpoint/2010/main" val="2961302948"/>
       </p:ext>
     </p:extLst>
   </p:cSld>
@@ -31078,1374 +27516,6 @@
     <p:extLst>
       <p:ext uri="{BB962C8B-B14F-4D97-AF65-F5344CB8AC3E}">
         <p14:creationId xmlns:p14="http://schemas.microsoft.com/office/powerpoint/2010/main" val="2008431468"/>
-      </p:ext>
-    </p:extLst>
-  </p:cSld>
-  <p:clrMapOvr>
-    <a:masterClrMapping/>
-  </p:clrMapOvr>
-  <p:timing>
-    <p:tnLst>
-      <p:par>
-        <p:cTn id="1" dur="indefinite" restart="never" nodeType="tmRoot"/>
-      </p:par>
-    </p:tnLst>
-  </p:timing>
-</p:sld>
-</file>
-
-<file path=ppt/slides/slide30.xml><?xml version="1.0" encoding="utf-8"?>
-<p:sld xmlns:a="http://schemas.openxmlformats.org/drawingml/2006/main" xmlns:r="http://schemas.openxmlformats.org/officeDocument/2006/relationships" xmlns:p="http://schemas.openxmlformats.org/presentationml/2006/main">
-  <p:cSld>
-    <p:spTree>
-      <p:nvGrpSpPr>
-        <p:cNvPr id="1" name=""/>
-        <p:cNvGrpSpPr/>
-        <p:nvPr/>
-      </p:nvGrpSpPr>
-      <p:grpSpPr>
-        <a:xfrm>
-          <a:off x="0" y="0"/>
-          <a:ext cx="0" cy="0"/>
-          <a:chOff x="0" y="0"/>
-          <a:chExt cx="0" cy="0"/>
-        </a:xfrm>
-      </p:grpSpPr>
-      <p:pic>
-        <p:nvPicPr>
-          <p:cNvPr id="6146" name="Picture 2"/>
-          <p:cNvPicPr>
-            <a:picLocks noChangeAspect="1" noChangeArrowheads="1"/>
-          </p:cNvPicPr>
-          <p:nvPr/>
-        </p:nvPicPr>
-        <p:blipFill>
-          <a:blip r:embed="rId2">
-            <a:extLst>
-              <a:ext uri="{28A0092B-C50C-407E-A947-70E740481C1C}">
-                <a14:useLocalDpi xmlns:a14="http://schemas.microsoft.com/office/drawing/2010/main" val="0"/>
-              </a:ext>
-            </a:extLst>
-          </a:blip>
-          <a:srcRect/>
-          <a:stretch>
-            <a:fillRect/>
-          </a:stretch>
-        </p:blipFill>
-        <p:spPr bwMode="auto">
-          <a:xfrm>
-            <a:off x="2267744" y="116632"/>
-            <a:ext cx="5040560" cy="5899847"/>
-          </a:xfrm>
-          <a:prstGeom prst="rect">
-            <a:avLst/>
-          </a:prstGeom>
-          <a:noFill/>
-          <a:ln>
-            <a:noFill/>
-          </a:ln>
-          <a:effectLst/>
-          <a:extLst>
-            <a:ext uri="{909E8E84-426E-40DD-AFC4-6F175D3DCCD1}">
-              <a14:hiddenFill xmlns:a14="http://schemas.microsoft.com/office/drawing/2010/main">
-                <a:solidFill>
-                  <a:schemeClr val="accent1"/>
-                </a:solidFill>
-              </a14:hiddenFill>
-            </a:ext>
-            <a:ext uri="{91240B29-F687-4F45-9708-019B960494DF}">
-              <a14:hiddenLine xmlns:a14="http://schemas.microsoft.com/office/drawing/2010/main" w="9525">
-                <a:solidFill>
-                  <a:schemeClr val="tx1"/>
-                </a:solidFill>
-                <a:miter lim="800000"/>
-                <a:headEnd/>
-                <a:tailEnd/>
-              </a14:hiddenLine>
-            </a:ext>
-            <a:ext uri="{AF507438-7753-43E0-B8FC-AC1667EBCBE1}">
-              <a14:hiddenEffects xmlns:a14="http://schemas.microsoft.com/office/drawing/2010/main">
-                <a:effectLst>
-                  <a:outerShdw dist="35921" dir="2700000" algn="ctr" rotWithShape="0">
-                    <a:schemeClr val="bg2"/>
-                  </a:outerShdw>
-                </a:effectLst>
-              </a14:hiddenEffects>
-            </a:ext>
-          </a:extLst>
-        </p:spPr>
-      </p:pic>
-      <p:sp>
-        <p:nvSpPr>
-          <p:cNvPr id="6" name="Tekstiruutu 5"/>
-          <p:cNvSpPr txBox="1"/>
-          <p:nvPr/>
-        </p:nvSpPr>
-        <p:spPr>
-          <a:xfrm>
-            <a:off x="323528" y="620688"/>
-            <a:ext cx="1895071" cy="461665"/>
-          </a:xfrm>
-          <a:prstGeom prst="rect">
-            <a:avLst/>
-          </a:prstGeom>
-          <a:noFill/>
-        </p:spPr>
-        <p:txBody>
-          <a:bodyPr wrap="none" rtlCol="0">
-            <a:spAutoFit/>
-          </a:bodyPr>
-          <a:lstStyle/>
-          <a:p>
-            <a:r>
-              <a:rPr lang="fi-FI" sz="2400" dirty="0" smtClean="0"/>
-              <a:t>Päätösmalli</a:t>
-            </a:r>
-            <a:endParaRPr lang="fi-FI" dirty="0"/>
-          </a:p>
-        </p:txBody>
-      </p:sp>
-    </p:spTree>
-    <p:extLst>
-      <p:ext uri="{BB962C8B-B14F-4D97-AF65-F5344CB8AC3E}">
-        <p14:creationId xmlns:p14="http://schemas.microsoft.com/office/powerpoint/2010/main" val="1440255282"/>
-      </p:ext>
-    </p:extLst>
-  </p:cSld>
-  <p:clrMapOvr>
-    <a:masterClrMapping/>
-  </p:clrMapOvr>
-  <p:timing>
-    <p:tnLst>
-      <p:par>
-        <p:cTn id="1" dur="indefinite" restart="never" nodeType="tmRoot"/>
-      </p:par>
-    </p:tnLst>
-  </p:timing>
-</p:sld>
-</file>
-
-<file path=ppt/slides/slide31.xml><?xml version="1.0" encoding="utf-8"?>
-<p:sld xmlns:a="http://schemas.openxmlformats.org/drawingml/2006/main" xmlns:r="http://schemas.openxmlformats.org/officeDocument/2006/relationships" xmlns:p="http://schemas.openxmlformats.org/presentationml/2006/main">
-  <p:cSld>
-    <p:spTree>
-      <p:nvGrpSpPr>
-        <p:cNvPr id="1" name=""/>
-        <p:cNvGrpSpPr/>
-        <p:nvPr/>
-      </p:nvGrpSpPr>
-      <p:grpSpPr>
-        <a:xfrm>
-          <a:off x="0" y="0"/>
-          <a:ext cx="0" cy="0"/>
-          <a:chOff x="0" y="0"/>
-          <a:chExt cx="0" cy="0"/>
-        </a:xfrm>
-      </p:grpSpPr>
-      <p:pic>
-        <p:nvPicPr>
-          <p:cNvPr id="3074" name="Picture 2"/>
-          <p:cNvPicPr>
-            <a:picLocks noChangeAspect="1" noChangeArrowheads="1"/>
-          </p:cNvPicPr>
-          <p:nvPr/>
-        </p:nvPicPr>
-        <p:blipFill>
-          <a:blip r:embed="rId2">
-            <a:extLst>
-              <a:ext uri="{28A0092B-C50C-407E-A947-70E740481C1C}">
-                <a14:useLocalDpi xmlns:a14="http://schemas.microsoft.com/office/drawing/2010/main" val="0"/>
-              </a:ext>
-            </a:extLst>
-          </a:blip>
-          <a:srcRect/>
-          <a:stretch>
-            <a:fillRect/>
-          </a:stretch>
-        </p:blipFill>
-        <p:spPr bwMode="auto">
-          <a:xfrm>
-            <a:off x="467544" y="235678"/>
-            <a:ext cx="8064895" cy="5694202"/>
-          </a:xfrm>
-          <a:prstGeom prst="rect">
-            <a:avLst/>
-          </a:prstGeom>
-          <a:noFill/>
-          <a:ln>
-            <a:noFill/>
-          </a:ln>
-          <a:effectLst/>
-          <a:extLst>
-            <a:ext uri="{909E8E84-426E-40DD-AFC4-6F175D3DCCD1}">
-              <a14:hiddenFill xmlns:a14="http://schemas.microsoft.com/office/drawing/2010/main">
-                <a:solidFill>
-                  <a:schemeClr val="accent1"/>
-                </a:solidFill>
-              </a14:hiddenFill>
-            </a:ext>
-            <a:ext uri="{91240B29-F687-4F45-9708-019B960494DF}">
-              <a14:hiddenLine xmlns:a14="http://schemas.microsoft.com/office/drawing/2010/main" w="9525">
-                <a:solidFill>
-                  <a:schemeClr val="tx1"/>
-                </a:solidFill>
-                <a:miter lim="800000"/>
-                <a:headEnd/>
-                <a:tailEnd/>
-              </a14:hiddenLine>
-            </a:ext>
-            <a:ext uri="{AF507438-7753-43E0-B8FC-AC1667EBCBE1}">
-              <a14:hiddenEffects xmlns:a14="http://schemas.microsoft.com/office/drawing/2010/main">
-                <a:effectLst>
-                  <a:outerShdw dist="35921" dir="2700000" algn="ctr" rotWithShape="0">
-                    <a:schemeClr val="bg2"/>
-                  </a:outerShdw>
-                </a:effectLst>
-              </a14:hiddenEffects>
-            </a:ext>
-          </a:extLst>
-        </p:spPr>
-      </p:pic>
-      <p:sp>
-        <p:nvSpPr>
-          <p:cNvPr id="6" name="Suorakulmio 5"/>
-          <p:cNvSpPr/>
-          <p:nvPr/>
-        </p:nvSpPr>
-        <p:spPr bwMode="auto">
-          <a:xfrm>
-            <a:off x="611560" y="4888560"/>
-            <a:ext cx="2160240" cy="1060720"/>
-          </a:xfrm>
-          <a:prstGeom prst="rect">
-            <a:avLst/>
-          </a:prstGeom>
-          <a:solidFill>
-            <a:schemeClr val="bg1">
-              <a:lumMod val="75000"/>
-              <a:alpha val="79000"/>
-            </a:schemeClr>
-          </a:solidFill>
-          <a:ln w="9525" cap="flat" cmpd="sng" algn="ctr">
-            <a:solidFill>
-              <a:schemeClr val="tx1"/>
-            </a:solidFill>
-            <a:prstDash val="solid"/>
-            <a:round/>
-            <a:headEnd type="none" w="med" len="med"/>
-            <a:tailEnd type="none" w="med" len="med"/>
-          </a:ln>
-          <a:effectLst/>
-          <a:extLst/>
-        </p:spPr>
-        <p:txBody>
-          <a:bodyPr vert="horz" wrap="none" lIns="90000" tIns="46800" rIns="90000" bIns="46800" numCol="1" rtlCol="0" anchor="ctr" anchorCtr="0" compatLnSpc="1">
-            <a:prstTxWarp prst="textNoShape">
-              <a:avLst/>
-            </a:prstTxWarp>
-          </a:bodyPr>
-          <a:lstStyle/>
-          <a:p>
-            <a:pPr marL="0" marR="0" indent="0" algn="ctr" defTabSz="914400" rtl="0" eaLnBrk="1" fontAlgn="base" latinLnBrk="0" hangingPunct="1">
-              <a:lnSpc>
-                <a:spcPct val="100000"/>
-              </a:lnSpc>
-              <a:spcBef>
-                <a:spcPct val="0"/>
-              </a:spcBef>
-              <a:spcAft>
-                <a:spcPct val="0"/>
-              </a:spcAft>
-              <a:buClrTx/>
-              <a:buSzTx/>
-              <a:buFontTx/>
-              <a:buNone/>
-              <a:tabLst/>
-            </a:pPr>
-            <a:endParaRPr kumimoji="0" lang="fi-FI" sz="1800" b="1" i="0" u="none" strike="noStrike" cap="none" normalizeH="0" baseline="0" smtClean="0">
-              <a:ln>
-                <a:noFill/>
-              </a:ln>
-              <a:solidFill>
-                <a:schemeClr val="tx1"/>
-              </a:solidFill>
-              <a:effectLst/>
-              <a:latin typeface="Arial" charset="0"/>
-            </a:endParaRPr>
-          </a:p>
-        </p:txBody>
-      </p:sp>
-      <p:sp>
-        <p:nvSpPr>
-          <p:cNvPr id="7" name="Tekstiruutu 6"/>
-          <p:cNvSpPr txBox="1"/>
-          <p:nvPr/>
-        </p:nvSpPr>
-        <p:spPr>
-          <a:xfrm>
-            <a:off x="3707904" y="5418920"/>
-            <a:ext cx="3379451" cy="461665"/>
-          </a:xfrm>
-          <a:prstGeom prst="rect">
-            <a:avLst/>
-          </a:prstGeom>
-          <a:noFill/>
-        </p:spPr>
-        <p:txBody>
-          <a:bodyPr wrap="none" rtlCol="0">
-            <a:spAutoFit/>
-          </a:bodyPr>
-          <a:lstStyle/>
-          <a:p>
-            <a:r>
-              <a:rPr lang="fi-FI" sz="2400" dirty="0" smtClean="0"/>
-              <a:t>Käsitemalli (looginen)</a:t>
-            </a:r>
-            <a:endParaRPr lang="fi-FI" sz="2400" dirty="0"/>
-          </a:p>
-        </p:txBody>
-      </p:sp>
-    </p:spTree>
-    <p:extLst>
-      <p:ext uri="{BB962C8B-B14F-4D97-AF65-F5344CB8AC3E}">
-        <p14:creationId xmlns:p14="http://schemas.microsoft.com/office/powerpoint/2010/main" val="3110461259"/>
-      </p:ext>
-    </p:extLst>
-  </p:cSld>
-  <p:clrMapOvr>
-    <a:masterClrMapping/>
-  </p:clrMapOvr>
-  <p:timing>
-    <p:tnLst>
-      <p:par>
-        <p:cTn id="1" dur="indefinite" restart="never" nodeType="tmRoot"/>
-      </p:par>
-    </p:tnLst>
-  </p:timing>
-</p:sld>
-</file>
-
-<file path=ppt/slides/slide32.xml><?xml version="1.0" encoding="utf-8"?>
-<p:sld xmlns:a="http://schemas.openxmlformats.org/drawingml/2006/main" xmlns:r="http://schemas.openxmlformats.org/officeDocument/2006/relationships" xmlns:p="http://schemas.openxmlformats.org/presentationml/2006/main">
-  <p:cSld>
-    <p:spTree>
-      <p:nvGrpSpPr>
-        <p:cNvPr id="1" name=""/>
-        <p:cNvGrpSpPr/>
-        <p:nvPr/>
-      </p:nvGrpSpPr>
-      <p:grpSpPr>
-        <a:xfrm>
-          <a:off x="0" y="0"/>
-          <a:ext cx="0" cy="0"/>
-          <a:chOff x="0" y="0"/>
-          <a:chExt cx="0" cy="0"/>
-        </a:xfrm>
-      </p:grpSpPr>
-      <p:sp>
-        <p:nvSpPr>
-          <p:cNvPr id="21506" name="Title 1"/>
-          <p:cNvSpPr>
-            <a:spLocks noGrp="1"/>
-          </p:cNvSpPr>
-          <p:nvPr>
-            <p:ph type="title"/>
-          </p:nvPr>
-        </p:nvSpPr>
-        <p:spPr>
-          <a:xfrm>
-            <a:off x="0" y="44624"/>
-            <a:ext cx="9036496" cy="828328"/>
-          </a:xfrm>
-        </p:spPr>
-        <p:txBody>
-          <a:bodyPr/>
-          <a:lstStyle/>
-          <a:p>
-            <a:pPr algn="ctr"/>
-            <a:r>
-              <a:rPr lang="en-US" altLang="fi-FI" b="0" dirty="0" err="1" smtClean="0">
-                <a:solidFill>
-                  <a:srgbClr val="000000"/>
-                </a:solidFill>
-                <a:latin typeface="Tahoma" pitchFamily="34" charset="0"/>
-              </a:rPr>
-              <a:t>Tietojärjestelmäkartta</a:t>
-            </a:r>
-            <a:r>
-              <a:rPr lang="en-US" altLang="fi-FI" b="0" dirty="0" smtClean="0">
-                <a:solidFill>
-                  <a:srgbClr val="000000"/>
-                </a:solidFill>
-                <a:latin typeface="Tahoma" pitchFamily="34" charset="0"/>
-              </a:rPr>
-              <a:t> (</a:t>
-            </a:r>
-            <a:r>
-              <a:rPr lang="en-US" altLang="fi-FI" b="0" dirty="0" err="1" smtClean="0">
-                <a:solidFill>
-                  <a:srgbClr val="000000"/>
-                </a:solidFill>
-                <a:latin typeface="Tahoma" pitchFamily="34" charset="0"/>
-              </a:rPr>
-              <a:t>loogiset</a:t>
-            </a:r>
-            <a:r>
-              <a:rPr lang="en-US" altLang="fi-FI" b="0" dirty="0" smtClean="0">
-                <a:solidFill>
-                  <a:srgbClr val="000000"/>
-                </a:solidFill>
-                <a:latin typeface="Tahoma" pitchFamily="34" charset="0"/>
-              </a:rPr>
-              <a:t> </a:t>
-            </a:r>
-            <a:r>
-              <a:rPr lang="en-US" altLang="fi-FI" b="0" dirty="0" err="1" smtClean="0">
-                <a:solidFill>
-                  <a:srgbClr val="000000"/>
-                </a:solidFill>
-                <a:latin typeface="Tahoma" pitchFamily="34" charset="0"/>
-              </a:rPr>
-              <a:t>järjestelmät</a:t>
-            </a:r>
-            <a:r>
-              <a:rPr lang="en-US" altLang="fi-FI" b="0" dirty="0" smtClean="0">
-                <a:solidFill>
-                  <a:srgbClr val="000000"/>
-                </a:solidFill>
-                <a:latin typeface="Tahoma" pitchFamily="34" charset="0"/>
-              </a:rPr>
-              <a:t>)</a:t>
-            </a:r>
-          </a:p>
-        </p:txBody>
-      </p:sp>
-      <p:pic>
-        <p:nvPicPr>
-          <p:cNvPr id="21511" name="Picture 7" descr="Cover"/>
-          <p:cNvPicPr>
-            <a:picLocks noChangeAspect="1" noChangeArrowheads="1"/>
-          </p:cNvPicPr>
-          <p:nvPr/>
-        </p:nvPicPr>
-        <p:blipFill>
-          <a:blip r:embed="rId2">
-            <a:extLst>
-              <a:ext uri="{28A0092B-C50C-407E-A947-70E740481C1C}">
-                <a14:useLocalDpi xmlns:a14="http://schemas.microsoft.com/office/drawing/2010/main" val="0"/>
-              </a:ext>
-            </a:extLst>
-          </a:blip>
-          <a:srcRect/>
-          <a:stretch>
-            <a:fillRect/>
-          </a:stretch>
-        </p:blipFill>
-        <p:spPr bwMode="auto">
-          <a:xfrm>
-            <a:off x="755576" y="816008"/>
-            <a:ext cx="7488832" cy="5233393"/>
-          </a:xfrm>
-          <a:prstGeom prst="rect">
-            <a:avLst/>
-          </a:prstGeom>
-          <a:noFill/>
-          <a:extLst>
-            <a:ext uri="{909E8E84-426E-40DD-AFC4-6F175D3DCCD1}">
-              <a14:hiddenFill xmlns:a14="http://schemas.microsoft.com/office/drawing/2010/main">
-                <a:solidFill>
-                  <a:srgbClr val="FFFFFF"/>
-                </a:solidFill>
-              </a14:hiddenFill>
-            </a:ext>
-          </a:extLst>
-        </p:spPr>
-      </p:pic>
-    </p:spTree>
-    <p:extLst>
-      <p:ext uri="{BB962C8B-B14F-4D97-AF65-F5344CB8AC3E}">
-        <p14:creationId xmlns:p14="http://schemas.microsoft.com/office/powerpoint/2010/main" val="1593944457"/>
-      </p:ext>
-    </p:extLst>
-  </p:cSld>
-  <p:clrMapOvr>
-    <a:masterClrMapping/>
-  </p:clrMapOvr>
-  <p:timing>
-    <p:tnLst>
-      <p:par>
-        <p:cTn id="1" dur="indefinite" restart="never" nodeType="tmRoot"/>
-      </p:par>
-    </p:tnLst>
-  </p:timing>
-</p:sld>
-</file>
-
-<file path=ppt/slides/slide33.xml><?xml version="1.0" encoding="utf-8"?>
-<p:sld xmlns:a="http://schemas.openxmlformats.org/drawingml/2006/main" xmlns:r="http://schemas.openxmlformats.org/officeDocument/2006/relationships" xmlns:p="http://schemas.openxmlformats.org/presentationml/2006/main">
-  <p:cSld>
-    <p:spTree>
-      <p:nvGrpSpPr>
-        <p:cNvPr id="1" name=""/>
-        <p:cNvGrpSpPr/>
-        <p:nvPr/>
-      </p:nvGrpSpPr>
-      <p:grpSpPr>
-        <a:xfrm>
-          <a:off x="0" y="0"/>
-          <a:ext cx="0" cy="0"/>
-          <a:chOff x="0" y="0"/>
-          <a:chExt cx="0" cy="0"/>
-        </a:xfrm>
-      </p:grpSpPr>
-      <p:pic>
-        <p:nvPicPr>
-          <p:cNvPr id="2050" name="Picture 2"/>
-          <p:cNvPicPr>
-            <a:picLocks noChangeAspect="1" noChangeArrowheads="1"/>
-          </p:cNvPicPr>
-          <p:nvPr/>
-        </p:nvPicPr>
-        <p:blipFill>
-          <a:blip r:embed="rId2" cstate="print">
-            <a:extLst>
-              <a:ext uri="{28A0092B-C50C-407E-A947-70E740481C1C}">
-                <a14:useLocalDpi xmlns:a14="http://schemas.microsoft.com/office/drawing/2010/main" val="0"/>
-              </a:ext>
-            </a:extLst>
-          </a:blip>
-          <a:srcRect/>
-          <a:stretch>
-            <a:fillRect/>
-          </a:stretch>
-        </p:blipFill>
-        <p:spPr bwMode="auto">
-          <a:xfrm>
-            <a:off x="2699792" y="116632"/>
-            <a:ext cx="2823828" cy="5922293"/>
-          </a:xfrm>
-          <a:prstGeom prst="rect">
-            <a:avLst/>
-          </a:prstGeom>
-          <a:noFill/>
-          <a:ln>
-            <a:noFill/>
-          </a:ln>
-          <a:effectLst/>
-          <a:extLst>
-            <a:ext uri="{909E8E84-426E-40DD-AFC4-6F175D3DCCD1}">
-              <a14:hiddenFill xmlns:a14="http://schemas.microsoft.com/office/drawing/2010/main">
-                <a:solidFill>
-                  <a:schemeClr val="accent1"/>
-                </a:solidFill>
-              </a14:hiddenFill>
-            </a:ext>
-            <a:ext uri="{91240B29-F687-4F45-9708-019B960494DF}">
-              <a14:hiddenLine xmlns:a14="http://schemas.microsoft.com/office/drawing/2010/main" w="9525">
-                <a:solidFill>
-                  <a:schemeClr val="tx1"/>
-                </a:solidFill>
-                <a:miter lim="800000"/>
-                <a:headEnd/>
-                <a:tailEnd/>
-              </a14:hiddenLine>
-            </a:ext>
-            <a:ext uri="{AF507438-7753-43E0-B8FC-AC1667EBCBE1}">
-              <a14:hiddenEffects xmlns:a14="http://schemas.microsoft.com/office/drawing/2010/main">
-                <a:effectLst>
-                  <a:outerShdw dist="35921" dir="2700000" algn="ctr" rotWithShape="0">
-                    <a:schemeClr val="bg2"/>
-                  </a:outerShdw>
-                </a:effectLst>
-              </a14:hiddenEffects>
-            </a:ext>
-          </a:extLst>
-        </p:spPr>
-      </p:pic>
-      <p:sp>
-        <p:nvSpPr>
-          <p:cNvPr id="6" name="Tekstiruutu 5"/>
-          <p:cNvSpPr txBox="1"/>
-          <p:nvPr/>
-        </p:nvSpPr>
-        <p:spPr>
-          <a:xfrm>
-            <a:off x="827584" y="620688"/>
-            <a:ext cx="3264035" cy="523220"/>
-          </a:xfrm>
-          <a:prstGeom prst="rect">
-            <a:avLst/>
-          </a:prstGeom>
-          <a:noFill/>
-        </p:spPr>
-        <p:txBody>
-          <a:bodyPr wrap="none" rtlCol="0">
-            <a:spAutoFit/>
-          </a:bodyPr>
-          <a:lstStyle/>
-          <a:p>
-            <a:r>
-              <a:rPr lang="fi-FI" sz="2800" dirty="0" smtClean="0"/>
-              <a:t>Integraatiokuvaus</a:t>
-            </a:r>
-            <a:endParaRPr lang="fi-FI" dirty="0"/>
-          </a:p>
-        </p:txBody>
-      </p:sp>
-    </p:spTree>
-    <p:extLst>
-      <p:ext uri="{BB962C8B-B14F-4D97-AF65-F5344CB8AC3E}">
-        <p14:creationId xmlns:p14="http://schemas.microsoft.com/office/powerpoint/2010/main" val="3085829576"/>
-      </p:ext>
-    </p:extLst>
-  </p:cSld>
-  <p:clrMapOvr>
-    <a:masterClrMapping/>
-  </p:clrMapOvr>
-  <p:timing>
-    <p:tnLst>
-      <p:par>
-        <p:cTn id="1" dur="indefinite" restart="never" nodeType="tmRoot"/>
-      </p:par>
-    </p:tnLst>
-  </p:timing>
-</p:sld>
-</file>
-
-<file path=ppt/slides/slide34.xml><?xml version="1.0" encoding="utf-8"?>
-<p:sld xmlns:a="http://schemas.openxmlformats.org/drawingml/2006/main" xmlns:r="http://schemas.openxmlformats.org/officeDocument/2006/relationships" xmlns:p="http://schemas.openxmlformats.org/presentationml/2006/main">
-  <p:cSld>
-    <p:spTree>
-      <p:nvGrpSpPr>
-        <p:cNvPr id="1" name=""/>
-        <p:cNvGrpSpPr/>
-        <p:nvPr/>
-      </p:nvGrpSpPr>
-      <p:grpSpPr>
-        <a:xfrm>
-          <a:off x="0" y="0"/>
-          <a:ext cx="0" cy="0"/>
-          <a:chOff x="0" y="0"/>
-          <a:chExt cx="0" cy="0"/>
-        </a:xfrm>
-      </p:grpSpPr>
-      <p:sp>
-        <p:nvSpPr>
-          <p:cNvPr id="2" name="Otsikko 1"/>
-          <p:cNvSpPr>
-            <a:spLocks noGrp="1"/>
-          </p:cNvSpPr>
-          <p:nvPr>
-            <p:ph type="title"/>
-          </p:nvPr>
-        </p:nvSpPr>
-        <p:spPr>
-          <a:xfrm>
-            <a:off x="381000" y="152400"/>
-            <a:ext cx="7772400" cy="900336"/>
-          </a:xfrm>
-        </p:spPr>
-        <p:txBody>
-          <a:bodyPr/>
-          <a:lstStyle/>
-          <a:p>
-            <a:r>
-              <a:rPr lang="fi-FI" dirty="0" smtClean="0"/>
-              <a:t>Tietokantakaavio</a:t>
-            </a:r>
-            <a:endParaRPr lang="fi-FI" dirty="0"/>
-          </a:p>
-        </p:txBody>
-      </p:sp>
-      <p:pic>
-        <p:nvPicPr>
-          <p:cNvPr id="7170" name="Picture 2"/>
-          <p:cNvPicPr>
-            <a:picLocks noChangeAspect="1" noChangeArrowheads="1"/>
-          </p:cNvPicPr>
-          <p:nvPr/>
-        </p:nvPicPr>
-        <p:blipFill>
-          <a:blip r:embed="rId2">
-            <a:extLst>
-              <a:ext uri="{28A0092B-C50C-407E-A947-70E740481C1C}">
-                <a14:useLocalDpi xmlns:a14="http://schemas.microsoft.com/office/drawing/2010/main" val="0"/>
-              </a:ext>
-            </a:extLst>
-          </a:blip>
-          <a:srcRect/>
-          <a:stretch>
-            <a:fillRect/>
-          </a:stretch>
-        </p:blipFill>
-        <p:spPr bwMode="auto">
-          <a:xfrm>
-            <a:off x="1403648" y="908720"/>
-            <a:ext cx="6467105" cy="4948411"/>
-          </a:xfrm>
-          <a:prstGeom prst="rect">
-            <a:avLst/>
-          </a:prstGeom>
-          <a:noFill/>
-          <a:ln>
-            <a:noFill/>
-          </a:ln>
-          <a:effectLst/>
-          <a:extLst>
-            <a:ext uri="{909E8E84-426E-40DD-AFC4-6F175D3DCCD1}">
-              <a14:hiddenFill xmlns:a14="http://schemas.microsoft.com/office/drawing/2010/main">
-                <a:solidFill>
-                  <a:schemeClr val="accent1"/>
-                </a:solidFill>
-              </a14:hiddenFill>
-            </a:ext>
-            <a:ext uri="{91240B29-F687-4F45-9708-019B960494DF}">
-              <a14:hiddenLine xmlns:a14="http://schemas.microsoft.com/office/drawing/2010/main" w="9525">
-                <a:solidFill>
-                  <a:schemeClr val="tx1"/>
-                </a:solidFill>
-                <a:miter lim="800000"/>
-                <a:headEnd/>
-                <a:tailEnd/>
-              </a14:hiddenLine>
-            </a:ext>
-            <a:ext uri="{AF507438-7753-43E0-B8FC-AC1667EBCBE1}">
-              <a14:hiddenEffects xmlns:a14="http://schemas.microsoft.com/office/drawing/2010/main">
-                <a:effectLst>
-                  <a:outerShdw dist="35921" dir="2700000" algn="ctr" rotWithShape="0">
-                    <a:schemeClr val="bg2"/>
-                  </a:outerShdw>
-                </a:effectLst>
-              </a14:hiddenEffects>
-            </a:ext>
-          </a:extLst>
-        </p:spPr>
-      </p:pic>
-    </p:spTree>
-    <p:extLst>
-      <p:ext uri="{BB962C8B-B14F-4D97-AF65-F5344CB8AC3E}">
-        <p14:creationId xmlns:p14="http://schemas.microsoft.com/office/powerpoint/2010/main" val="3569258681"/>
-      </p:ext>
-    </p:extLst>
-  </p:cSld>
-  <p:clrMapOvr>
-    <a:masterClrMapping/>
-  </p:clrMapOvr>
-  <p:timing>
-    <p:tnLst>
-      <p:par>
-        <p:cTn id="1" dur="indefinite" restart="never" nodeType="tmRoot"/>
-      </p:par>
-    </p:tnLst>
-  </p:timing>
-</p:sld>
-</file>
-
-<file path=ppt/slides/slide35.xml><?xml version="1.0" encoding="utf-8"?>
-<p:sld xmlns:a="http://schemas.openxmlformats.org/drawingml/2006/main" xmlns:r="http://schemas.openxmlformats.org/officeDocument/2006/relationships" xmlns:p="http://schemas.openxmlformats.org/presentationml/2006/main">
-  <p:cSld>
-    <p:spTree>
-      <p:nvGrpSpPr>
-        <p:cNvPr id="1" name=""/>
-        <p:cNvGrpSpPr/>
-        <p:nvPr/>
-      </p:nvGrpSpPr>
-      <p:grpSpPr>
-        <a:xfrm>
-          <a:off x="0" y="0"/>
-          <a:ext cx="0" cy="0"/>
-          <a:chOff x="0" y="0"/>
-          <a:chExt cx="0" cy="0"/>
-        </a:xfrm>
-      </p:grpSpPr>
-      <p:sp>
-        <p:nvSpPr>
-          <p:cNvPr id="2" name="Otsikko 1"/>
-          <p:cNvSpPr>
-            <a:spLocks noGrp="1"/>
-          </p:cNvSpPr>
-          <p:nvPr>
-            <p:ph type="title"/>
-          </p:nvPr>
-        </p:nvSpPr>
-        <p:spPr/>
-        <p:txBody>
-          <a:bodyPr/>
-          <a:lstStyle/>
-          <a:p>
-            <a:r>
-              <a:rPr lang="fi-FI" dirty="0" smtClean="0"/>
-              <a:t>Teknologiakartta</a:t>
-            </a:r>
-            <a:endParaRPr lang="fi-FI" dirty="0"/>
-          </a:p>
-        </p:txBody>
-      </p:sp>
-      <p:pic>
-        <p:nvPicPr>
-          <p:cNvPr id="8194" name="Picture 2"/>
-          <p:cNvPicPr>
-            <a:picLocks noChangeAspect="1" noChangeArrowheads="1"/>
-          </p:cNvPicPr>
-          <p:nvPr/>
-        </p:nvPicPr>
-        <p:blipFill>
-          <a:blip r:embed="rId2">
-            <a:extLst>
-              <a:ext uri="{28A0092B-C50C-407E-A947-70E740481C1C}">
-                <a14:useLocalDpi xmlns:a14="http://schemas.microsoft.com/office/drawing/2010/main" val="0"/>
-              </a:ext>
-            </a:extLst>
-          </a:blip>
-          <a:srcRect/>
-          <a:stretch>
-            <a:fillRect/>
-          </a:stretch>
-        </p:blipFill>
-        <p:spPr bwMode="auto">
-          <a:xfrm>
-            <a:off x="35496" y="1772816"/>
-            <a:ext cx="9124088" cy="3888432"/>
-          </a:xfrm>
-          <a:prstGeom prst="rect">
-            <a:avLst/>
-          </a:prstGeom>
-          <a:noFill/>
-          <a:ln>
-            <a:noFill/>
-          </a:ln>
-          <a:effectLst/>
-          <a:extLst>
-            <a:ext uri="{909E8E84-426E-40DD-AFC4-6F175D3DCCD1}">
-              <a14:hiddenFill xmlns:a14="http://schemas.microsoft.com/office/drawing/2010/main">
-                <a:solidFill>
-                  <a:schemeClr val="accent1"/>
-                </a:solidFill>
-              </a14:hiddenFill>
-            </a:ext>
-            <a:ext uri="{91240B29-F687-4F45-9708-019B960494DF}">
-              <a14:hiddenLine xmlns:a14="http://schemas.microsoft.com/office/drawing/2010/main" w="9525">
-                <a:solidFill>
-                  <a:schemeClr val="tx1"/>
-                </a:solidFill>
-                <a:miter lim="800000"/>
-                <a:headEnd/>
-                <a:tailEnd/>
-              </a14:hiddenLine>
-            </a:ext>
-            <a:ext uri="{AF507438-7753-43E0-B8FC-AC1667EBCBE1}">
-              <a14:hiddenEffects xmlns:a14="http://schemas.microsoft.com/office/drawing/2010/main">
-                <a:effectLst>
-                  <a:outerShdw dist="35921" dir="2700000" algn="ctr" rotWithShape="0">
-                    <a:schemeClr val="bg2"/>
-                  </a:outerShdw>
-                </a:effectLst>
-              </a14:hiddenEffects>
-            </a:ext>
-          </a:extLst>
-        </p:spPr>
-      </p:pic>
-    </p:spTree>
-    <p:extLst>
-      <p:ext uri="{BB962C8B-B14F-4D97-AF65-F5344CB8AC3E}">
-        <p14:creationId xmlns:p14="http://schemas.microsoft.com/office/powerpoint/2010/main" val="67875402"/>
-      </p:ext>
-    </p:extLst>
-  </p:cSld>
-  <p:clrMapOvr>
-    <a:masterClrMapping/>
-  </p:clrMapOvr>
-  <p:timing>
-    <p:tnLst>
-      <p:par>
-        <p:cTn id="1" dur="indefinite" restart="never" nodeType="tmRoot"/>
-      </p:par>
-    </p:tnLst>
-  </p:timing>
-</p:sld>
-</file>
-
-<file path=ppt/slides/slide36.xml><?xml version="1.0" encoding="utf-8"?>
-<p:sld xmlns:a="http://schemas.openxmlformats.org/drawingml/2006/main" xmlns:r="http://schemas.openxmlformats.org/officeDocument/2006/relationships" xmlns:p="http://schemas.openxmlformats.org/presentationml/2006/main">
-  <p:cSld>
-    <p:spTree>
-      <p:nvGrpSpPr>
-        <p:cNvPr id="1" name=""/>
-        <p:cNvGrpSpPr/>
-        <p:nvPr/>
-      </p:nvGrpSpPr>
-      <p:grpSpPr>
-        <a:xfrm>
-          <a:off x="0" y="0"/>
-          <a:ext cx="0" cy="0"/>
-          <a:chOff x="0" y="0"/>
-          <a:chExt cx="0" cy="0"/>
-        </a:xfrm>
-      </p:grpSpPr>
-      <p:sp>
-        <p:nvSpPr>
-          <p:cNvPr id="2" name="Otsikko 1"/>
-          <p:cNvSpPr>
-            <a:spLocks noGrp="1"/>
-          </p:cNvSpPr>
-          <p:nvPr>
-            <p:ph type="title"/>
-          </p:nvPr>
-        </p:nvSpPr>
-        <p:spPr>
-          <a:xfrm>
-            <a:off x="0" y="152400"/>
-            <a:ext cx="9144000" cy="1143000"/>
-          </a:xfrm>
-        </p:spPr>
-        <p:txBody>
-          <a:bodyPr/>
-          <a:lstStyle/>
-          <a:p>
-            <a:pPr algn="ctr"/>
-            <a:r>
-              <a:rPr lang="fi-FI" dirty="0" smtClean="0"/>
-              <a:t>Miten kokonaisarkkitehtuuria on edistetty</a:t>
-            </a:r>
-            <a:endParaRPr lang="fi-FI" dirty="0"/>
-          </a:p>
-        </p:txBody>
-      </p:sp>
-      <p:sp>
-        <p:nvSpPr>
-          <p:cNvPr id="3" name="Sisällön paikkamerkki 2"/>
-          <p:cNvSpPr>
-            <a:spLocks noGrp="1"/>
-          </p:cNvSpPr>
-          <p:nvPr>
-            <p:ph idx="1"/>
-          </p:nvPr>
-        </p:nvSpPr>
-        <p:spPr>
-          <a:xfrm>
-            <a:off x="611560" y="1268760"/>
-            <a:ext cx="8227640" cy="4751040"/>
-          </a:xfrm>
-        </p:spPr>
-        <p:txBody>
-          <a:bodyPr/>
-          <a:lstStyle/>
-          <a:p>
-            <a:r>
-              <a:rPr lang="fi-FI" sz="2400" b="0" dirty="0" smtClean="0"/>
-              <a:t>2010-11 kokonaisarkkitehtuurilla pystyttiin tekemään päätös Verohallinnon järjestelmien kokonaisuudistuksesta valmisohjelmistopohjaisesti</a:t>
-            </a:r>
-          </a:p>
-          <a:p>
-            <a:pPr lvl="1"/>
-            <a:r>
-              <a:rPr lang="fi-FI" sz="2000" dirty="0" smtClean="0"/>
-              <a:t>Kokonaisarkkitehtuuri menetelmänä sai jalansijaa</a:t>
-            </a:r>
-            <a:endParaRPr lang="fi-FI" sz="2000" b="0" dirty="0" smtClean="0"/>
-          </a:p>
-          <a:p>
-            <a:r>
-              <a:rPr lang="fi-FI" sz="2400" b="0" dirty="0" smtClean="0"/>
-              <a:t>Kokonaisarkkitehtuurin osaajien määrää kasvatettu</a:t>
-            </a:r>
-          </a:p>
-          <a:p>
-            <a:pPr lvl="1"/>
-            <a:r>
-              <a:rPr lang="fi-FI" sz="2000" dirty="0" smtClean="0"/>
-              <a:t>Liiketoiminnassa (toiminta ja tietoarkkitehtuuri)</a:t>
-            </a:r>
-          </a:p>
-          <a:p>
-            <a:pPr lvl="1"/>
-            <a:r>
-              <a:rPr lang="fi-FI" sz="2000" dirty="0"/>
-              <a:t>T</a:t>
-            </a:r>
-            <a:r>
-              <a:rPr lang="fi-FI" sz="2000" b="0" dirty="0" smtClean="0"/>
-              <a:t>ietohallinnossa (Kokonaisarkkitehtuuri, tietojärjestelmä ja tekninen arkkitehtuuri)</a:t>
-            </a:r>
-          </a:p>
-          <a:p>
-            <a:pPr lvl="1"/>
-            <a:r>
-              <a:rPr lang="fi-FI" sz="2000" dirty="0" smtClean="0"/>
-              <a:t>Arkkitehtuuriverkostossa nyt noin 100 mallintajaa eri osa-alueilla</a:t>
-            </a:r>
-            <a:endParaRPr lang="fi-FI" sz="2000" b="0" dirty="0" smtClean="0"/>
-          </a:p>
-          <a:p>
-            <a:r>
-              <a:rPr lang="fi-FI" sz="2400" b="0" dirty="0" smtClean="0"/>
-              <a:t>Kokonaisarkkitehtuurin työvälineistöä kehitetty</a:t>
-            </a:r>
-          </a:p>
-          <a:p>
-            <a:pPr lvl="1"/>
-            <a:r>
-              <a:rPr lang="fi-FI" sz="2000" dirty="0" smtClean="0"/>
-              <a:t>QPR EA, metamallia kehitetty Verohallinnon toivomalla tavalla</a:t>
-            </a:r>
-          </a:p>
-          <a:p>
-            <a:r>
-              <a:rPr lang="fi-FI" sz="2400" b="0" dirty="0" smtClean="0"/>
-              <a:t>Panostusta </a:t>
-            </a:r>
-            <a:r>
-              <a:rPr lang="fi-FI" sz="2400" b="0" dirty="0" err="1" smtClean="0"/>
-              <a:t>KA-konsultointiin</a:t>
-            </a:r>
-            <a:r>
-              <a:rPr lang="fi-FI" sz="2400" b="0" dirty="0" smtClean="0"/>
-              <a:t> (Tieto &amp; QPR)</a:t>
-            </a:r>
-          </a:p>
-          <a:p>
-            <a:endParaRPr lang="fi-FI" dirty="0"/>
-          </a:p>
-        </p:txBody>
-      </p:sp>
-    </p:spTree>
-    <p:extLst>
-      <p:ext uri="{BB962C8B-B14F-4D97-AF65-F5344CB8AC3E}">
-        <p14:creationId xmlns:p14="http://schemas.microsoft.com/office/powerpoint/2010/main" val="3189519877"/>
-      </p:ext>
-    </p:extLst>
-  </p:cSld>
-  <p:clrMapOvr>
-    <a:masterClrMapping/>
-  </p:clrMapOvr>
-  <p:timing>
-    <p:tnLst>
-      <p:par>
-        <p:cTn id="1" dur="indefinite" restart="never" nodeType="tmRoot"/>
-      </p:par>
-    </p:tnLst>
-  </p:timing>
-</p:sld>
-</file>
-
-<file path=ppt/slides/slide37.xml><?xml version="1.0" encoding="utf-8"?>
-<p:sld xmlns:a="http://schemas.openxmlformats.org/drawingml/2006/main" xmlns:r="http://schemas.openxmlformats.org/officeDocument/2006/relationships" xmlns:p="http://schemas.openxmlformats.org/presentationml/2006/main">
-  <p:cSld>
-    <p:spTree>
-      <p:nvGrpSpPr>
-        <p:cNvPr id="1" name=""/>
-        <p:cNvGrpSpPr/>
-        <p:nvPr/>
-      </p:nvGrpSpPr>
-      <p:grpSpPr>
-        <a:xfrm>
-          <a:off x="0" y="0"/>
-          <a:ext cx="0" cy="0"/>
-          <a:chOff x="0" y="0"/>
-          <a:chExt cx="0" cy="0"/>
-        </a:xfrm>
-      </p:grpSpPr>
-      <p:sp>
-        <p:nvSpPr>
-          <p:cNvPr id="2" name="Otsikko 1"/>
-          <p:cNvSpPr>
-            <a:spLocks noGrp="1"/>
-          </p:cNvSpPr>
-          <p:nvPr>
-            <p:ph type="title"/>
-          </p:nvPr>
-        </p:nvSpPr>
-        <p:spPr/>
-        <p:txBody>
-          <a:bodyPr/>
-          <a:lstStyle/>
-          <a:p>
-            <a:r>
-              <a:rPr lang="fi-FI" dirty="0" smtClean="0"/>
-              <a:t>Kokonaisarkkitehtuuri jatkossa</a:t>
-            </a:r>
-            <a:endParaRPr lang="fi-FI" dirty="0"/>
-          </a:p>
-        </p:txBody>
-      </p:sp>
-      <p:sp>
-        <p:nvSpPr>
-          <p:cNvPr id="3" name="Sisällön paikkamerkki 2"/>
-          <p:cNvSpPr>
-            <a:spLocks noGrp="1"/>
-          </p:cNvSpPr>
-          <p:nvPr>
-            <p:ph idx="1"/>
-          </p:nvPr>
-        </p:nvSpPr>
-        <p:spPr/>
-        <p:txBody>
-          <a:bodyPr/>
-          <a:lstStyle/>
-          <a:p>
-            <a:r>
-              <a:rPr lang="fi-FI" sz="2400" b="0" dirty="0" smtClean="0"/>
-              <a:t>Verohallinnossa koulutettu lukuisia prosessimallintajia – arkkitehtuuriverkoston ja kokonaisarkkitehtuurin ylläpito,  kehittäminen ja edelleen voimistaminen</a:t>
-            </a:r>
-          </a:p>
-          <a:p>
-            <a:pPr marL="0" indent="0">
-              <a:buNone/>
-            </a:pPr>
-            <a:endParaRPr lang="fi-FI" sz="2400" b="0" dirty="0" smtClean="0"/>
-          </a:p>
-          <a:p>
-            <a:r>
-              <a:rPr lang="fi-FI" sz="2400" b="0" dirty="0" smtClean="0"/>
-              <a:t>Työväline (QPR EA) laajemmin käytössä</a:t>
-            </a:r>
-          </a:p>
-          <a:p>
-            <a:pPr marL="0" indent="0">
-              <a:buNone/>
-            </a:pPr>
-            <a:endParaRPr lang="fi-FI" sz="2400" b="0" dirty="0" smtClean="0"/>
-          </a:p>
-          <a:p>
-            <a:r>
-              <a:rPr lang="fi-FI" sz="2400" b="0" dirty="0" smtClean="0"/>
-              <a:t>Kokonaisarkkitehtuuri vielä syvemmin osaksi strategia-  ja muuta päätöksentekoprosessia</a:t>
-            </a:r>
-          </a:p>
-          <a:p>
-            <a:endParaRPr lang="fi-FI" dirty="0"/>
-          </a:p>
-        </p:txBody>
-      </p:sp>
-    </p:spTree>
-    <p:extLst>
-      <p:ext uri="{BB962C8B-B14F-4D97-AF65-F5344CB8AC3E}">
-        <p14:creationId xmlns:p14="http://schemas.microsoft.com/office/powerpoint/2010/main" val="2808292708"/>
-      </p:ext>
-    </p:extLst>
-  </p:cSld>
-  <p:clrMapOvr>
-    <a:masterClrMapping/>
-  </p:clrMapOvr>
-  <p:timing>
-    <p:tnLst>
-      <p:par>
-        <p:cTn id="1" dur="indefinite" restart="never" nodeType="tmRoot"/>
-      </p:par>
-    </p:tnLst>
-  </p:timing>
-</p:sld>
-</file>
-
-<file path=ppt/slides/slide38.xml><?xml version="1.0" encoding="utf-8"?>
-<p:sld xmlns:a="http://schemas.openxmlformats.org/drawingml/2006/main" xmlns:r="http://schemas.openxmlformats.org/officeDocument/2006/relationships" xmlns:p="http://schemas.openxmlformats.org/presentationml/2006/main">
-  <p:cSld>
-    <p:spTree>
-      <p:nvGrpSpPr>
-        <p:cNvPr id="1" name=""/>
-        <p:cNvGrpSpPr/>
-        <p:nvPr/>
-      </p:nvGrpSpPr>
-      <p:grpSpPr>
-        <a:xfrm>
-          <a:off x="0" y="0"/>
-          <a:ext cx="0" cy="0"/>
-          <a:chOff x="0" y="0"/>
-          <a:chExt cx="0" cy="0"/>
-        </a:xfrm>
-      </p:grpSpPr>
-      <p:sp>
-        <p:nvSpPr>
-          <p:cNvPr id="2" name="Otsikko 1"/>
-          <p:cNvSpPr>
-            <a:spLocks noGrp="1"/>
-          </p:cNvSpPr>
-          <p:nvPr>
-            <p:ph type="title"/>
-          </p:nvPr>
-        </p:nvSpPr>
-        <p:spPr/>
-        <p:txBody>
-          <a:bodyPr/>
-          <a:lstStyle/>
-          <a:p>
-            <a:r>
-              <a:rPr lang="fi-FI" dirty="0" smtClean="0"/>
-              <a:t>Yhteenveto</a:t>
-            </a:r>
-            <a:endParaRPr lang="fi-FI" dirty="0"/>
-          </a:p>
-        </p:txBody>
-      </p:sp>
-      <p:sp>
-        <p:nvSpPr>
-          <p:cNvPr id="3" name="Sisällön paikkamerkki 2"/>
-          <p:cNvSpPr>
-            <a:spLocks noGrp="1"/>
-          </p:cNvSpPr>
-          <p:nvPr>
-            <p:ph idx="1"/>
-          </p:nvPr>
-        </p:nvSpPr>
-        <p:spPr/>
-        <p:txBody>
-          <a:bodyPr/>
-          <a:lstStyle/>
-          <a:p>
-            <a:r>
-              <a:rPr lang="fi-FI" sz="2400" b="0" dirty="0" smtClean="0"/>
-              <a:t>Kokonaisarkkitehtuuri lisäsi ymmärrystä Verohallinnon tilanteesta ja johti strategiseen tietojärjestelmävalintaan</a:t>
-            </a:r>
-          </a:p>
-          <a:p>
-            <a:pPr marL="0" indent="0">
-              <a:buNone/>
-            </a:pPr>
-            <a:endParaRPr lang="fi-FI" sz="2400" b="0" dirty="0" smtClean="0"/>
-          </a:p>
-          <a:p>
-            <a:r>
-              <a:rPr lang="fi-FI" sz="2400" b="0" dirty="0" smtClean="0"/>
-              <a:t>Matka on ollut  pitkä ja monivaiheinen, mutta ilman ymmärrystä kokonaisuudesta tuskin edes mahdollinen</a:t>
-            </a:r>
-          </a:p>
-          <a:p>
-            <a:pPr marL="0" indent="0">
-              <a:buNone/>
-            </a:pPr>
-            <a:endParaRPr lang="fi-FI" sz="2400" b="0" dirty="0" smtClean="0"/>
-          </a:p>
-          <a:p>
-            <a:r>
-              <a:rPr lang="fi-FI" sz="2400" b="0" dirty="0" smtClean="0"/>
-              <a:t>Kokonaisarkkitehtuuri menetelmänä hyvä ja käyttökelpoinen, mutta ei yksin riitä -  tarvitaan muutakin osaamista ja ymmärrystä</a:t>
-            </a:r>
-          </a:p>
-          <a:p>
-            <a:pPr marL="0" indent="0">
-              <a:buNone/>
-            </a:pPr>
-            <a:endParaRPr lang="fi-FI" sz="2400" b="0" dirty="0"/>
-          </a:p>
-          <a:p>
-            <a:pPr marL="0" indent="0">
-              <a:buNone/>
-            </a:pPr>
-            <a:endParaRPr lang="fi-FI" sz="2400" b="0" dirty="0"/>
-          </a:p>
-        </p:txBody>
-      </p:sp>
-    </p:spTree>
-    <p:extLst>
-      <p:ext uri="{BB962C8B-B14F-4D97-AF65-F5344CB8AC3E}">
-        <p14:creationId xmlns:p14="http://schemas.microsoft.com/office/powerpoint/2010/main" val="53902048"/>
-      </p:ext>
-    </p:extLst>
-  </p:cSld>
-  <p:clrMapOvr>
-    <a:masterClrMapping/>
-  </p:clrMapOvr>
-  <p:timing>
-    <p:tnLst>
-      <p:par>
-        <p:cTn id="1" dur="indefinite" restart="never" nodeType="tmRoot"/>
-      </p:par>
-    </p:tnLst>
-  </p:timing>
-</p:sld>
-</file>
-
-<file path=ppt/slides/slide39.xml><?xml version="1.0" encoding="utf-8"?>
-<p:sld xmlns:a="http://schemas.openxmlformats.org/drawingml/2006/main" xmlns:r="http://schemas.openxmlformats.org/officeDocument/2006/relationships" xmlns:p="http://schemas.openxmlformats.org/presentationml/2006/main">
-  <p:cSld>
-    <p:spTree>
-      <p:nvGrpSpPr>
-        <p:cNvPr id="1" name=""/>
-        <p:cNvGrpSpPr/>
-        <p:nvPr/>
-      </p:nvGrpSpPr>
-      <p:grpSpPr>
-        <a:xfrm>
-          <a:off x="0" y="0"/>
-          <a:ext cx="0" cy="0"/>
-          <a:chOff x="0" y="0"/>
-          <a:chExt cx="0" cy="0"/>
-        </a:xfrm>
-      </p:grpSpPr>
-      <p:sp>
-        <p:nvSpPr>
-          <p:cNvPr id="2" name="Otsikko 1"/>
-          <p:cNvSpPr>
-            <a:spLocks noGrp="1"/>
-          </p:cNvSpPr>
-          <p:nvPr>
-            <p:ph type="title"/>
-          </p:nvPr>
-        </p:nvSpPr>
-        <p:spPr>
-          <a:xfrm>
-            <a:off x="179512" y="152400"/>
-            <a:ext cx="8964488" cy="1143000"/>
-          </a:xfrm>
-        </p:spPr>
-        <p:txBody>
-          <a:bodyPr/>
-          <a:lstStyle/>
-          <a:p>
-            <a:r>
-              <a:rPr lang="fi-FI" sz="2400" b="0" dirty="0">
-                <a:solidFill>
-                  <a:schemeClr val="accent2"/>
-                </a:solidFill>
-              </a:rPr>
-              <a:t>Case Verohallinto: </a:t>
-            </a:r>
-            <a:r>
-              <a:rPr lang="fi-FI" sz="2400" b="0" dirty="0"/>
-              <a:t/>
-            </a:r>
-            <a:br>
-              <a:rPr lang="fi-FI" sz="2400" b="0" dirty="0"/>
-            </a:br>
-            <a:r>
-              <a:rPr lang="fi-FI" sz="2400" b="0" dirty="0"/>
-              <a:t>Suuret järjestelmäuudistukset kokonaisarkkitehtuurin periaattein</a:t>
-            </a:r>
-          </a:p>
-        </p:txBody>
-      </p:sp>
-      <p:sp>
-        <p:nvSpPr>
-          <p:cNvPr id="3" name="Sisällön paikkamerkki 2"/>
-          <p:cNvSpPr>
-            <a:spLocks noGrp="1"/>
-          </p:cNvSpPr>
-          <p:nvPr>
-            <p:ph idx="1"/>
-          </p:nvPr>
-        </p:nvSpPr>
-        <p:spPr>
-          <a:xfrm>
-            <a:off x="1115616" y="2636912"/>
-            <a:ext cx="7620000" cy="1045096"/>
-          </a:xfrm>
-        </p:spPr>
-        <p:txBody>
-          <a:bodyPr/>
-          <a:lstStyle/>
-          <a:p>
-            <a:r>
-              <a:rPr lang="fi-FI" dirty="0" smtClean="0"/>
-              <a:t>Kommentteja &amp; Kysymyksiä?</a:t>
-            </a:r>
-            <a:endParaRPr lang="fi-FI" dirty="0"/>
-          </a:p>
-        </p:txBody>
-      </p:sp>
-    </p:spTree>
-    <p:extLst>
-      <p:ext uri="{BB962C8B-B14F-4D97-AF65-F5344CB8AC3E}">
-        <p14:creationId xmlns:p14="http://schemas.microsoft.com/office/powerpoint/2010/main" val="2961302948"/>
       </p:ext>
     </p:extLst>
   </p:cSld>
